--- a/doc/20210316_CR.pptx
+++ b/doc/20210316_CR.pptx
@@ -5,16 +5,19 @@
     <p:sldMasterId id="2147483648" r:id="rId1"/>
   </p:sldMasterIdLst>
   <p:notesMasterIdLst>
-    <p:notesMasterId r:id="rId9"/>
+    <p:notesMasterId r:id="rId12"/>
   </p:notesMasterIdLst>
   <p:sldIdLst>
     <p:sldId id="260" r:id="rId2"/>
     <p:sldId id="262" r:id="rId3"/>
     <p:sldId id="258" r:id="rId4"/>
-    <p:sldId id="257" r:id="rId5"/>
-    <p:sldId id="259" r:id="rId6"/>
-    <p:sldId id="261" r:id="rId7"/>
-    <p:sldId id="263" r:id="rId8"/>
+    <p:sldId id="265" r:id="rId5"/>
+    <p:sldId id="266" r:id="rId6"/>
+    <p:sldId id="257" r:id="rId7"/>
+    <p:sldId id="259" r:id="rId8"/>
+    <p:sldId id="264" r:id="rId9"/>
+    <p:sldId id="261" r:id="rId10"/>
+    <p:sldId id="263" r:id="rId11"/>
   </p:sldIdLst>
   <p:sldSz cx="12192000" cy="6858000"/>
   <p:notesSz cx="6858000" cy="9144000"/>
@@ -113,6 +116,11 @@
       </a:defRPr>
     </a:lvl9pPr>
   </p:defaultTextStyle>
+  <p:extLst>
+    <p:ext uri="{EFAFB233-063F-42B5-8137-9DF3F51BA10A}">
+      <p15:sldGuideLst xmlns:p15="http://schemas.microsoft.com/office/powerpoint/2012/main"/>
+    </p:ext>
+  </p:extLst>
 </p:presentation>
 </file>
 
@@ -1572,6 +1580,1605 @@
           </a:p>
         </c:txPr>
         <c:crossAx val="636139176"/>
+        <c:crosses val="autoZero"/>
+        <c:crossBetween val="midCat"/>
+      </c:valAx>
+      <c:spPr>
+        <a:noFill/>
+        <a:ln>
+          <a:noFill/>
+        </a:ln>
+        <a:effectLst/>
+      </c:spPr>
+    </c:plotArea>
+    <c:plotVisOnly val="1"/>
+    <c:dispBlanksAs val="gap"/>
+    <c:extLst>
+      <c:ext xmlns:c16r3="http://schemas.microsoft.com/office/drawing/2017/03/chart" uri="{56B9EC1D-385E-4148-901F-78D8002777C0}">
+        <c16r3:dataDisplayOptions16>
+          <c16r3:dispNaAsBlank val="1"/>
+        </c16r3:dataDisplayOptions16>
+      </c:ext>
+    </c:extLst>
+    <c:showDLblsOverMax val="0"/>
+  </c:chart>
+  <c:spPr>
+    <a:noFill/>
+    <a:ln>
+      <a:noFill/>
+    </a:ln>
+    <a:effectLst/>
+  </c:spPr>
+  <c:txPr>
+    <a:bodyPr/>
+    <a:lstStyle/>
+    <a:p>
+      <a:pPr>
+        <a:defRPr/>
+      </a:pPr>
+      <a:endParaRPr lang="zh-CN"/>
+    </a:p>
+  </c:txPr>
+  <c:externalData r:id="rId3">
+    <c:autoUpdate val="0"/>
+  </c:externalData>
+</c:chartSpace>
+</file>
+
+<file path=ppt/charts/chart11.xml><?xml version="1.0" encoding="utf-8"?>
+<c:chartSpace xmlns:c="http://schemas.openxmlformats.org/drawingml/2006/chart" xmlns:a="http://schemas.openxmlformats.org/drawingml/2006/main" xmlns:r="http://schemas.openxmlformats.org/officeDocument/2006/relationships" xmlns:c16r2="http://schemas.microsoft.com/office/drawing/2015/06/chart">
+  <c:date1904 val="0"/>
+  <c:lang val="en-US"/>
+  <c:roundedCorners val="0"/>
+  <mc:AlternateContent xmlns:mc="http://schemas.openxmlformats.org/markup-compatibility/2006">
+    <mc:Choice xmlns:c14="http://schemas.microsoft.com/office/drawing/2007/8/2/chart" Requires="c14">
+      <c14:style val="102"/>
+    </mc:Choice>
+    <mc:Fallback>
+      <c:style val="2"/>
+    </mc:Fallback>
+  </mc:AlternateContent>
+  <c:chart>
+    <c:title>
+      <c:tx>
+        <c:rich>
+          <a:bodyPr rot="0" spcFirstLastPara="1" vertOverflow="ellipsis" vert="horz" wrap="square" anchor="ctr" anchorCtr="1"/>
+          <a:lstStyle/>
+          <a:p>
+            <a:pPr>
+              <a:defRPr sz="1400" b="0" i="0" u="none" strike="noStrike" kern="1200" spc="0" baseline="0">
+                <a:solidFill>
+                  <a:schemeClr val="tx1">
+                    <a:lumMod val="65000"/>
+                    <a:lumOff val="35000"/>
+                  </a:schemeClr>
+                </a:solidFill>
+                <a:latin typeface="+mn-lt"/>
+                <a:ea typeface="+mn-ea"/>
+                <a:cs typeface="+mn-cs"/>
+              </a:defRPr>
+            </a:pPr>
+            <a:r>
+              <a:rPr lang="en-US" altLang="zh-CN"/>
+              <a:t>Dot product source feature only</a:t>
+            </a:r>
+          </a:p>
+        </c:rich>
+      </c:tx>
+      <c:overlay val="0"/>
+      <c:spPr>
+        <a:noFill/>
+        <a:ln>
+          <a:noFill/>
+        </a:ln>
+        <a:effectLst/>
+      </c:spPr>
+      <c:txPr>
+        <a:bodyPr rot="0" spcFirstLastPara="1" vertOverflow="ellipsis" vert="horz" wrap="square" anchor="ctr" anchorCtr="1"/>
+        <a:lstStyle/>
+        <a:p>
+          <a:pPr>
+            <a:defRPr sz="1400" b="0" i="0" u="none" strike="noStrike" kern="1200" spc="0" baseline="0">
+              <a:solidFill>
+                <a:schemeClr val="tx1">
+                  <a:lumMod val="65000"/>
+                  <a:lumOff val="35000"/>
+                </a:schemeClr>
+              </a:solidFill>
+              <a:latin typeface="+mn-lt"/>
+              <a:ea typeface="+mn-ea"/>
+              <a:cs typeface="+mn-cs"/>
+            </a:defRPr>
+          </a:pPr>
+          <a:endParaRPr lang="zh-CN"/>
+        </a:p>
+      </c:txPr>
+    </c:title>
+    <c:autoTitleDeleted val="0"/>
+    <c:plotArea>
+      <c:layout/>
+      <c:scatterChart>
+        <c:scatterStyle val="lineMarker"/>
+        <c:varyColors val="0"/>
+        <c:ser>
+          <c:idx val="0"/>
+          <c:order val="0"/>
+          <c:tx>
+            <c:strRef>
+              <c:f>Sheet2!$D$1</c:f>
+              <c:strCache>
+                <c:ptCount val="1"/>
+                <c:pt idx="0">
+                  <c:v>dot product</c:v>
+                </c:pt>
+              </c:strCache>
+            </c:strRef>
+          </c:tx>
+          <c:spPr>
+            <a:ln w="19050" cap="rnd">
+              <a:noFill/>
+              <a:round/>
+            </a:ln>
+            <a:effectLst/>
+          </c:spPr>
+          <c:marker>
+            <c:symbol val="circle"/>
+            <c:size val="5"/>
+            <c:spPr>
+              <a:solidFill>
+                <a:schemeClr val="accent1"/>
+              </a:solidFill>
+              <a:ln w="9525">
+                <a:solidFill>
+                  <a:schemeClr val="accent1"/>
+                </a:solidFill>
+              </a:ln>
+              <a:effectLst/>
+            </c:spPr>
+          </c:marker>
+          <c:xVal>
+            <c:numRef>
+              <c:f>Sheet2!$B$2:$B$19</c:f>
+              <c:numCache>
+                <c:formatCode>General</c:formatCode>
+                <c:ptCount val="18"/>
+                <c:pt idx="0">
+                  <c:v>0</c:v>
+                </c:pt>
+                <c:pt idx="1">
+                  <c:v>1</c:v>
+                </c:pt>
+                <c:pt idx="2">
+                  <c:v>1</c:v>
+                </c:pt>
+                <c:pt idx="3">
+                  <c:v>18</c:v>
+                </c:pt>
+                <c:pt idx="4">
+                  <c:v>4</c:v>
+                </c:pt>
+                <c:pt idx="5">
+                  <c:v>0</c:v>
+                </c:pt>
+                <c:pt idx="6">
+                  <c:v>0</c:v>
+                </c:pt>
+                <c:pt idx="7">
+                  <c:v>0</c:v>
+                </c:pt>
+                <c:pt idx="8">
+                  <c:v>4</c:v>
+                </c:pt>
+                <c:pt idx="9">
+                  <c:v>0</c:v>
+                </c:pt>
+                <c:pt idx="10">
+                  <c:v>0</c:v>
+                </c:pt>
+                <c:pt idx="11">
+                  <c:v>0</c:v>
+                </c:pt>
+                <c:pt idx="12">
+                  <c:v>0.16</c:v>
+                </c:pt>
+                <c:pt idx="13">
+                  <c:v>0</c:v>
+                </c:pt>
+                <c:pt idx="14">
+                  <c:v>30</c:v>
+                </c:pt>
+                <c:pt idx="15">
+                  <c:v>10</c:v>
+                </c:pt>
+                <c:pt idx="16">
+                  <c:v>0.16</c:v>
+                </c:pt>
+                <c:pt idx="17">
+                  <c:v>0</c:v>
+                </c:pt>
+              </c:numCache>
+            </c:numRef>
+          </c:xVal>
+          <c:yVal>
+            <c:numRef>
+              <c:f>Sheet2!$D$2:$D$19</c:f>
+              <c:numCache>
+                <c:formatCode>General</c:formatCode>
+                <c:ptCount val="18"/>
+                <c:pt idx="0">
+                  <c:v>0.998571790510976</c:v>
+                </c:pt>
+                <c:pt idx="1">
+                  <c:v>0.99924236234272601</c:v>
+                </c:pt>
+                <c:pt idx="2">
+                  <c:v>0.99923180247814303</c:v>
+                </c:pt>
+                <c:pt idx="3">
+                  <c:v>0.999341459626085</c:v>
+                </c:pt>
+                <c:pt idx="4">
+                  <c:v>0.99928307416104201</c:v>
+                </c:pt>
+                <c:pt idx="5">
+                  <c:v>0.99863199525824298</c:v>
+                </c:pt>
+                <c:pt idx="6">
+                  <c:v>0.99843034016870102</c:v>
+                </c:pt>
+                <c:pt idx="7">
+                  <c:v>0.99658841010753896</c:v>
+                </c:pt>
+                <c:pt idx="8">
+                  <c:v>0.99926110033651705</c:v>
+                </c:pt>
+                <c:pt idx="9">
+                  <c:v>0.99866048911134697</c:v>
+                </c:pt>
+                <c:pt idx="10">
+                  <c:v>0.99858321374802494</c:v>
+                </c:pt>
+                <c:pt idx="11">
+                  <c:v>0.99844536792651295</c:v>
+                </c:pt>
+                <c:pt idx="12">
+                  <c:v>0.99899034394961095</c:v>
+                </c:pt>
+                <c:pt idx="13">
+                  <c:v>0.99639591226499002</c:v>
+                </c:pt>
+                <c:pt idx="14">
+                  <c:v>0.99928572698660101</c:v>
+                </c:pt>
+                <c:pt idx="15">
+                  <c:v>0.99928129911455199</c:v>
+                </c:pt>
+                <c:pt idx="16">
+                  <c:v>0.99897393787127298</c:v>
+                </c:pt>
+                <c:pt idx="17">
+                  <c:v>0.99759455505051198</c:v>
+                </c:pt>
+              </c:numCache>
+            </c:numRef>
+          </c:yVal>
+          <c:smooth val="0"/>
+          <c:extLst>
+            <c:ext xmlns:c16="http://schemas.microsoft.com/office/drawing/2014/chart" uri="{C3380CC4-5D6E-409C-BE32-E72D297353CC}">
+              <c16:uniqueId val="{00000000-64F6-4C7C-BD0A-0AB261F7CB46}"/>
+            </c:ext>
+          </c:extLst>
+        </c:ser>
+        <c:ser>
+          <c:idx val="1"/>
+          <c:order val="1"/>
+          <c:spPr>
+            <a:ln w="25400" cap="rnd">
+              <a:noFill/>
+              <a:round/>
+            </a:ln>
+            <a:effectLst/>
+          </c:spPr>
+          <c:marker>
+            <c:symbol val="circle"/>
+            <c:size val="5"/>
+            <c:spPr>
+              <a:solidFill>
+                <a:schemeClr val="accent2"/>
+              </a:solidFill>
+              <a:ln w="9525">
+                <a:solidFill>
+                  <a:schemeClr val="accent2"/>
+                </a:solidFill>
+              </a:ln>
+              <a:effectLst/>
+            </c:spPr>
+          </c:marker>
+          <c:xVal>
+            <c:numRef>
+              <c:f>Sheet2!$B$22:$B$36</c:f>
+              <c:numCache>
+                <c:formatCode>General</c:formatCode>
+                <c:ptCount val="15"/>
+                <c:pt idx="0">
+                  <c:v>4</c:v>
+                </c:pt>
+                <c:pt idx="1">
+                  <c:v>0.16</c:v>
+                </c:pt>
+                <c:pt idx="2">
+                  <c:v>10</c:v>
+                </c:pt>
+                <c:pt idx="3">
+                  <c:v>0</c:v>
+                </c:pt>
+                <c:pt idx="4">
+                  <c:v>1</c:v>
+                </c:pt>
+                <c:pt idx="5">
+                  <c:v>0</c:v>
+                </c:pt>
+                <c:pt idx="6">
+                  <c:v>0.16</c:v>
+                </c:pt>
+                <c:pt idx="7">
+                  <c:v>0</c:v>
+                </c:pt>
+                <c:pt idx="8">
+                  <c:v>18</c:v>
+                </c:pt>
+                <c:pt idx="9">
+                  <c:v>4</c:v>
+                </c:pt>
+                <c:pt idx="10">
+                  <c:v>0</c:v>
+                </c:pt>
+                <c:pt idx="11">
+                  <c:v>30</c:v>
+                </c:pt>
+                <c:pt idx="12">
+                  <c:v>1</c:v>
+                </c:pt>
+                <c:pt idx="13">
+                  <c:v>0</c:v>
+                </c:pt>
+                <c:pt idx="14">
+                  <c:v>0</c:v>
+                </c:pt>
+              </c:numCache>
+            </c:numRef>
+          </c:xVal>
+          <c:yVal>
+            <c:numRef>
+              <c:f>Sheet2!$D$22:$D$36</c:f>
+              <c:numCache>
+                <c:formatCode>General</c:formatCode>
+                <c:ptCount val="15"/>
+                <c:pt idx="0">
+                  <c:v>0.99992533818653895</c:v>
+                </c:pt>
+                <c:pt idx="1">
+                  <c:v>0.99935605507458403</c:v>
+                </c:pt>
+                <c:pt idx="2">
+                  <c:v>0.99999311715842099</c:v>
+                </c:pt>
+                <c:pt idx="3">
+                  <c:v>0.99629828581697399</c:v>
+                </c:pt>
+                <c:pt idx="4">
+                  <c:v>0.99988637909082401</c:v>
+                </c:pt>
+                <c:pt idx="5">
+                  <c:v>0.99556389194633199</c:v>
+                </c:pt>
+                <c:pt idx="6">
+                  <c:v>0.99933139298975304</c:v>
+                </c:pt>
+                <c:pt idx="7">
+                  <c:v>0.99617151313002505</c:v>
+                </c:pt>
+                <c:pt idx="8">
+                  <c:v>0.99987576043870796</c:v>
+                </c:pt>
+                <c:pt idx="9">
+                  <c:v>0.99993162518261902</c:v>
+                </c:pt>
+                <c:pt idx="10">
+                  <c:v>0.99186707093626403</c:v>
+                </c:pt>
+                <c:pt idx="11">
+                  <c:v>0.99998934359262703</c:v>
+                </c:pt>
+                <c:pt idx="12">
+                  <c:v>0.99989526789536598</c:v>
+                </c:pt>
+                <c:pt idx="13">
+                  <c:v>0.99542715358907397</c:v>
+                </c:pt>
+                <c:pt idx="14">
+                  <c:v>0.99566471976624404</c:v>
+                </c:pt>
+              </c:numCache>
+            </c:numRef>
+          </c:yVal>
+          <c:smooth val="0"/>
+          <c:extLst>
+            <c:ext xmlns:c16="http://schemas.microsoft.com/office/drawing/2014/chart" uri="{C3380CC4-5D6E-409C-BE32-E72D297353CC}">
+              <c16:uniqueId val="{00000001-64F6-4C7C-BD0A-0AB261F7CB46}"/>
+            </c:ext>
+          </c:extLst>
+        </c:ser>
+        <c:dLbls>
+          <c:showLegendKey val="0"/>
+          <c:showVal val="0"/>
+          <c:showCatName val="0"/>
+          <c:showSerName val="0"/>
+          <c:showPercent val="0"/>
+          <c:showBubbleSize val="0"/>
+        </c:dLbls>
+        <c:axId val="706948064"/>
+        <c:axId val="706951016"/>
+      </c:scatterChart>
+      <c:valAx>
+        <c:axId val="706948064"/>
+        <c:scaling>
+          <c:orientation val="minMax"/>
+        </c:scaling>
+        <c:delete val="0"/>
+        <c:axPos val="b"/>
+        <c:numFmt formatCode="General" sourceLinked="1"/>
+        <c:majorTickMark val="none"/>
+        <c:minorTickMark val="none"/>
+        <c:tickLblPos val="nextTo"/>
+        <c:spPr>
+          <a:noFill/>
+          <a:ln w="9525" cap="flat" cmpd="sng" algn="ctr">
+            <a:solidFill>
+              <a:schemeClr val="tx1">
+                <a:lumMod val="25000"/>
+                <a:lumOff val="75000"/>
+              </a:schemeClr>
+            </a:solidFill>
+            <a:round/>
+          </a:ln>
+          <a:effectLst/>
+        </c:spPr>
+        <c:txPr>
+          <a:bodyPr rot="-60000000" spcFirstLastPara="1" vertOverflow="ellipsis" vert="horz" wrap="square" anchor="ctr" anchorCtr="1"/>
+          <a:lstStyle/>
+          <a:p>
+            <a:pPr>
+              <a:defRPr sz="900" b="0" i="0" u="none" strike="noStrike" kern="1200" baseline="0">
+                <a:solidFill>
+                  <a:schemeClr val="tx1">
+                    <a:lumMod val="65000"/>
+                    <a:lumOff val="35000"/>
+                  </a:schemeClr>
+                </a:solidFill>
+                <a:latin typeface="+mn-lt"/>
+                <a:ea typeface="+mn-ea"/>
+                <a:cs typeface="+mn-cs"/>
+              </a:defRPr>
+            </a:pPr>
+            <a:endParaRPr lang="zh-CN"/>
+          </a:p>
+        </c:txPr>
+        <c:crossAx val="706951016"/>
+        <c:crosses val="autoZero"/>
+        <c:crossBetween val="midCat"/>
+      </c:valAx>
+      <c:valAx>
+        <c:axId val="706951016"/>
+        <c:scaling>
+          <c:orientation val="minMax"/>
+        </c:scaling>
+        <c:delete val="0"/>
+        <c:axPos val="l"/>
+        <c:numFmt formatCode="General" sourceLinked="1"/>
+        <c:majorTickMark val="none"/>
+        <c:minorTickMark val="none"/>
+        <c:tickLblPos val="nextTo"/>
+        <c:spPr>
+          <a:noFill/>
+          <a:ln w="9525" cap="flat" cmpd="sng" algn="ctr">
+            <a:solidFill>
+              <a:schemeClr val="tx1">
+                <a:lumMod val="25000"/>
+                <a:lumOff val="75000"/>
+              </a:schemeClr>
+            </a:solidFill>
+            <a:round/>
+          </a:ln>
+          <a:effectLst/>
+        </c:spPr>
+        <c:txPr>
+          <a:bodyPr rot="-60000000" spcFirstLastPara="1" vertOverflow="ellipsis" vert="horz" wrap="square" anchor="ctr" anchorCtr="1"/>
+          <a:lstStyle/>
+          <a:p>
+            <a:pPr>
+              <a:defRPr sz="900" b="0" i="0" u="none" strike="noStrike" kern="1200" baseline="0">
+                <a:solidFill>
+                  <a:schemeClr val="tx1">
+                    <a:lumMod val="65000"/>
+                    <a:lumOff val="35000"/>
+                  </a:schemeClr>
+                </a:solidFill>
+                <a:latin typeface="+mn-lt"/>
+                <a:ea typeface="+mn-ea"/>
+                <a:cs typeface="+mn-cs"/>
+              </a:defRPr>
+            </a:pPr>
+            <a:endParaRPr lang="zh-CN"/>
+          </a:p>
+        </c:txPr>
+        <c:crossAx val="706948064"/>
+        <c:crosses val="autoZero"/>
+        <c:crossBetween val="midCat"/>
+      </c:valAx>
+      <c:spPr>
+        <a:noFill/>
+        <a:ln>
+          <a:noFill/>
+        </a:ln>
+        <a:effectLst/>
+      </c:spPr>
+    </c:plotArea>
+    <c:plotVisOnly val="1"/>
+    <c:dispBlanksAs val="gap"/>
+    <c:extLst>
+      <c:ext xmlns:c16r3="http://schemas.microsoft.com/office/drawing/2017/03/chart" uri="{56B9EC1D-385E-4148-901F-78D8002777C0}">
+        <c16r3:dataDisplayOptions16>
+          <c16r3:dispNaAsBlank val="1"/>
+        </c16r3:dataDisplayOptions16>
+      </c:ext>
+    </c:extLst>
+    <c:showDLblsOverMax val="0"/>
+  </c:chart>
+  <c:spPr>
+    <a:noFill/>
+    <a:ln>
+      <a:noFill/>
+    </a:ln>
+    <a:effectLst/>
+  </c:spPr>
+  <c:txPr>
+    <a:bodyPr/>
+    <a:lstStyle/>
+    <a:p>
+      <a:pPr>
+        <a:defRPr/>
+      </a:pPr>
+      <a:endParaRPr lang="zh-CN"/>
+    </a:p>
+  </c:txPr>
+  <c:externalData r:id="rId3">
+    <c:autoUpdate val="0"/>
+  </c:externalData>
+</c:chartSpace>
+</file>
+
+<file path=ppt/charts/chart12.xml><?xml version="1.0" encoding="utf-8"?>
+<c:chartSpace xmlns:c="http://schemas.openxmlformats.org/drawingml/2006/chart" xmlns:a="http://schemas.openxmlformats.org/drawingml/2006/main" xmlns:r="http://schemas.openxmlformats.org/officeDocument/2006/relationships" xmlns:c16r2="http://schemas.microsoft.com/office/drawing/2015/06/chart">
+  <c:date1904 val="0"/>
+  <c:lang val="en-US"/>
+  <c:roundedCorners val="0"/>
+  <mc:AlternateContent xmlns:mc="http://schemas.openxmlformats.org/markup-compatibility/2006">
+    <mc:Choice xmlns:c14="http://schemas.microsoft.com/office/drawing/2007/8/2/chart" Requires="c14">
+      <c14:style val="102"/>
+    </mc:Choice>
+    <mc:Fallback>
+      <c:style val="2"/>
+    </mc:Fallback>
+  </mc:AlternateContent>
+  <c:chart>
+    <c:title>
+      <c:tx>
+        <c:rich>
+          <a:bodyPr rot="0" spcFirstLastPara="1" vertOverflow="ellipsis" vert="horz" wrap="square" anchor="ctr" anchorCtr="1"/>
+          <a:lstStyle/>
+          <a:p>
+            <a:pPr>
+              <a:defRPr sz="1400" b="0" i="0" u="none" strike="noStrike" kern="1200" spc="0" baseline="0">
+                <a:solidFill>
+                  <a:schemeClr val="tx1">
+                    <a:lumMod val="65000"/>
+                    <a:lumOff val="35000"/>
+                  </a:schemeClr>
+                </a:solidFill>
+                <a:latin typeface="+mn-lt"/>
+                <a:ea typeface="+mn-ea"/>
+                <a:cs typeface="+mn-cs"/>
+              </a:defRPr>
+            </a:pPr>
+            <a:r>
+              <a:rPr lang="en-US" altLang="zh-CN" dirty="0"/>
+              <a:t>Jaccard log source only</a:t>
+            </a:r>
+          </a:p>
+        </c:rich>
+      </c:tx>
+      <c:overlay val="0"/>
+      <c:spPr>
+        <a:noFill/>
+        <a:ln>
+          <a:noFill/>
+        </a:ln>
+        <a:effectLst/>
+      </c:spPr>
+      <c:txPr>
+        <a:bodyPr rot="0" spcFirstLastPara="1" vertOverflow="ellipsis" vert="horz" wrap="square" anchor="ctr" anchorCtr="1"/>
+        <a:lstStyle/>
+        <a:p>
+          <a:pPr>
+            <a:defRPr sz="1400" b="0" i="0" u="none" strike="noStrike" kern="1200" spc="0" baseline="0">
+              <a:solidFill>
+                <a:schemeClr val="tx1">
+                  <a:lumMod val="65000"/>
+                  <a:lumOff val="35000"/>
+                </a:schemeClr>
+              </a:solidFill>
+              <a:latin typeface="+mn-lt"/>
+              <a:ea typeface="+mn-ea"/>
+              <a:cs typeface="+mn-cs"/>
+            </a:defRPr>
+          </a:pPr>
+          <a:endParaRPr lang="zh-CN"/>
+        </a:p>
+      </c:txPr>
+    </c:title>
+    <c:autoTitleDeleted val="0"/>
+    <c:plotArea>
+      <c:layout/>
+      <c:scatterChart>
+        <c:scatterStyle val="lineMarker"/>
+        <c:varyColors val="0"/>
+        <c:ser>
+          <c:idx val="0"/>
+          <c:order val="0"/>
+          <c:tx>
+            <c:strRef>
+              <c:f>Sheet2!$E$1</c:f>
+              <c:strCache>
+                <c:ptCount val="1"/>
+                <c:pt idx="0">
+                  <c:v>jaccard_raw</c:v>
+                </c:pt>
+              </c:strCache>
+            </c:strRef>
+          </c:tx>
+          <c:spPr>
+            <a:ln w="19050" cap="rnd">
+              <a:noFill/>
+              <a:round/>
+            </a:ln>
+            <a:effectLst/>
+          </c:spPr>
+          <c:marker>
+            <c:symbol val="circle"/>
+            <c:size val="5"/>
+            <c:spPr>
+              <a:solidFill>
+                <a:schemeClr val="accent1"/>
+              </a:solidFill>
+              <a:ln w="9525">
+                <a:solidFill>
+                  <a:schemeClr val="accent1"/>
+                </a:solidFill>
+              </a:ln>
+              <a:effectLst/>
+            </c:spPr>
+          </c:marker>
+          <c:xVal>
+            <c:numRef>
+              <c:f>Sheet2!$B$2:$B$19</c:f>
+              <c:numCache>
+                <c:formatCode>General</c:formatCode>
+                <c:ptCount val="18"/>
+                <c:pt idx="0">
+                  <c:v>0</c:v>
+                </c:pt>
+                <c:pt idx="1">
+                  <c:v>1</c:v>
+                </c:pt>
+                <c:pt idx="2">
+                  <c:v>1</c:v>
+                </c:pt>
+                <c:pt idx="3">
+                  <c:v>18</c:v>
+                </c:pt>
+                <c:pt idx="4">
+                  <c:v>4</c:v>
+                </c:pt>
+                <c:pt idx="5">
+                  <c:v>0</c:v>
+                </c:pt>
+                <c:pt idx="6">
+                  <c:v>0</c:v>
+                </c:pt>
+                <c:pt idx="7">
+                  <c:v>0</c:v>
+                </c:pt>
+                <c:pt idx="8">
+                  <c:v>4</c:v>
+                </c:pt>
+                <c:pt idx="9">
+                  <c:v>0</c:v>
+                </c:pt>
+                <c:pt idx="10">
+                  <c:v>0</c:v>
+                </c:pt>
+                <c:pt idx="11">
+                  <c:v>0</c:v>
+                </c:pt>
+                <c:pt idx="12">
+                  <c:v>0.16</c:v>
+                </c:pt>
+                <c:pt idx="13">
+                  <c:v>0</c:v>
+                </c:pt>
+                <c:pt idx="14">
+                  <c:v>30</c:v>
+                </c:pt>
+                <c:pt idx="15">
+                  <c:v>10</c:v>
+                </c:pt>
+                <c:pt idx="16">
+                  <c:v>0.16</c:v>
+                </c:pt>
+                <c:pt idx="17">
+                  <c:v>0</c:v>
+                </c:pt>
+              </c:numCache>
+            </c:numRef>
+          </c:xVal>
+          <c:yVal>
+            <c:numRef>
+              <c:f>Sheet2!$E$2:$E$19</c:f>
+              <c:numCache>
+                <c:formatCode>General</c:formatCode>
+                <c:ptCount val="18"/>
+                <c:pt idx="0">
+                  <c:v>6.1519944993600403E-2</c:v>
+                </c:pt>
+                <c:pt idx="1">
+                  <c:v>5.9140294550515803E-2</c:v>
+                </c:pt>
+                <c:pt idx="2">
+                  <c:v>7.4737814939052294E-2</c:v>
+                </c:pt>
+                <c:pt idx="3">
+                  <c:v>0.22241911604418199</c:v>
+                </c:pt>
+                <c:pt idx="4">
+                  <c:v>7.07333635700889E-2</c:v>
+                </c:pt>
+                <c:pt idx="5">
+                  <c:v>4.6978684902870903E-2</c:v>
+                </c:pt>
+                <c:pt idx="6">
+                  <c:v>5.0376560552283602E-2</c:v>
+                </c:pt>
+                <c:pt idx="7">
+                  <c:v>7.4827485019890394E-2</c:v>
+                </c:pt>
+                <c:pt idx="8">
+                  <c:v>0.114802965963289</c:v>
+                </c:pt>
+                <c:pt idx="9">
+                  <c:v>6.2891477513857194E-2</c:v>
+                </c:pt>
+                <c:pt idx="10">
+                  <c:v>5.1687786445093899E-2</c:v>
+                </c:pt>
+                <c:pt idx="11">
+                  <c:v>5.3353993312147401E-2</c:v>
+                </c:pt>
+                <c:pt idx="12">
+                  <c:v>6.8109559864421104E-2</c:v>
+                </c:pt>
+                <c:pt idx="13">
+                  <c:v>6.8647061121172998E-2</c:v>
+                </c:pt>
+                <c:pt idx="14">
+                  <c:v>0.43248252583147301</c:v>
+                </c:pt>
+                <c:pt idx="15">
+                  <c:v>9.1454792489704201E-2</c:v>
+                </c:pt>
+                <c:pt idx="16">
+                  <c:v>5.4332408989002601E-2</c:v>
+                </c:pt>
+                <c:pt idx="17">
+                  <c:v>7.5032214163769803E-2</c:v>
+                </c:pt>
+              </c:numCache>
+            </c:numRef>
+          </c:yVal>
+          <c:smooth val="0"/>
+          <c:extLst>
+            <c:ext xmlns:c16="http://schemas.microsoft.com/office/drawing/2014/chart" uri="{C3380CC4-5D6E-409C-BE32-E72D297353CC}">
+              <c16:uniqueId val="{00000000-DE0D-49C2-B220-2A2E824110B0}"/>
+            </c:ext>
+          </c:extLst>
+        </c:ser>
+        <c:ser>
+          <c:idx val="1"/>
+          <c:order val="1"/>
+          <c:spPr>
+            <a:ln w="25400" cap="rnd">
+              <a:noFill/>
+              <a:round/>
+            </a:ln>
+            <a:effectLst/>
+          </c:spPr>
+          <c:marker>
+            <c:symbol val="circle"/>
+            <c:size val="5"/>
+            <c:spPr>
+              <a:solidFill>
+                <a:schemeClr val="accent2"/>
+              </a:solidFill>
+              <a:ln w="9525">
+                <a:solidFill>
+                  <a:schemeClr val="accent2"/>
+                </a:solidFill>
+              </a:ln>
+              <a:effectLst/>
+            </c:spPr>
+          </c:marker>
+          <c:xVal>
+            <c:numRef>
+              <c:f>Sheet2!$B$22:$B$36</c:f>
+              <c:numCache>
+                <c:formatCode>General</c:formatCode>
+                <c:ptCount val="15"/>
+                <c:pt idx="0">
+                  <c:v>4</c:v>
+                </c:pt>
+                <c:pt idx="1">
+                  <c:v>0.16</c:v>
+                </c:pt>
+                <c:pt idx="2">
+                  <c:v>10</c:v>
+                </c:pt>
+                <c:pt idx="3">
+                  <c:v>0</c:v>
+                </c:pt>
+                <c:pt idx="4">
+                  <c:v>1</c:v>
+                </c:pt>
+                <c:pt idx="5">
+                  <c:v>0</c:v>
+                </c:pt>
+                <c:pt idx="6">
+                  <c:v>0.16</c:v>
+                </c:pt>
+                <c:pt idx="7">
+                  <c:v>0</c:v>
+                </c:pt>
+                <c:pt idx="8">
+                  <c:v>18</c:v>
+                </c:pt>
+                <c:pt idx="9">
+                  <c:v>4</c:v>
+                </c:pt>
+                <c:pt idx="10">
+                  <c:v>0</c:v>
+                </c:pt>
+                <c:pt idx="11">
+                  <c:v>30</c:v>
+                </c:pt>
+                <c:pt idx="12">
+                  <c:v>1</c:v>
+                </c:pt>
+                <c:pt idx="13">
+                  <c:v>0</c:v>
+                </c:pt>
+                <c:pt idx="14">
+                  <c:v>0</c:v>
+                </c:pt>
+              </c:numCache>
+            </c:numRef>
+          </c:xVal>
+          <c:yVal>
+            <c:numRef>
+              <c:f>Sheet2!$E$22:$E$36</c:f>
+              <c:numCache>
+                <c:formatCode>General</c:formatCode>
+                <c:ptCount val="15"/>
+                <c:pt idx="0">
+                  <c:v>0.156284550117013</c:v>
+                </c:pt>
+                <c:pt idx="1">
+                  <c:v>8.9163014236919899E-2</c:v>
+                </c:pt>
+                <c:pt idx="2">
+                  <c:v>0.15206448244979701</c:v>
+                </c:pt>
+                <c:pt idx="3">
+                  <c:v>9.1131339527446606E-2</c:v>
+                </c:pt>
+                <c:pt idx="4">
+                  <c:v>9.3280149574437907E-2</c:v>
+                </c:pt>
+                <c:pt idx="5">
+                  <c:v>8.3949205578889893E-2</c:v>
+                </c:pt>
+                <c:pt idx="6">
+                  <c:v>9.6336632206056899E-2</c:v>
+                </c:pt>
+                <c:pt idx="7">
+                  <c:v>8.3012630190193198E-2</c:v>
+                </c:pt>
+                <c:pt idx="8">
+                  <c:v>0.24513418276281901</c:v>
+                </c:pt>
+                <c:pt idx="9">
+                  <c:v>0.117844208169795</c:v>
+                </c:pt>
+                <c:pt idx="10">
+                  <c:v>8.4518492461964204E-2</c:v>
+                </c:pt>
+                <c:pt idx="11">
+                  <c:v>0.37384726100912002</c:v>
+                </c:pt>
+                <c:pt idx="12">
+                  <c:v>0.10759314973417999</c:v>
+                </c:pt>
+                <c:pt idx="13">
+                  <c:v>8.2464585797596093E-2</c:v>
+                </c:pt>
+                <c:pt idx="14">
+                  <c:v>9.0892853454078701E-2</c:v>
+                </c:pt>
+              </c:numCache>
+            </c:numRef>
+          </c:yVal>
+          <c:smooth val="0"/>
+          <c:extLst>
+            <c:ext xmlns:c16="http://schemas.microsoft.com/office/drawing/2014/chart" uri="{C3380CC4-5D6E-409C-BE32-E72D297353CC}">
+              <c16:uniqueId val="{00000001-DE0D-49C2-B220-2A2E824110B0}"/>
+            </c:ext>
+          </c:extLst>
+        </c:ser>
+        <c:dLbls>
+          <c:showLegendKey val="0"/>
+          <c:showVal val="0"/>
+          <c:showCatName val="0"/>
+          <c:showSerName val="0"/>
+          <c:showPercent val="0"/>
+          <c:showBubbleSize val="0"/>
+        </c:dLbls>
+        <c:axId val="662446696"/>
+        <c:axId val="662448008"/>
+      </c:scatterChart>
+      <c:valAx>
+        <c:axId val="662446696"/>
+        <c:scaling>
+          <c:orientation val="minMax"/>
+        </c:scaling>
+        <c:delete val="0"/>
+        <c:axPos val="b"/>
+        <c:numFmt formatCode="General" sourceLinked="1"/>
+        <c:majorTickMark val="none"/>
+        <c:minorTickMark val="none"/>
+        <c:tickLblPos val="nextTo"/>
+        <c:spPr>
+          <a:noFill/>
+          <a:ln w="9525" cap="flat" cmpd="sng" algn="ctr">
+            <a:solidFill>
+              <a:schemeClr val="tx1">
+                <a:lumMod val="25000"/>
+                <a:lumOff val="75000"/>
+              </a:schemeClr>
+            </a:solidFill>
+            <a:round/>
+          </a:ln>
+          <a:effectLst/>
+        </c:spPr>
+        <c:txPr>
+          <a:bodyPr rot="-60000000" spcFirstLastPara="1" vertOverflow="ellipsis" vert="horz" wrap="square" anchor="ctr" anchorCtr="1"/>
+          <a:lstStyle/>
+          <a:p>
+            <a:pPr>
+              <a:defRPr sz="900" b="0" i="0" u="none" strike="noStrike" kern="1200" baseline="0">
+                <a:solidFill>
+                  <a:schemeClr val="tx1">
+                    <a:lumMod val="65000"/>
+                    <a:lumOff val="35000"/>
+                  </a:schemeClr>
+                </a:solidFill>
+                <a:latin typeface="+mn-lt"/>
+                <a:ea typeface="+mn-ea"/>
+                <a:cs typeface="+mn-cs"/>
+              </a:defRPr>
+            </a:pPr>
+            <a:endParaRPr lang="zh-CN"/>
+          </a:p>
+        </c:txPr>
+        <c:crossAx val="662448008"/>
+        <c:crosses val="autoZero"/>
+        <c:crossBetween val="midCat"/>
+      </c:valAx>
+      <c:valAx>
+        <c:axId val="662448008"/>
+        <c:scaling>
+          <c:orientation val="minMax"/>
+        </c:scaling>
+        <c:delete val="0"/>
+        <c:axPos val="l"/>
+        <c:numFmt formatCode="General" sourceLinked="1"/>
+        <c:majorTickMark val="none"/>
+        <c:minorTickMark val="none"/>
+        <c:tickLblPos val="nextTo"/>
+        <c:spPr>
+          <a:noFill/>
+          <a:ln w="9525" cap="flat" cmpd="sng" algn="ctr">
+            <a:solidFill>
+              <a:schemeClr val="tx1">
+                <a:lumMod val="25000"/>
+                <a:lumOff val="75000"/>
+              </a:schemeClr>
+            </a:solidFill>
+            <a:round/>
+          </a:ln>
+          <a:effectLst/>
+        </c:spPr>
+        <c:txPr>
+          <a:bodyPr rot="-60000000" spcFirstLastPara="1" vertOverflow="ellipsis" vert="horz" wrap="square" anchor="ctr" anchorCtr="1"/>
+          <a:lstStyle/>
+          <a:p>
+            <a:pPr>
+              <a:defRPr sz="900" b="0" i="0" u="none" strike="noStrike" kern="1200" baseline="0">
+                <a:solidFill>
+                  <a:schemeClr val="tx1">
+                    <a:lumMod val="65000"/>
+                    <a:lumOff val="35000"/>
+                  </a:schemeClr>
+                </a:solidFill>
+                <a:latin typeface="+mn-lt"/>
+                <a:ea typeface="+mn-ea"/>
+                <a:cs typeface="+mn-cs"/>
+              </a:defRPr>
+            </a:pPr>
+            <a:endParaRPr lang="zh-CN"/>
+          </a:p>
+        </c:txPr>
+        <c:crossAx val="662446696"/>
+        <c:crosses val="autoZero"/>
+        <c:crossBetween val="midCat"/>
+      </c:valAx>
+      <c:spPr>
+        <a:noFill/>
+        <a:ln>
+          <a:noFill/>
+        </a:ln>
+        <a:effectLst/>
+      </c:spPr>
+    </c:plotArea>
+    <c:plotVisOnly val="1"/>
+    <c:dispBlanksAs val="gap"/>
+    <c:extLst>
+      <c:ext xmlns:c16r3="http://schemas.microsoft.com/office/drawing/2017/03/chart" uri="{56B9EC1D-385E-4148-901F-78D8002777C0}">
+        <c16r3:dataDisplayOptions16>
+          <c16r3:dispNaAsBlank val="1"/>
+        </c16r3:dataDisplayOptions16>
+      </c:ext>
+    </c:extLst>
+    <c:showDLblsOverMax val="0"/>
+  </c:chart>
+  <c:spPr>
+    <a:noFill/>
+    <a:ln>
+      <a:noFill/>
+    </a:ln>
+    <a:effectLst/>
+  </c:spPr>
+  <c:txPr>
+    <a:bodyPr/>
+    <a:lstStyle/>
+    <a:p>
+      <a:pPr>
+        <a:defRPr/>
+      </a:pPr>
+      <a:endParaRPr lang="zh-CN"/>
+    </a:p>
+  </c:txPr>
+  <c:externalData r:id="rId3">
+    <c:autoUpdate val="0"/>
+  </c:externalData>
+</c:chartSpace>
+</file>
+
+<file path=ppt/charts/chart13.xml><?xml version="1.0" encoding="utf-8"?>
+<c:chartSpace xmlns:c="http://schemas.openxmlformats.org/drawingml/2006/chart" xmlns:a="http://schemas.openxmlformats.org/drawingml/2006/main" xmlns:r="http://schemas.openxmlformats.org/officeDocument/2006/relationships" xmlns:c16r2="http://schemas.microsoft.com/office/drawing/2015/06/chart">
+  <c:date1904 val="0"/>
+  <c:lang val="en-US"/>
+  <c:roundedCorners val="0"/>
+  <mc:AlternateContent xmlns:mc="http://schemas.openxmlformats.org/markup-compatibility/2006">
+    <mc:Choice xmlns:c14="http://schemas.microsoft.com/office/drawing/2007/8/2/chart" Requires="c14">
+      <c14:style val="102"/>
+    </mc:Choice>
+    <mc:Fallback>
+      <c:style val="2"/>
+    </mc:Fallback>
+  </mc:AlternateContent>
+  <c:chart>
+    <c:title>
+      <c:tx>
+        <c:rich>
+          <a:bodyPr rot="0" spcFirstLastPara="1" vertOverflow="ellipsis" vert="horz" wrap="square" anchor="ctr" anchorCtr="1"/>
+          <a:lstStyle/>
+          <a:p>
+            <a:pPr>
+              <a:defRPr sz="1400" b="0" i="0" u="none" strike="noStrike" kern="1200" spc="0" baseline="0">
+                <a:solidFill>
+                  <a:schemeClr val="tx1">
+                    <a:lumMod val="65000"/>
+                    <a:lumOff val="35000"/>
+                  </a:schemeClr>
+                </a:solidFill>
+                <a:latin typeface="+mn-lt"/>
+                <a:ea typeface="+mn-ea"/>
+                <a:cs typeface="+mn-cs"/>
+              </a:defRPr>
+            </a:pPr>
+            <a:r>
+              <a:rPr lang="en-US" altLang="zh-CN"/>
+              <a:t>Jaccard bin source only</a:t>
+            </a:r>
+          </a:p>
+        </c:rich>
+      </c:tx>
+      <c:overlay val="0"/>
+      <c:spPr>
+        <a:noFill/>
+        <a:ln>
+          <a:noFill/>
+        </a:ln>
+        <a:effectLst/>
+      </c:spPr>
+      <c:txPr>
+        <a:bodyPr rot="0" spcFirstLastPara="1" vertOverflow="ellipsis" vert="horz" wrap="square" anchor="ctr" anchorCtr="1"/>
+        <a:lstStyle/>
+        <a:p>
+          <a:pPr>
+            <a:defRPr sz="1400" b="0" i="0" u="none" strike="noStrike" kern="1200" spc="0" baseline="0">
+              <a:solidFill>
+                <a:schemeClr val="tx1">
+                  <a:lumMod val="65000"/>
+                  <a:lumOff val="35000"/>
+                </a:schemeClr>
+              </a:solidFill>
+              <a:latin typeface="+mn-lt"/>
+              <a:ea typeface="+mn-ea"/>
+              <a:cs typeface="+mn-cs"/>
+            </a:defRPr>
+          </a:pPr>
+          <a:endParaRPr lang="zh-CN"/>
+        </a:p>
+      </c:txPr>
+    </c:title>
+    <c:autoTitleDeleted val="0"/>
+    <c:plotArea>
+      <c:layout/>
+      <c:scatterChart>
+        <c:scatterStyle val="lineMarker"/>
+        <c:varyColors val="0"/>
+        <c:ser>
+          <c:idx val="0"/>
+          <c:order val="0"/>
+          <c:tx>
+            <c:strRef>
+              <c:f>Sheet2!$F$1</c:f>
+              <c:strCache>
+                <c:ptCount val="1"/>
+                <c:pt idx="0">
+                  <c:v>jaccard_bin</c:v>
+                </c:pt>
+              </c:strCache>
+            </c:strRef>
+          </c:tx>
+          <c:spPr>
+            <a:ln w="19050" cap="rnd">
+              <a:noFill/>
+              <a:round/>
+            </a:ln>
+            <a:effectLst/>
+          </c:spPr>
+          <c:marker>
+            <c:symbol val="circle"/>
+            <c:size val="5"/>
+            <c:spPr>
+              <a:solidFill>
+                <a:schemeClr val="accent1"/>
+              </a:solidFill>
+              <a:ln w="9525">
+                <a:solidFill>
+                  <a:schemeClr val="accent1"/>
+                </a:solidFill>
+              </a:ln>
+              <a:effectLst/>
+            </c:spPr>
+          </c:marker>
+          <c:xVal>
+            <c:numRef>
+              <c:f>Sheet2!$B$2:$B$19</c:f>
+              <c:numCache>
+                <c:formatCode>General</c:formatCode>
+                <c:ptCount val="18"/>
+                <c:pt idx="0">
+                  <c:v>0</c:v>
+                </c:pt>
+                <c:pt idx="1">
+                  <c:v>1</c:v>
+                </c:pt>
+                <c:pt idx="2">
+                  <c:v>1</c:v>
+                </c:pt>
+                <c:pt idx="3">
+                  <c:v>18</c:v>
+                </c:pt>
+                <c:pt idx="4">
+                  <c:v>4</c:v>
+                </c:pt>
+                <c:pt idx="5">
+                  <c:v>0</c:v>
+                </c:pt>
+                <c:pt idx="6">
+                  <c:v>0</c:v>
+                </c:pt>
+                <c:pt idx="7">
+                  <c:v>0</c:v>
+                </c:pt>
+                <c:pt idx="8">
+                  <c:v>4</c:v>
+                </c:pt>
+                <c:pt idx="9">
+                  <c:v>0</c:v>
+                </c:pt>
+                <c:pt idx="10">
+                  <c:v>0</c:v>
+                </c:pt>
+                <c:pt idx="11">
+                  <c:v>0</c:v>
+                </c:pt>
+                <c:pt idx="12">
+                  <c:v>0.16</c:v>
+                </c:pt>
+                <c:pt idx="13">
+                  <c:v>0</c:v>
+                </c:pt>
+                <c:pt idx="14">
+                  <c:v>30</c:v>
+                </c:pt>
+                <c:pt idx="15">
+                  <c:v>10</c:v>
+                </c:pt>
+                <c:pt idx="16">
+                  <c:v>0.16</c:v>
+                </c:pt>
+                <c:pt idx="17">
+                  <c:v>0</c:v>
+                </c:pt>
+              </c:numCache>
+            </c:numRef>
+          </c:xVal>
+          <c:yVal>
+            <c:numRef>
+              <c:f>Sheet2!$F$2:$F$19</c:f>
+              <c:numCache>
+                <c:formatCode>General</c:formatCode>
+                <c:ptCount val="18"/>
+                <c:pt idx="0">
+                  <c:v>0.70225060827250596</c:v>
+                </c:pt>
+                <c:pt idx="1">
+                  <c:v>0.79653284671532798</c:v>
+                </c:pt>
+                <c:pt idx="2">
+                  <c:v>0.78934550989345498</c:v>
+                </c:pt>
+                <c:pt idx="3">
+                  <c:v>0.96027895694360199</c:v>
+                </c:pt>
+                <c:pt idx="4">
+                  <c:v>0.88517618469015702</c:v>
+                </c:pt>
+                <c:pt idx="5">
+                  <c:v>0.71572212065813501</c:v>
+                </c:pt>
+                <c:pt idx="6">
+                  <c:v>0.74961925068534796</c:v>
+                </c:pt>
+                <c:pt idx="7">
+                  <c:v>0.78267477203647395</c:v>
+                </c:pt>
+                <c:pt idx="8">
+                  <c:v>0.81388973499847705</c:v>
+                </c:pt>
+                <c:pt idx="9">
+                  <c:v>0.68026796589524896</c:v>
+                </c:pt>
+                <c:pt idx="10">
+                  <c:v>0.743909866017052</c:v>
+                </c:pt>
+                <c:pt idx="11">
+                  <c:v>0.71706723456038901</c:v>
+                </c:pt>
+                <c:pt idx="12">
+                  <c:v>0.77771010962241105</c:v>
+                </c:pt>
+                <c:pt idx="13">
+                  <c:v>0.80729483282674697</c:v>
+                </c:pt>
+                <c:pt idx="14">
+                  <c:v>0.96939393939393903</c:v>
+                </c:pt>
+                <c:pt idx="15">
+                  <c:v>0.93567961165048497</c:v>
+                </c:pt>
+                <c:pt idx="16">
+                  <c:v>0.77645985401459805</c:v>
+                </c:pt>
+                <c:pt idx="17">
+                  <c:v>0.60536749008844104</c:v>
+                </c:pt>
+              </c:numCache>
+            </c:numRef>
+          </c:yVal>
+          <c:smooth val="0"/>
+          <c:extLst>
+            <c:ext xmlns:c16="http://schemas.microsoft.com/office/drawing/2014/chart" uri="{C3380CC4-5D6E-409C-BE32-E72D297353CC}">
+              <c16:uniqueId val="{00000000-A876-4650-9FDB-39838CC770FF}"/>
+            </c:ext>
+          </c:extLst>
+        </c:ser>
+        <c:ser>
+          <c:idx val="1"/>
+          <c:order val="1"/>
+          <c:spPr>
+            <a:ln w="25400" cap="rnd">
+              <a:noFill/>
+              <a:round/>
+            </a:ln>
+            <a:effectLst/>
+          </c:spPr>
+          <c:marker>
+            <c:symbol val="circle"/>
+            <c:size val="5"/>
+            <c:spPr>
+              <a:solidFill>
+                <a:schemeClr val="accent2"/>
+              </a:solidFill>
+              <a:ln w="9525">
+                <a:solidFill>
+                  <a:schemeClr val="accent2"/>
+                </a:solidFill>
+              </a:ln>
+              <a:effectLst/>
+            </c:spPr>
+          </c:marker>
+          <c:xVal>
+            <c:numRef>
+              <c:f>Sheet2!$B$22:$B$36</c:f>
+              <c:numCache>
+                <c:formatCode>General</c:formatCode>
+                <c:ptCount val="15"/>
+                <c:pt idx="0">
+                  <c:v>4</c:v>
+                </c:pt>
+                <c:pt idx="1">
+                  <c:v>0.16</c:v>
+                </c:pt>
+                <c:pt idx="2">
+                  <c:v>10</c:v>
+                </c:pt>
+                <c:pt idx="3">
+                  <c:v>0</c:v>
+                </c:pt>
+                <c:pt idx="4">
+                  <c:v>1</c:v>
+                </c:pt>
+                <c:pt idx="5">
+                  <c:v>0</c:v>
+                </c:pt>
+                <c:pt idx="6">
+                  <c:v>0.16</c:v>
+                </c:pt>
+                <c:pt idx="7">
+                  <c:v>0</c:v>
+                </c:pt>
+                <c:pt idx="8">
+                  <c:v>18</c:v>
+                </c:pt>
+                <c:pt idx="9">
+                  <c:v>4</c:v>
+                </c:pt>
+                <c:pt idx="10">
+                  <c:v>0</c:v>
+                </c:pt>
+                <c:pt idx="11">
+                  <c:v>30</c:v>
+                </c:pt>
+                <c:pt idx="12">
+                  <c:v>1</c:v>
+                </c:pt>
+                <c:pt idx="13">
+                  <c:v>0</c:v>
+                </c:pt>
+                <c:pt idx="14">
+                  <c:v>0</c:v>
+                </c:pt>
+              </c:numCache>
+            </c:numRef>
+          </c:xVal>
+          <c:yVal>
+            <c:numRef>
+              <c:f>Sheet2!$F$22:$F$36</c:f>
+              <c:numCache>
+                <c:formatCode>General</c:formatCode>
+                <c:ptCount val="15"/>
+                <c:pt idx="0">
+                  <c:v>0.84235400022504703</c:v>
+                </c:pt>
+                <c:pt idx="1">
+                  <c:v>0.80837076805083796</c:v>
+                </c:pt>
+                <c:pt idx="2">
+                  <c:v>0.90452148547066002</c:v>
+                </c:pt>
+                <c:pt idx="3">
+                  <c:v>0.77344782034346105</c:v>
+                </c:pt>
+                <c:pt idx="4">
+                  <c:v>0.820718444468856</c:v>
+                </c:pt>
+                <c:pt idx="5">
+                  <c:v>0.78601092896174796</c:v>
+                </c:pt>
+                <c:pt idx="6">
+                  <c:v>0.80548847420417102</c:v>
+                </c:pt>
+                <c:pt idx="7">
+                  <c:v>0.78798858146684203</c:v>
+                </c:pt>
+                <c:pt idx="8">
+                  <c:v>0.93006274957216195</c:v>
+                </c:pt>
+                <c:pt idx="9">
+                  <c:v>0.87688386524822604</c:v>
+                </c:pt>
+                <c:pt idx="10">
+                  <c:v>0.77397785816069198</c:v>
+                </c:pt>
+                <c:pt idx="11">
+                  <c:v>0.94282420749279505</c:v>
+                </c:pt>
+                <c:pt idx="12">
+                  <c:v>0.826789838337182</c:v>
+                </c:pt>
+                <c:pt idx="13">
+                  <c:v>0.77099069512862595</c:v>
+                </c:pt>
+                <c:pt idx="14">
+                  <c:v>0.77156970362239297</c:v>
+                </c:pt>
+              </c:numCache>
+            </c:numRef>
+          </c:yVal>
+          <c:smooth val="0"/>
+          <c:extLst>
+            <c:ext xmlns:c16="http://schemas.microsoft.com/office/drawing/2014/chart" uri="{C3380CC4-5D6E-409C-BE32-E72D297353CC}">
+              <c16:uniqueId val="{00000001-A876-4650-9FDB-39838CC770FF}"/>
+            </c:ext>
+          </c:extLst>
+        </c:ser>
+        <c:dLbls>
+          <c:showLegendKey val="0"/>
+          <c:showVal val="0"/>
+          <c:showCatName val="0"/>
+          <c:showSerName val="0"/>
+          <c:showPercent val="0"/>
+          <c:showBubbleSize val="0"/>
+        </c:dLbls>
+        <c:axId val="711343960"/>
+        <c:axId val="711358720"/>
+      </c:scatterChart>
+      <c:valAx>
+        <c:axId val="711343960"/>
+        <c:scaling>
+          <c:orientation val="minMax"/>
+        </c:scaling>
+        <c:delete val="0"/>
+        <c:axPos val="b"/>
+        <c:numFmt formatCode="General" sourceLinked="1"/>
+        <c:majorTickMark val="none"/>
+        <c:minorTickMark val="none"/>
+        <c:tickLblPos val="nextTo"/>
+        <c:spPr>
+          <a:noFill/>
+          <a:ln w="9525" cap="flat" cmpd="sng" algn="ctr">
+            <a:solidFill>
+              <a:schemeClr val="tx1">
+                <a:lumMod val="25000"/>
+                <a:lumOff val="75000"/>
+              </a:schemeClr>
+            </a:solidFill>
+            <a:round/>
+          </a:ln>
+          <a:effectLst/>
+        </c:spPr>
+        <c:txPr>
+          <a:bodyPr rot="-60000000" spcFirstLastPara="1" vertOverflow="ellipsis" vert="horz" wrap="square" anchor="ctr" anchorCtr="1"/>
+          <a:lstStyle/>
+          <a:p>
+            <a:pPr>
+              <a:defRPr sz="900" b="0" i="0" u="none" strike="noStrike" kern="1200" baseline="0">
+                <a:solidFill>
+                  <a:schemeClr val="tx1">
+                    <a:lumMod val="65000"/>
+                    <a:lumOff val="35000"/>
+                  </a:schemeClr>
+                </a:solidFill>
+                <a:latin typeface="+mn-lt"/>
+                <a:ea typeface="+mn-ea"/>
+                <a:cs typeface="+mn-cs"/>
+              </a:defRPr>
+            </a:pPr>
+            <a:endParaRPr lang="zh-CN"/>
+          </a:p>
+        </c:txPr>
+        <c:crossAx val="711358720"/>
+        <c:crosses val="autoZero"/>
+        <c:crossBetween val="midCat"/>
+      </c:valAx>
+      <c:valAx>
+        <c:axId val="711358720"/>
+        <c:scaling>
+          <c:orientation val="minMax"/>
+        </c:scaling>
+        <c:delete val="0"/>
+        <c:axPos val="l"/>
+        <c:numFmt formatCode="General" sourceLinked="1"/>
+        <c:majorTickMark val="none"/>
+        <c:minorTickMark val="none"/>
+        <c:tickLblPos val="nextTo"/>
+        <c:spPr>
+          <a:noFill/>
+          <a:ln w="9525" cap="flat" cmpd="sng" algn="ctr">
+            <a:solidFill>
+              <a:schemeClr val="tx1">
+                <a:lumMod val="25000"/>
+                <a:lumOff val="75000"/>
+              </a:schemeClr>
+            </a:solidFill>
+            <a:round/>
+          </a:ln>
+          <a:effectLst/>
+        </c:spPr>
+        <c:txPr>
+          <a:bodyPr rot="-60000000" spcFirstLastPara="1" vertOverflow="ellipsis" vert="horz" wrap="square" anchor="ctr" anchorCtr="1"/>
+          <a:lstStyle/>
+          <a:p>
+            <a:pPr>
+              <a:defRPr sz="900" b="0" i="0" u="none" strike="noStrike" kern="1200" baseline="0">
+                <a:solidFill>
+                  <a:schemeClr val="tx1">
+                    <a:lumMod val="65000"/>
+                    <a:lumOff val="35000"/>
+                  </a:schemeClr>
+                </a:solidFill>
+                <a:latin typeface="+mn-lt"/>
+                <a:ea typeface="+mn-ea"/>
+                <a:cs typeface="+mn-cs"/>
+              </a:defRPr>
+            </a:pPr>
+            <a:endParaRPr lang="zh-CN"/>
+          </a:p>
+        </c:txPr>
+        <c:crossAx val="711343960"/>
         <c:crosses val="autoZero"/>
         <c:crossBetween val="midCat"/>
       </c:valAx>
@@ -7183,8 +8790,8 @@
               </a:defRPr>
             </a:pPr>
             <a:r>
-              <a:rPr lang="en-US" altLang="zh-CN"/>
-              <a:t>Jaccard raw</a:t>
+              <a:rPr lang="en-US" altLang="zh-CN" dirty="0"/>
+              <a:t>Jaccard log</a:t>
             </a:r>
           </a:p>
         </c:rich>
@@ -7737,6 +9344,126 @@
 </file>
 
 <file path=ppt/charts/colors10.xml><?xml version="1.0" encoding="utf-8"?>
+<cs:colorStyle xmlns:cs="http://schemas.microsoft.com/office/drawing/2012/chartStyle" xmlns:a="http://schemas.openxmlformats.org/drawingml/2006/main" meth="cycle" id="10">
+  <a:schemeClr val="accent1"/>
+  <a:schemeClr val="accent2"/>
+  <a:schemeClr val="accent3"/>
+  <a:schemeClr val="accent4"/>
+  <a:schemeClr val="accent5"/>
+  <a:schemeClr val="accent6"/>
+  <cs:variation/>
+  <cs:variation>
+    <a:lumMod val="60000"/>
+  </cs:variation>
+  <cs:variation>
+    <a:lumMod val="80000"/>
+    <a:lumOff val="20000"/>
+  </cs:variation>
+  <cs:variation>
+    <a:lumMod val="80000"/>
+  </cs:variation>
+  <cs:variation>
+    <a:lumMod val="60000"/>
+    <a:lumOff val="40000"/>
+  </cs:variation>
+  <cs:variation>
+    <a:lumMod val="50000"/>
+  </cs:variation>
+  <cs:variation>
+    <a:lumMod val="70000"/>
+    <a:lumOff val="30000"/>
+  </cs:variation>
+  <cs:variation>
+    <a:lumMod val="70000"/>
+  </cs:variation>
+  <cs:variation>
+    <a:lumMod val="50000"/>
+    <a:lumOff val="50000"/>
+  </cs:variation>
+</cs:colorStyle>
+</file>
+
+<file path=ppt/charts/colors11.xml><?xml version="1.0" encoding="utf-8"?>
+<cs:colorStyle xmlns:cs="http://schemas.microsoft.com/office/drawing/2012/chartStyle" xmlns:a="http://schemas.openxmlformats.org/drawingml/2006/main" meth="cycle" id="10">
+  <a:schemeClr val="accent1"/>
+  <a:schemeClr val="accent2"/>
+  <a:schemeClr val="accent3"/>
+  <a:schemeClr val="accent4"/>
+  <a:schemeClr val="accent5"/>
+  <a:schemeClr val="accent6"/>
+  <cs:variation/>
+  <cs:variation>
+    <a:lumMod val="60000"/>
+  </cs:variation>
+  <cs:variation>
+    <a:lumMod val="80000"/>
+    <a:lumOff val="20000"/>
+  </cs:variation>
+  <cs:variation>
+    <a:lumMod val="80000"/>
+  </cs:variation>
+  <cs:variation>
+    <a:lumMod val="60000"/>
+    <a:lumOff val="40000"/>
+  </cs:variation>
+  <cs:variation>
+    <a:lumMod val="50000"/>
+  </cs:variation>
+  <cs:variation>
+    <a:lumMod val="70000"/>
+    <a:lumOff val="30000"/>
+  </cs:variation>
+  <cs:variation>
+    <a:lumMod val="70000"/>
+  </cs:variation>
+  <cs:variation>
+    <a:lumMod val="50000"/>
+    <a:lumOff val="50000"/>
+  </cs:variation>
+</cs:colorStyle>
+</file>
+
+<file path=ppt/charts/colors12.xml><?xml version="1.0" encoding="utf-8"?>
+<cs:colorStyle xmlns:cs="http://schemas.microsoft.com/office/drawing/2012/chartStyle" xmlns:a="http://schemas.openxmlformats.org/drawingml/2006/main" meth="cycle" id="10">
+  <a:schemeClr val="accent1"/>
+  <a:schemeClr val="accent2"/>
+  <a:schemeClr val="accent3"/>
+  <a:schemeClr val="accent4"/>
+  <a:schemeClr val="accent5"/>
+  <a:schemeClr val="accent6"/>
+  <cs:variation/>
+  <cs:variation>
+    <a:lumMod val="60000"/>
+  </cs:variation>
+  <cs:variation>
+    <a:lumMod val="80000"/>
+    <a:lumOff val="20000"/>
+  </cs:variation>
+  <cs:variation>
+    <a:lumMod val="80000"/>
+  </cs:variation>
+  <cs:variation>
+    <a:lumMod val="60000"/>
+    <a:lumOff val="40000"/>
+  </cs:variation>
+  <cs:variation>
+    <a:lumMod val="50000"/>
+  </cs:variation>
+  <cs:variation>
+    <a:lumMod val="70000"/>
+    <a:lumOff val="30000"/>
+  </cs:variation>
+  <cs:variation>
+    <a:lumMod val="70000"/>
+  </cs:variation>
+  <cs:variation>
+    <a:lumMod val="50000"/>
+    <a:lumOff val="50000"/>
+  </cs:variation>
+</cs:colorStyle>
+</file>
+
+<file path=ppt/charts/colors13.xml><?xml version="1.0" encoding="utf-8"?>
 <cs:colorStyle xmlns:cs="http://schemas.microsoft.com/office/drawing/2012/chartStyle" xmlns:a="http://schemas.openxmlformats.org/drawingml/2006/main" meth="cycle" id="10">
   <a:schemeClr val="accent1"/>
   <a:schemeClr val="accent2"/>
@@ -9128,6 +10855,1554 @@
 </cs:chartStyle>
 </file>
 
+<file path=ppt/charts/style11.xml><?xml version="1.0" encoding="utf-8"?>
+<cs:chartStyle xmlns:cs="http://schemas.microsoft.com/office/drawing/2012/chartStyle" xmlns:a="http://schemas.openxmlformats.org/drawingml/2006/main" id="240">
+  <cs:axisTitle>
+    <cs:lnRef idx="0"/>
+    <cs:fillRef idx="0"/>
+    <cs:effectRef idx="0"/>
+    <cs:fontRef idx="minor">
+      <a:schemeClr val="tx1">
+        <a:lumMod val="65000"/>
+        <a:lumOff val="35000"/>
+      </a:schemeClr>
+    </cs:fontRef>
+    <cs:defRPr sz="1000" kern="1200"/>
+  </cs:axisTitle>
+  <cs:categoryAxis>
+    <cs:lnRef idx="0"/>
+    <cs:fillRef idx="0"/>
+    <cs:effectRef idx="0"/>
+    <cs:fontRef idx="minor">
+      <a:schemeClr val="tx1">
+        <a:lumMod val="65000"/>
+        <a:lumOff val="35000"/>
+      </a:schemeClr>
+    </cs:fontRef>
+    <cs:spPr>
+      <a:ln w="9525" cap="flat" cmpd="sng" algn="ctr">
+        <a:solidFill>
+          <a:schemeClr val="tx1">
+            <a:lumMod val="25000"/>
+            <a:lumOff val="75000"/>
+          </a:schemeClr>
+        </a:solidFill>
+        <a:round/>
+      </a:ln>
+    </cs:spPr>
+    <cs:defRPr sz="900" kern="1200"/>
+  </cs:categoryAxis>
+  <cs:chartArea mods="allowNoFillOverride allowNoLineOverride">
+    <cs:lnRef idx="0"/>
+    <cs:fillRef idx="0"/>
+    <cs:effectRef idx="0"/>
+    <cs:fontRef idx="minor">
+      <a:schemeClr val="tx1"/>
+    </cs:fontRef>
+    <cs:spPr>
+      <a:solidFill>
+        <a:schemeClr val="bg1"/>
+      </a:solidFill>
+      <a:ln w="9525" cap="flat" cmpd="sng" algn="ctr">
+        <a:solidFill>
+          <a:schemeClr val="tx1">
+            <a:lumMod val="15000"/>
+            <a:lumOff val="85000"/>
+          </a:schemeClr>
+        </a:solidFill>
+        <a:round/>
+      </a:ln>
+    </cs:spPr>
+    <cs:defRPr sz="1000" kern="1200"/>
+  </cs:chartArea>
+  <cs:dataLabel>
+    <cs:lnRef idx="0"/>
+    <cs:fillRef idx="0"/>
+    <cs:effectRef idx="0"/>
+    <cs:fontRef idx="minor">
+      <a:schemeClr val="tx1">
+        <a:lumMod val="75000"/>
+        <a:lumOff val="25000"/>
+      </a:schemeClr>
+    </cs:fontRef>
+    <cs:defRPr sz="900" kern="1200"/>
+  </cs:dataLabel>
+  <cs:dataLabelCallout>
+    <cs:lnRef idx="0"/>
+    <cs:fillRef idx="0"/>
+    <cs:effectRef idx="0"/>
+    <cs:fontRef idx="minor">
+      <a:schemeClr val="dk1">
+        <a:lumMod val="65000"/>
+        <a:lumOff val="35000"/>
+      </a:schemeClr>
+    </cs:fontRef>
+    <cs:spPr>
+      <a:solidFill>
+        <a:schemeClr val="lt1"/>
+      </a:solidFill>
+      <a:ln>
+        <a:solidFill>
+          <a:schemeClr val="dk1">
+            <a:lumMod val="25000"/>
+            <a:lumOff val="75000"/>
+          </a:schemeClr>
+        </a:solidFill>
+      </a:ln>
+    </cs:spPr>
+    <cs:defRPr sz="900" kern="1200"/>
+    <cs:bodyPr rot="0" spcFirstLastPara="1" vertOverflow="clip" horzOverflow="clip" vert="horz" wrap="square" lIns="36576" tIns="18288" rIns="36576" bIns="18288" anchor="ctr" anchorCtr="1">
+      <a:spAutoFit/>
+    </cs:bodyPr>
+  </cs:dataLabelCallout>
+  <cs:dataPoint>
+    <cs:lnRef idx="0"/>
+    <cs:fillRef idx="1">
+      <cs:styleClr val="auto"/>
+    </cs:fillRef>
+    <cs:effectRef idx="0"/>
+    <cs:fontRef idx="minor">
+      <a:schemeClr val="tx1"/>
+    </cs:fontRef>
+  </cs:dataPoint>
+  <cs:dataPoint3D>
+    <cs:lnRef idx="0"/>
+    <cs:fillRef idx="1">
+      <cs:styleClr val="auto"/>
+    </cs:fillRef>
+    <cs:effectRef idx="0"/>
+    <cs:fontRef idx="minor">
+      <a:schemeClr val="tx1"/>
+    </cs:fontRef>
+  </cs:dataPoint3D>
+  <cs:dataPointLine>
+    <cs:lnRef idx="0">
+      <cs:styleClr val="auto"/>
+    </cs:lnRef>
+    <cs:fillRef idx="1"/>
+    <cs:effectRef idx="0"/>
+    <cs:fontRef idx="minor">
+      <a:schemeClr val="tx1"/>
+    </cs:fontRef>
+    <cs:spPr>
+      <a:ln w="19050" cap="rnd">
+        <a:solidFill>
+          <a:schemeClr val="phClr"/>
+        </a:solidFill>
+        <a:round/>
+      </a:ln>
+    </cs:spPr>
+  </cs:dataPointLine>
+  <cs:dataPointMarker>
+    <cs:lnRef idx="0">
+      <cs:styleClr val="auto"/>
+    </cs:lnRef>
+    <cs:fillRef idx="1">
+      <cs:styleClr val="auto"/>
+    </cs:fillRef>
+    <cs:effectRef idx="0"/>
+    <cs:fontRef idx="minor">
+      <a:schemeClr val="tx1"/>
+    </cs:fontRef>
+    <cs:spPr>
+      <a:ln w="9525">
+        <a:solidFill>
+          <a:schemeClr val="phClr"/>
+        </a:solidFill>
+      </a:ln>
+    </cs:spPr>
+  </cs:dataPointMarker>
+  <cs:dataPointMarkerLayout symbol="circle" size="5"/>
+  <cs:dataPointWireframe>
+    <cs:lnRef idx="0">
+      <cs:styleClr val="auto"/>
+    </cs:lnRef>
+    <cs:fillRef idx="0"/>
+    <cs:effectRef idx="0"/>
+    <cs:fontRef idx="minor">
+      <a:schemeClr val="dk1"/>
+    </cs:fontRef>
+    <cs:spPr>
+      <a:ln w="9525" cap="rnd">
+        <a:solidFill>
+          <a:schemeClr val="phClr"/>
+        </a:solidFill>
+        <a:round/>
+      </a:ln>
+    </cs:spPr>
+  </cs:dataPointWireframe>
+  <cs:dataTable>
+    <cs:lnRef idx="0"/>
+    <cs:fillRef idx="0"/>
+    <cs:effectRef idx="0"/>
+    <cs:fontRef idx="minor">
+      <a:schemeClr val="tx1">
+        <a:lumMod val="65000"/>
+        <a:lumOff val="35000"/>
+      </a:schemeClr>
+    </cs:fontRef>
+    <cs:spPr>
+      <a:noFill/>
+      <a:ln w="9525" cap="flat" cmpd="sng" algn="ctr">
+        <a:solidFill>
+          <a:schemeClr val="tx1">
+            <a:lumMod val="15000"/>
+            <a:lumOff val="85000"/>
+          </a:schemeClr>
+        </a:solidFill>
+        <a:round/>
+      </a:ln>
+    </cs:spPr>
+    <cs:defRPr sz="900" kern="1200"/>
+  </cs:dataTable>
+  <cs:downBar>
+    <cs:lnRef idx="0"/>
+    <cs:fillRef idx="0"/>
+    <cs:effectRef idx="0"/>
+    <cs:fontRef idx="minor">
+      <a:schemeClr val="tx1"/>
+    </cs:fontRef>
+    <cs:spPr>
+      <a:solidFill>
+        <a:schemeClr val="dk1">
+          <a:lumMod val="75000"/>
+          <a:lumOff val="25000"/>
+        </a:schemeClr>
+      </a:solidFill>
+      <a:ln w="9525" cap="flat" cmpd="sng" algn="ctr">
+        <a:solidFill>
+          <a:schemeClr val="tx1">
+            <a:lumMod val="65000"/>
+            <a:lumOff val="35000"/>
+          </a:schemeClr>
+        </a:solidFill>
+        <a:round/>
+      </a:ln>
+    </cs:spPr>
+  </cs:downBar>
+  <cs:dropLine>
+    <cs:lnRef idx="0"/>
+    <cs:fillRef idx="0"/>
+    <cs:effectRef idx="0"/>
+    <cs:fontRef idx="minor">
+      <a:schemeClr val="tx1"/>
+    </cs:fontRef>
+    <cs:spPr>
+      <a:ln w="9525" cap="flat" cmpd="sng" algn="ctr">
+        <a:solidFill>
+          <a:schemeClr val="tx1">
+            <a:lumMod val="35000"/>
+            <a:lumOff val="65000"/>
+          </a:schemeClr>
+        </a:solidFill>
+        <a:round/>
+      </a:ln>
+    </cs:spPr>
+  </cs:dropLine>
+  <cs:errorBar>
+    <cs:lnRef idx="0"/>
+    <cs:fillRef idx="0"/>
+    <cs:effectRef idx="0"/>
+    <cs:fontRef idx="minor">
+      <a:schemeClr val="tx1"/>
+    </cs:fontRef>
+    <cs:spPr>
+      <a:ln w="9525" cap="flat" cmpd="sng" algn="ctr">
+        <a:solidFill>
+          <a:schemeClr val="tx1">
+            <a:lumMod val="65000"/>
+            <a:lumOff val="35000"/>
+          </a:schemeClr>
+        </a:solidFill>
+        <a:round/>
+      </a:ln>
+    </cs:spPr>
+  </cs:errorBar>
+  <cs:floor>
+    <cs:lnRef idx="0"/>
+    <cs:fillRef idx="0"/>
+    <cs:effectRef idx="0"/>
+    <cs:fontRef idx="minor">
+      <a:schemeClr val="tx1"/>
+    </cs:fontRef>
+    <cs:spPr>
+      <a:noFill/>
+      <a:ln>
+        <a:noFill/>
+      </a:ln>
+    </cs:spPr>
+  </cs:floor>
+  <cs:gridlineMajor>
+    <cs:lnRef idx="0"/>
+    <cs:fillRef idx="0"/>
+    <cs:effectRef idx="0"/>
+    <cs:fontRef idx="minor">
+      <a:schemeClr val="tx1"/>
+    </cs:fontRef>
+    <cs:spPr>
+      <a:ln w="9525" cap="flat" cmpd="sng" algn="ctr">
+        <a:solidFill>
+          <a:schemeClr val="tx1">
+            <a:lumMod val="15000"/>
+            <a:lumOff val="85000"/>
+          </a:schemeClr>
+        </a:solidFill>
+        <a:round/>
+      </a:ln>
+    </cs:spPr>
+  </cs:gridlineMajor>
+  <cs:gridlineMinor>
+    <cs:lnRef idx="0"/>
+    <cs:fillRef idx="0"/>
+    <cs:effectRef idx="0"/>
+    <cs:fontRef idx="minor">
+      <a:schemeClr val="tx1"/>
+    </cs:fontRef>
+    <cs:spPr>
+      <a:ln w="9525" cap="flat" cmpd="sng" algn="ctr">
+        <a:solidFill>
+          <a:schemeClr val="tx1">
+            <a:lumMod val="5000"/>
+            <a:lumOff val="95000"/>
+          </a:schemeClr>
+        </a:solidFill>
+        <a:round/>
+      </a:ln>
+    </cs:spPr>
+  </cs:gridlineMinor>
+  <cs:hiLoLine>
+    <cs:lnRef idx="0"/>
+    <cs:fillRef idx="0"/>
+    <cs:effectRef idx="0"/>
+    <cs:fontRef idx="minor">
+      <a:schemeClr val="tx1"/>
+    </cs:fontRef>
+    <cs:spPr>
+      <a:ln w="9525" cap="flat" cmpd="sng" algn="ctr">
+        <a:solidFill>
+          <a:schemeClr val="tx1">
+            <a:lumMod val="50000"/>
+            <a:lumOff val="50000"/>
+          </a:schemeClr>
+        </a:solidFill>
+        <a:round/>
+      </a:ln>
+    </cs:spPr>
+  </cs:hiLoLine>
+  <cs:leaderLine>
+    <cs:lnRef idx="0"/>
+    <cs:fillRef idx="0"/>
+    <cs:effectRef idx="0"/>
+    <cs:fontRef idx="minor">
+      <a:schemeClr val="tx1"/>
+    </cs:fontRef>
+    <cs:spPr>
+      <a:ln w="9525" cap="flat" cmpd="sng" algn="ctr">
+        <a:solidFill>
+          <a:schemeClr val="tx1">
+            <a:lumMod val="35000"/>
+            <a:lumOff val="65000"/>
+          </a:schemeClr>
+        </a:solidFill>
+        <a:round/>
+      </a:ln>
+    </cs:spPr>
+  </cs:leaderLine>
+  <cs:legend>
+    <cs:lnRef idx="0"/>
+    <cs:fillRef idx="0"/>
+    <cs:effectRef idx="0"/>
+    <cs:fontRef idx="minor">
+      <a:schemeClr val="tx1">
+        <a:lumMod val="65000"/>
+        <a:lumOff val="35000"/>
+      </a:schemeClr>
+    </cs:fontRef>
+    <cs:defRPr sz="900" kern="1200"/>
+  </cs:legend>
+  <cs:plotArea mods="allowNoFillOverride allowNoLineOverride">
+    <cs:lnRef idx="0"/>
+    <cs:fillRef idx="0"/>
+    <cs:effectRef idx="0"/>
+    <cs:fontRef idx="minor">
+      <a:schemeClr val="tx1"/>
+    </cs:fontRef>
+  </cs:plotArea>
+  <cs:plotArea3D mods="allowNoFillOverride allowNoLineOverride">
+    <cs:lnRef idx="0"/>
+    <cs:fillRef idx="0"/>
+    <cs:effectRef idx="0"/>
+    <cs:fontRef idx="minor">
+      <a:schemeClr val="tx1"/>
+    </cs:fontRef>
+  </cs:plotArea3D>
+  <cs:seriesAxis>
+    <cs:lnRef idx="0"/>
+    <cs:fillRef idx="0"/>
+    <cs:effectRef idx="0"/>
+    <cs:fontRef idx="minor">
+      <a:schemeClr val="tx1">
+        <a:lumMod val="65000"/>
+        <a:lumOff val="35000"/>
+      </a:schemeClr>
+    </cs:fontRef>
+    <cs:defRPr sz="900" kern="1200"/>
+  </cs:seriesAxis>
+  <cs:seriesLine>
+    <cs:lnRef idx="0"/>
+    <cs:fillRef idx="0"/>
+    <cs:effectRef idx="0"/>
+    <cs:fontRef idx="minor">
+      <a:schemeClr val="tx1"/>
+    </cs:fontRef>
+    <cs:spPr>
+      <a:ln w="9525" cap="flat" cmpd="sng" algn="ctr">
+        <a:solidFill>
+          <a:schemeClr val="tx1">
+            <a:lumMod val="35000"/>
+            <a:lumOff val="65000"/>
+          </a:schemeClr>
+        </a:solidFill>
+        <a:round/>
+      </a:ln>
+    </cs:spPr>
+  </cs:seriesLine>
+  <cs:title>
+    <cs:lnRef idx="0"/>
+    <cs:fillRef idx="0"/>
+    <cs:effectRef idx="0"/>
+    <cs:fontRef idx="minor">
+      <a:schemeClr val="tx1">
+        <a:lumMod val="65000"/>
+        <a:lumOff val="35000"/>
+      </a:schemeClr>
+    </cs:fontRef>
+    <cs:defRPr sz="1400" b="0" kern="1200" spc="0" baseline="0"/>
+  </cs:title>
+  <cs:trendline>
+    <cs:lnRef idx="0">
+      <cs:styleClr val="auto"/>
+    </cs:lnRef>
+    <cs:fillRef idx="0"/>
+    <cs:effectRef idx="0"/>
+    <cs:fontRef idx="minor">
+      <a:schemeClr val="tx1"/>
+    </cs:fontRef>
+    <cs:spPr>
+      <a:ln w="19050" cap="rnd">
+        <a:solidFill>
+          <a:schemeClr val="phClr"/>
+        </a:solidFill>
+        <a:prstDash val="sysDot"/>
+      </a:ln>
+    </cs:spPr>
+  </cs:trendline>
+  <cs:trendlineLabel>
+    <cs:lnRef idx="0"/>
+    <cs:fillRef idx="0"/>
+    <cs:effectRef idx="0"/>
+    <cs:fontRef idx="minor">
+      <a:schemeClr val="tx1">
+        <a:lumMod val="65000"/>
+        <a:lumOff val="35000"/>
+      </a:schemeClr>
+    </cs:fontRef>
+    <cs:defRPr sz="900" kern="1200"/>
+  </cs:trendlineLabel>
+  <cs:upBar>
+    <cs:lnRef idx="0"/>
+    <cs:fillRef idx="0"/>
+    <cs:effectRef idx="0"/>
+    <cs:fontRef idx="minor">
+      <a:schemeClr val="tx1"/>
+    </cs:fontRef>
+    <cs:spPr>
+      <a:solidFill>
+        <a:schemeClr val="lt1"/>
+      </a:solidFill>
+      <a:ln w="9525" cap="flat" cmpd="sng" algn="ctr">
+        <a:solidFill>
+          <a:schemeClr val="tx1">
+            <a:lumMod val="65000"/>
+            <a:lumOff val="35000"/>
+          </a:schemeClr>
+        </a:solidFill>
+        <a:round/>
+      </a:ln>
+    </cs:spPr>
+  </cs:upBar>
+  <cs:valueAxis>
+    <cs:lnRef idx="0"/>
+    <cs:fillRef idx="0"/>
+    <cs:effectRef idx="0"/>
+    <cs:fontRef idx="minor">
+      <a:schemeClr val="tx1">
+        <a:lumMod val="65000"/>
+        <a:lumOff val="35000"/>
+      </a:schemeClr>
+    </cs:fontRef>
+    <cs:spPr>
+      <a:ln w="9525" cap="flat" cmpd="sng" algn="ctr">
+        <a:solidFill>
+          <a:schemeClr val="tx1">
+            <a:lumMod val="25000"/>
+            <a:lumOff val="75000"/>
+          </a:schemeClr>
+        </a:solidFill>
+        <a:round/>
+      </a:ln>
+    </cs:spPr>
+    <cs:defRPr sz="900" kern="1200"/>
+  </cs:valueAxis>
+  <cs:wall>
+    <cs:lnRef idx="0"/>
+    <cs:fillRef idx="0"/>
+    <cs:effectRef idx="0"/>
+    <cs:fontRef idx="minor">
+      <a:schemeClr val="tx1"/>
+    </cs:fontRef>
+    <cs:spPr>
+      <a:noFill/>
+      <a:ln>
+        <a:noFill/>
+      </a:ln>
+    </cs:spPr>
+  </cs:wall>
+</cs:chartStyle>
+</file>
+
+<file path=ppt/charts/style12.xml><?xml version="1.0" encoding="utf-8"?>
+<cs:chartStyle xmlns:cs="http://schemas.microsoft.com/office/drawing/2012/chartStyle" xmlns:a="http://schemas.openxmlformats.org/drawingml/2006/main" id="240">
+  <cs:axisTitle>
+    <cs:lnRef idx="0"/>
+    <cs:fillRef idx="0"/>
+    <cs:effectRef idx="0"/>
+    <cs:fontRef idx="minor">
+      <a:schemeClr val="tx1">
+        <a:lumMod val="65000"/>
+        <a:lumOff val="35000"/>
+      </a:schemeClr>
+    </cs:fontRef>
+    <cs:defRPr sz="1000" kern="1200"/>
+  </cs:axisTitle>
+  <cs:categoryAxis>
+    <cs:lnRef idx="0"/>
+    <cs:fillRef idx="0"/>
+    <cs:effectRef idx="0"/>
+    <cs:fontRef idx="minor">
+      <a:schemeClr val="tx1">
+        <a:lumMod val="65000"/>
+        <a:lumOff val="35000"/>
+      </a:schemeClr>
+    </cs:fontRef>
+    <cs:spPr>
+      <a:ln w="9525" cap="flat" cmpd="sng" algn="ctr">
+        <a:solidFill>
+          <a:schemeClr val="tx1">
+            <a:lumMod val="25000"/>
+            <a:lumOff val="75000"/>
+          </a:schemeClr>
+        </a:solidFill>
+        <a:round/>
+      </a:ln>
+    </cs:spPr>
+    <cs:defRPr sz="900" kern="1200"/>
+  </cs:categoryAxis>
+  <cs:chartArea mods="allowNoFillOverride allowNoLineOverride">
+    <cs:lnRef idx="0"/>
+    <cs:fillRef idx="0"/>
+    <cs:effectRef idx="0"/>
+    <cs:fontRef idx="minor">
+      <a:schemeClr val="tx1"/>
+    </cs:fontRef>
+    <cs:spPr>
+      <a:solidFill>
+        <a:schemeClr val="bg1"/>
+      </a:solidFill>
+      <a:ln w="9525" cap="flat" cmpd="sng" algn="ctr">
+        <a:solidFill>
+          <a:schemeClr val="tx1">
+            <a:lumMod val="15000"/>
+            <a:lumOff val="85000"/>
+          </a:schemeClr>
+        </a:solidFill>
+        <a:round/>
+      </a:ln>
+    </cs:spPr>
+    <cs:defRPr sz="1000" kern="1200"/>
+  </cs:chartArea>
+  <cs:dataLabel>
+    <cs:lnRef idx="0"/>
+    <cs:fillRef idx="0"/>
+    <cs:effectRef idx="0"/>
+    <cs:fontRef idx="minor">
+      <a:schemeClr val="tx1">
+        <a:lumMod val="75000"/>
+        <a:lumOff val="25000"/>
+      </a:schemeClr>
+    </cs:fontRef>
+    <cs:defRPr sz="900" kern="1200"/>
+  </cs:dataLabel>
+  <cs:dataLabelCallout>
+    <cs:lnRef idx="0"/>
+    <cs:fillRef idx="0"/>
+    <cs:effectRef idx="0"/>
+    <cs:fontRef idx="minor">
+      <a:schemeClr val="dk1">
+        <a:lumMod val="65000"/>
+        <a:lumOff val="35000"/>
+      </a:schemeClr>
+    </cs:fontRef>
+    <cs:spPr>
+      <a:solidFill>
+        <a:schemeClr val="lt1"/>
+      </a:solidFill>
+      <a:ln>
+        <a:solidFill>
+          <a:schemeClr val="dk1">
+            <a:lumMod val="25000"/>
+            <a:lumOff val="75000"/>
+          </a:schemeClr>
+        </a:solidFill>
+      </a:ln>
+    </cs:spPr>
+    <cs:defRPr sz="900" kern="1200"/>
+    <cs:bodyPr rot="0" spcFirstLastPara="1" vertOverflow="clip" horzOverflow="clip" vert="horz" wrap="square" lIns="36576" tIns="18288" rIns="36576" bIns="18288" anchor="ctr" anchorCtr="1">
+      <a:spAutoFit/>
+    </cs:bodyPr>
+  </cs:dataLabelCallout>
+  <cs:dataPoint>
+    <cs:lnRef idx="0"/>
+    <cs:fillRef idx="1">
+      <cs:styleClr val="auto"/>
+    </cs:fillRef>
+    <cs:effectRef idx="0"/>
+    <cs:fontRef idx="minor">
+      <a:schemeClr val="tx1"/>
+    </cs:fontRef>
+  </cs:dataPoint>
+  <cs:dataPoint3D>
+    <cs:lnRef idx="0"/>
+    <cs:fillRef idx="1">
+      <cs:styleClr val="auto"/>
+    </cs:fillRef>
+    <cs:effectRef idx="0"/>
+    <cs:fontRef idx="minor">
+      <a:schemeClr val="tx1"/>
+    </cs:fontRef>
+  </cs:dataPoint3D>
+  <cs:dataPointLine>
+    <cs:lnRef idx="0">
+      <cs:styleClr val="auto"/>
+    </cs:lnRef>
+    <cs:fillRef idx="1"/>
+    <cs:effectRef idx="0"/>
+    <cs:fontRef idx="minor">
+      <a:schemeClr val="tx1"/>
+    </cs:fontRef>
+    <cs:spPr>
+      <a:ln w="19050" cap="rnd">
+        <a:solidFill>
+          <a:schemeClr val="phClr"/>
+        </a:solidFill>
+        <a:round/>
+      </a:ln>
+    </cs:spPr>
+  </cs:dataPointLine>
+  <cs:dataPointMarker>
+    <cs:lnRef idx="0">
+      <cs:styleClr val="auto"/>
+    </cs:lnRef>
+    <cs:fillRef idx="1">
+      <cs:styleClr val="auto"/>
+    </cs:fillRef>
+    <cs:effectRef idx="0"/>
+    <cs:fontRef idx="minor">
+      <a:schemeClr val="tx1"/>
+    </cs:fontRef>
+    <cs:spPr>
+      <a:ln w="9525">
+        <a:solidFill>
+          <a:schemeClr val="phClr"/>
+        </a:solidFill>
+      </a:ln>
+    </cs:spPr>
+  </cs:dataPointMarker>
+  <cs:dataPointMarkerLayout symbol="circle" size="5"/>
+  <cs:dataPointWireframe>
+    <cs:lnRef idx="0">
+      <cs:styleClr val="auto"/>
+    </cs:lnRef>
+    <cs:fillRef idx="0"/>
+    <cs:effectRef idx="0"/>
+    <cs:fontRef idx="minor">
+      <a:schemeClr val="dk1"/>
+    </cs:fontRef>
+    <cs:spPr>
+      <a:ln w="9525" cap="rnd">
+        <a:solidFill>
+          <a:schemeClr val="phClr"/>
+        </a:solidFill>
+        <a:round/>
+      </a:ln>
+    </cs:spPr>
+  </cs:dataPointWireframe>
+  <cs:dataTable>
+    <cs:lnRef idx="0"/>
+    <cs:fillRef idx="0"/>
+    <cs:effectRef idx="0"/>
+    <cs:fontRef idx="minor">
+      <a:schemeClr val="tx1">
+        <a:lumMod val="65000"/>
+        <a:lumOff val="35000"/>
+      </a:schemeClr>
+    </cs:fontRef>
+    <cs:spPr>
+      <a:noFill/>
+      <a:ln w="9525" cap="flat" cmpd="sng" algn="ctr">
+        <a:solidFill>
+          <a:schemeClr val="tx1">
+            <a:lumMod val="15000"/>
+            <a:lumOff val="85000"/>
+          </a:schemeClr>
+        </a:solidFill>
+        <a:round/>
+      </a:ln>
+    </cs:spPr>
+    <cs:defRPr sz="900" kern="1200"/>
+  </cs:dataTable>
+  <cs:downBar>
+    <cs:lnRef idx="0"/>
+    <cs:fillRef idx="0"/>
+    <cs:effectRef idx="0"/>
+    <cs:fontRef idx="minor">
+      <a:schemeClr val="tx1"/>
+    </cs:fontRef>
+    <cs:spPr>
+      <a:solidFill>
+        <a:schemeClr val="dk1">
+          <a:lumMod val="75000"/>
+          <a:lumOff val="25000"/>
+        </a:schemeClr>
+      </a:solidFill>
+      <a:ln w="9525" cap="flat" cmpd="sng" algn="ctr">
+        <a:solidFill>
+          <a:schemeClr val="tx1">
+            <a:lumMod val="65000"/>
+            <a:lumOff val="35000"/>
+          </a:schemeClr>
+        </a:solidFill>
+        <a:round/>
+      </a:ln>
+    </cs:spPr>
+  </cs:downBar>
+  <cs:dropLine>
+    <cs:lnRef idx="0"/>
+    <cs:fillRef idx="0"/>
+    <cs:effectRef idx="0"/>
+    <cs:fontRef idx="minor">
+      <a:schemeClr val="tx1"/>
+    </cs:fontRef>
+    <cs:spPr>
+      <a:ln w="9525" cap="flat" cmpd="sng" algn="ctr">
+        <a:solidFill>
+          <a:schemeClr val="tx1">
+            <a:lumMod val="35000"/>
+            <a:lumOff val="65000"/>
+          </a:schemeClr>
+        </a:solidFill>
+        <a:round/>
+      </a:ln>
+    </cs:spPr>
+  </cs:dropLine>
+  <cs:errorBar>
+    <cs:lnRef idx="0"/>
+    <cs:fillRef idx="0"/>
+    <cs:effectRef idx="0"/>
+    <cs:fontRef idx="minor">
+      <a:schemeClr val="tx1"/>
+    </cs:fontRef>
+    <cs:spPr>
+      <a:ln w="9525" cap="flat" cmpd="sng" algn="ctr">
+        <a:solidFill>
+          <a:schemeClr val="tx1">
+            <a:lumMod val="65000"/>
+            <a:lumOff val="35000"/>
+          </a:schemeClr>
+        </a:solidFill>
+        <a:round/>
+      </a:ln>
+    </cs:spPr>
+  </cs:errorBar>
+  <cs:floor>
+    <cs:lnRef idx="0"/>
+    <cs:fillRef idx="0"/>
+    <cs:effectRef idx="0"/>
+    <cs:fontRef idx="minor">
+      <a:schemeClr val="tx1"/>
+    </cs:fontRef>
+    <cs:spPr>
+      <a:noFill/>
+      <a:ln>
+        <a:noFill/>
+      </a:ln>
+    </cs:spPr>
+  </cs:floor>
+  <cs:gridlineMajor>
+    <cs:lnRef idx="0"/>
+    <cs:fillRef idx="0"/>
+    <cs:effectRef idx="0"/>
+    <cs:fontRef idx="minor">
+      <a:schemeClr val="tx1"/>
+    </cs:fontRef>
+    <cs:spPr>
+      <a:ln w="9525" cap="flat" cmpd="sng" algn="ctr">
+        <a:solidFill>
+          <a:schemeClr val="tx1">
+            <a:lumMod val="15000"/>
+            <a:lumOff val="85000"/>
+          </a:schemeClr>
+        </a:solidFill>
+        <a:round/>
+      </a:ln>
+    </cs:spPr>
+  </cs:gridlineMajor>
+  <cs:gridlineMinor>
+    <cs:lnRef idx="0"/>
+    <cs:fillRef idx="0"/>
+    <cs:effectRef idx="0"/>
+    <cs:fontRef idx="minor">
+      <a:schemeClr val="tx1"/>
+    </cs:fontRef>
+    <cs:spPr>
+      <a:ln w="9525" cap="flat" cmpd="sng" algn="ctr">
+        <a:solidFill>
+          <a:schemeClr val="tx1">
+            <a:lumMod val="5000"/>
+            <a:lumOff val="95000"/>
+          </a:schemeClr>
+        </a:solidFill>
+        <a:round/>
+      </a:ln>
+    </cs:spPr>
+  </cs:gridlineMinor>
+  <cs:hiLoLine>
+    <cs:lnRef idx="0"/>
+    <cs:fillRef idx="0"/>
+    <cs:effectRef idx="0"/>
+    <cs:fontRef idx="minor">
+      <a:schemeClr val="tx1"/>
+    </cs:fontRef>
+    <cs:spPr>
+      <a:ln w="9525" cap="flat" cmpd="sng" algn="ctr">
+        <a:solidFill>
+          <a:schemeClr val="tx1">
+            <a:lumMod val="50000"/>
+            <a:lumOff val="50000"/>
+          </a:schemeClr>
+        </a:solidFill>
+        <a:round/>
+      </a:ln>
+    </cs:spPr>
+  </cs:hiLoLine>
+  <cs:leaderLine>
+    <cs:lnRef idx="0"/>
+    <cs:fillRef idx="0"/>
+    <cs:effectRef idx="0"/>
+    <cs:fontRef idx="minor">
+      <a:schemeClr val="tx1"/>
+    </cs:fontRef>
+    <cs:spPr>
+      <a:ln w="9525" cap="flat" cmpd="sng" algn="ctr">
+        <a:solidFill>
+          <a:schemeClr val="tx1">
+            <a:lumMod val="35000"/>
+            <a:lumOff val="65000"/>
+          </a:schemeClr>
+        </a:solidFill>
+        <a:round/>
+      </a:ln>
+    </cs:spPr>
+  </cs:leaderLine>
+  <cs:legend>
+    <cs:lnRef idx="0"/>
+    <cs:fillRef idx="0"/>
+    <cs:effectRef idx="0"/>
+    <cs:fontRef idx="minor">
+      <a:schemeClr val="tx1">
+        <a:lumMod val="65000"/>
+        <a:lumOff val="35000"/>
+      </a:schemeClr>
+    </cs:fontRef>
+    <cs:defRPr sz="900" kern="1200"/>
+  </cs:legend>
+  <cs:plotArea mods="allowNoFillOverride allowNoLineOverride">
+    <cs:lnRef idx="0"/>
+    <cs:fillRef idx="0"/>
+    <cs:effectRef idx="0"/>
+    <cs:fontRef idx="minor">
+      <a:schemeClr val="tx1"/>
+    </cs:fontRef>
+  </cs:plotArea>
+  <cs:plotArea3D mods="allowNoFillOverride allowNoLineOverride">
+    <cs:lnRef idx="0"/>
+    <cs:fillRef idx="0"/>
+    <cs:effectRef idx="0"/>
+    <cs:fontRef idx="minor">
+      <a:schemeClr val="tx1"/>
+    </cs:fontRef>
+  </cs:plotArea3D>
+  <cs:seriesAxis>
+    <cs:lnRef idx="0"/>
+    <cs:fillRef idx="0"/>
+    <cs:effectRef idx="0"/>
+    <cs:fontRef idx="minor">
+      <a:schemeClr val="tx1">
+        <a:lumMod val="65000"/>
+        <a:lumOff val="35000"/>
+      </a:schemeClr>
+    </cs:fontRef>
+    <cs:defRPr sz="900" kern="1200"/>
+  </cs:seriesAxis>
+  <cs:seriesLine>
+    <cs:lnRef idx="0"/>
+    <cs:fillRef idx="0"/>
+    <cs:effectRef idx="0"/>
+    <cs:fontRef idx="minor">
+      <a:schemeClr val="tx1"/>
+    </cs:fontRef>
+    <cs:spPr>
+      <a:ln w="9525" cap="flat" cmpd="sng" algn="ctr">
+        <a:solidFill>
+          <a:schemeClr val="tx1">
+            <a:lumMod val="35000"/>
+            <a:lumOff val="65000"/>
+          </a:schemeClr>
+        </a:solidFill>
+        <a:round/>
+      </a:ln>
+    </cs:spPr>
+  </cs:seriesLine>
+  <cs:title>
+    <cs:lnRef idx="0"/>
+    <cs:fillRef idx="0"/>
+    <cs:effectRef idx="0"/>
+    <cs:fontRef idx="minor">
+      <a:schemeClr val="tx1">
+        <a:lumMod val="65000"/>
+        <a:lumOff val="35000"/>
+      </a:schemeClr>
+    </cs:fontRef>
+    <cs:defRPr sz="1400" b="0" kern="1200" spc="0" baseline="0"/>
+  </cs:title>
+  <cs:trendline>
+    <cs:lnRef idx="0">
+      <cs:styleClr val="auto"/>
+    </cs:lnRef>
+    <cs:fillRef idx="0"/>
+    <cs:effectRef idx="0"/>
+    <cs:fontRef idx="minor">
+      <a:schemeClr val="tx1"/>
+    </cs:fontRef>
+    <cs:spPr>
+      <a:ln w="19050" cap="rnd">
+        <a:solidFill>
+          <a:schemeClr val="phClr"/>
+        </a:solidFill>
+        <a:prstDash val="sysDot"/>
+      </a:ln>
+    </cs:spPr>
+  </cs:trendline>
+  <cs:trendlineLabel>
+    <cs:lnRef idx="0"/>
+    <cs:fillRef idx="0"/>
+    <cs:effectRef idx="0"/>
+    <cs:fontRef idx="minor">
+      <a:schemeClr val="tx1">
+        <a:lumMod val="65000"/>
+        <a:lumOff val="35000"/>
+      </a:schemeClr>
+    </cs:fontRef>
+    <cs:defRPr sz="900" kern="1200"/>
+  </cs:trendlineLabel>
+  <cs:upBar>
+    <cs:lnRef idx="0"/>
+    <cs:fillRef idx="0"/>
+    <cs:effectRef idx="0"/>
+    <cs:fontRef idx="minor">
+      <a:schemeClr val="tx1"/>
+    </cs:fontRef>
+    <cs:spPr>
+      <a:solidFill>
+        <a:schemeClr val="lt1"/>
+      </a:solidFill>
+      <a:ln w="9525" cap="flat" cmpd="sng" algn="ctr">
+        <a:solidFill>
+          <a:schemeClr val="tx1">
+            <a:lumMod val="65000"/>
+            <a:lumOff val="35000"/>
+          </a:schemeClr>
+        </a:solidFill>
+        <a:round/>
+      </a:ln>
+    </cs:spPr>
+  </cs:upBar>
+  <cs:valueAxis>
+    <cs:lnRef idx="0"/>
+    <cs:fillRef idx="0"/>
+    <cs:effectRef idx="0"/>
+    <cs:fontRef idx="minor">
+      <a:schemeClr val="tx1">
+        <a:lumMod val="65000"/>
+        <a:lumOff val="35000"/>
+      </a:schemeClr>
+    </cs:fontRef>
+    <cs:spPr>
+      <a:ln w="9525" cap="flat" cmpd="sng" algn="ctr">
+        <a:solidFill>
+          <a:schemeClr val="tx1">
+            <a:lumMod val="25000"/>
+            <a:lumOff val="75000"/>
+          </a:schemeClr>
+        </a:solidFill>
+        <a:round/>
+      </a:ln>
+    </cs:spPr>
+    <cs:defRPr sz="900" kern="1200"/>
+  </cs:valueAxis>
+  <cs:wall>
+    <cs:lnRef idx="0"/>
+    <cs:fillRef idx="0"/>
+    <cs:effectRef idx="0"/>
+    <cs:fontRef idx="minor">
+      <a:schemeClr val="tx1"/>
+    </cs:fontRef>
+    <cs:spPr>
+      <a:noFill/>
+      <a:ln>
+        <a:noFill/>
+      </a:ln>
+    </cs:spPr>
+  </cs:wall>
+</cs:chartStyle>
+</file>
+
+<file path=ppt/charts/style13.xml><?xml version="1.0" encoding="utf-8"?>
+<cs:chartStyle xmlns:cs="http://schemas.microsoft.com/office/drawing/2012/chartStyle" xmlns:a="http://schemas.openxmlformats.org/drawingml/2006/main" id="240">
+  <cs:axisTitle>
+    <cs:lnRef idx="0"/>
+    <cs:fillRef idx="0"/>
+    <cs:effectRef idx="0"/>
+    <cs:fontRef idx="minor">
+      <a:schemeClr val="tx1">
+        <a:lumMod val="65000"/>
+        <a:lumOff val="35000"/>
+      </a:schemeClr>
+    </cs:fontRef>
+    <cs:defRPr sz="1000" kern="1200"/>
+  </cs:axisTitle>
+  <cs:categoryAxis>
+    <cs:lnRef idx="0"/>
+    <cs:fillRef idx="0"/>
+    <cs:effectRef idx="0"/>
+    <cs:fontRef idx="minor">
+      <a:schemeClr val="tx1">
+        <a:lumMod val="65000"/>
+        <a:lumOff val="35000"/>
+      </a:schemeClr>
+    </cs:fontRef>
+    <cs:spPr>
+      <a:ln w="9525" cap="flat" cmpd="sng" algn="ctr">
+        <a:solidFill>
+          <a:schemeClr val="tx1">
+            <a:lumMod val="25000"/>
+            <a:lumOff val="75000"/>
+          </a:schemeClr>
+        </a:solidFill>
+        <a:round/>
+      </a:ln>
+    </cs:spPr>
+    <cs:defRPr sz="900" kern="1200"/>
+  </cs:categoryAxis>
+  <cs:chartArea mods="allowNoFillOverride allowNoLineOverride">
+    <cs:lnRef idx="0"/>
+    <cs:fillRef idx="0"/>
+    <cs:effectRef idx="0"/>
+    <cs:fontRef idx="minor">
+      <a:schemeClr val="tx1"/>
+    </cs:fontRef>
+    <cs:spPr>
+      <a:solidFill>
+        <a:schemeClr val="bg1"/>
+      </a:solidFill>
+      <a:ln w="9525" cap="flat" cmpd="sng" algn="ctr">
+        <a:solidFill>
+          <a:schemeClr val="tx1">
+            <a:lumMod val="15000"/>
+            <a:lumOff val="85000"/>
+          </a:schemeClr>
+        </a:solidFill>
+        <a:round/>
+      </a:ln>
+    </cs:spPr>
+    <cs:defRPr sz="1000" kern="1200"/>
+  </cs:chartArea>
+  <cs:dataLabel>
+    <cs:lnRef idx="0"/>
+    <cs:fillRef idx="0"/>
+    <cs:effectRef idx="0"/>
+    <cs:fontRef idx="minor">
+      <a:schemeClr val="tx1">
+        <a:lumMod val="75000"/>
+        <a:lumOff val="25000"/>
+      </a:schemeClr>
+    </cs:fontRef>
+    <cs:defRPr sz="900" kern="1200"/>
+  </cs:dataLabel>
+  <cs:dataLabelCallout>
+    <cs:lnRef idx="0"/>
+    <cs:fillRef idx="0"/>
+    <cs:effectRef idx="0"/>
+    <cs:fontRef idx="minor">
+      <a:schemeClr val="dk1">
+        <a:lumMod val="65000"/>
+        <a:lumOff val="35000"/>
+      </a:schemeClr>
+    </cs:fontRef>
+    <cs:spPr>
+      <a:solidFill>
+        <a:schemeClr val="lt1"/>
+      </a:solidFill>
+      <a:ln>
+        <a:solidFill>
+          <a:schemeClr val="dk1">
+            <a:lumMod val="25000"/>
+            <a:lumOff val="75000"/>
+          </a:schemeClr>
+        </a:solidFill>
+      </a:ln>
+    </cs:spPr>
+    <cs:defRPr sz="900" kern="1200"/>
+    <cs:bodyPr rot="0" spcFirstLastPara="1" vertOverflow="clip" horzOverflow="clip" vert="horz" wrap="square" lIns="36576" tIns="18288" rIns="36576" bIns="18288" anchor="ctr" anchorCtr="1">
+      <a:spAutoFit/>
+    </cs:bodyPr>
+  </cs:dataLabelCallout>
+  <cs:dataPoint>
+    <cs:lnRef idx="0"/>
+    <cs:fillRef idx="1">
+      <cs:styleClr val="auto"/>
+    </cs:fillRef>
+    <cs:effectRef idx="0"/>
+    <cs:fontRef idx="minor">
+      <a:schemeClr val="tx1"/>
+    </cs:fontRef>
+  </cs:dataPoint>
+  <cs:dataPoint3D>
+    <cs:lnRef idx="0"/>
+    <cs:fillRef idx="1">
+      <cs:styleClr val="auto"/>
+    </cs:fillRef>
+    <cs:effectRef idx="0"/>
+    <cs:fontRef idx="minor">
+      <a:schemeClr val="tx1"/>
+    </cs:fontRef>
+  </cs:dataPoint3D>
+  <cs:dataPointLine>
+    <cs:lnRef idx="0">
+      <cs:styleClr val="auto"/>
+    </cs:lnRef>
+    <cs:fillRef idx="1"/>
+    <cs:effectRef idx="0"/>
+    <cs:fontRef idx="minor">
+      <a:schemeClr val="tx1"/>
+    </cs:fontRef>
+    <cs:spPr>
+      <a:ln w="19050" cap="rnd">
+        <a:solidFill>
+          <a:schemeClr val="phClr"/>
+        </a:solidFill>
+        <a:round/>
+      </a:ln>
+    </cs:spPr>
+  </cs:dataPointLine>
+  <cs:dataPointMarker>
+    <cs:lnRef idx="0">
+      <cs:styleClr val="auto"/>
+    </cs:lnRef>
+    <cs:fillRef idx="1">
+      <cs:styleClr val="auto"/>
+    </cs:fillRef>
+    <cs:effectRef idx="0"/>
+    <cs:fontRef idx="minor">
+      <a:schemeClr val="tx1"/>
+    </cs:fontRef>
+    <cs:spPr>
+      <a:ln w="9525">
+        <a:solidFill>
+          <a:schemeClr val="phClr"/>
+        </a:solidFill>
+      </a:ln>
+    </cs:spPr>
+  </cs:dataPointMarker>
+  <cs:dataPointMarkerLayout symbol="circle" size="5"/>
+  <cs:dataPointWireframe>
+    <cs:lnRef idx="0">
+      <cs:styleClr val="auto"/>
+    </cs:lnRef>
+    <cs:fillRef idx="0"/>
+    <cs:effectRef idx="0"/>
+    <cs:fontRef idx="minor">
+      <a:schemeClr val="dk1"/>
+    </cs:fontRef>
+    <cs:spPr>
+      <a:ln w="9525" cap="rnd">
+        <a:solidFill>
+          <a:schemeClr val="phClr"/>
+        </a:solidFill>
+        <a:round/>
+      </a:ln>
+    </cs:spPr>
+  </cs:dataPointWireframe>
+  <cs:dataTable>
+    <cs:lnRef idx="0"/>
+    <cs:fillRef idx="0"/>
+    <cs:effectRef idx="0"/>
+    <cs:fontRef idx="minor">
+      <a:schemeClr val="tx1">
+        <a:lumMod val="65000"/>
+        <a:lumOff val="35000"/>
+      </a:schemeClr>
+    </cs:fontRef>
+    <cs:spPr>
+      <a:noFill/>
+      <a:ln w="9525" cap="flat" cmpd="sng" algn="ctr">
+        <a:solidFill>
+          <a:schemeClr val="tx1">
+            <a:lumMod val="15000"/>
+            <a:lumOff val="85000"/>
+          </a:schemeClr>
+        </a:solidFill>
+        <a:round/>
+      </a:ln>
+    </cs:spPr>
+    <cs:defRPr sz="900" kern="1200"/>
+  </cs:dataTable>
+  <cs:downBar>
+    <cs:lnRef idx="0"/>
+    <cs:fillRef idx="0"/>
+    <cs:effectRef idx="0"/>
+    <cs:fontRef idx="minor">
+      <a:schemeClr val="tx1"/>
+    </cs:fontRef>
+    <cs:spPr>
+      <a:solidFill>
+        <a:schemeClr val="dk1">
+          <a:lumMod val="75000"/>
+          <a:lumOff val="25000"/>
+        </a:schemeClr>
+      </a:solidFill>
+      <a:ln w="9525" cap="flat" cmpd="sng" algn="ctr">
+        <a:solidFill>
+          <a:schemeClr val="tx1">
+            <a:lumMod val="65000"/>
+            <a:lumOff val="35000"/>
+          </a:schemeClr>
+        </a:solidFill>
+        <a:round/>
+      </a:ln>
+    </cs:spPr>
+  </cs:downBar>
+  <cs:dropLine>
+    <cs:lnRef idx="0"/>
+    <cs:fillRef idx="0"/>
+    <cs:effectRef idx="0"/>
+    <cs:fontRef idx="minor">
+      <a:schemeClr val="tx1"/>
+    </cs:fontRef>
+    <cs:spPr>
+      <a:ln w="9525" cap="flat" cmpd="sng" algn="ctr">
+        <a:solidFill>
+          <a:schemeClr val="tx1">
+            <a:lumMod val="35000"/>
+            <a:lumOff val="65000"/>
+          </a:schemeClr>
+        </a:solidFill>
+        <a:round/>
+      </a:ln>
+    </cs:spPr>
+  </cs:dropLine>
+  <cs:errorBar>
+    <cs:lnRef idx="0"/>
+    <cs:fillRef idx="0"/>
+    <cs:effectRef idx="0"/>
+    <cs:fontRef idx="minor">
+      <a:schemeClr val="tx1"/>
+    </cs:fontRef>
+    <cs:spPr>
+      <a:ln w="9525" cap="flat" cmpd="sng" algn="ctr">
+        <a:solidFill>
+          <a:schemeClr val="tx1">
+            <a:lumMod val="65000"/>
+            <a:lumOff val="35000"/>
+          </a:schemeClr>
+        </a:solidFill>
+        <a:round/>
+      </a:ln>
+    </cs:spPr>
+  </cs:errorBar>
+  <cs:floor>
+    <cs:lnRef idx="0"/>
+    <cs:fillRef idx="0"/>
+    <cs:effectRef idx="0"/>
+    <cs:fontRef idx="minor">
+      <a:schemeClr val="tx1"/>
+    </cs:fontRef>
+    <cs:spPr>
+      <a:noFill/>
+      <a:ln>
+        <a:noFill/>
+      </a:ln>
+    </cs:spPr>
+  </cs:floor>
+  <cs:gridlineMajor>
+    <cs:lnRef idx="0"/>
+    <cs:fillRef idx="0"/>
+    <cs:effectRef idx="0"/>
+    <cs:fontRef idx="minor">
+      <a:schemeClr val="tx1"/>
+    </cs:fontRef>
+    <cs:spPr>
+      <a:ln w="9525" cap="flat" cmpd="sng" algn="ctr">
+        <a:solidFill>
+          <a:schemeClr val="tx1">
+            <a:lumMod val="15000"/>
+            <a:lumOff val="85000"/>
+          </a:schemeClr>
+        </a:solidFill>
+        <a:round/>
+      </a:ln>
+    </cs:spPr>
+  </cs:gridlineMajor>
+  <cs:gridlineMinor>
+    <cs:lnRef idx="0"/>
+    <cs:fillRef idx="0"/>
+    <cs:effectRef idx="0"/>
+    <cs:fontRef idx="minor">
+      <a:schemeClr val="tx1"/>
+    </cs:fontRef>
+    <cs:spPr>
+      <a:ln w="9525" cap="flat" cmpd="sng" algn="ctr">
+        <a:solidFill>
+          <a:schemeClr val="tx1">
+            <a:lumMod val="5000"/>
+            <a:lumOff val="95000"/>
+          </a:schemeClr>
+        </a:solidFill>
+        <a:round/>
+      </a:ln>
+    </cs:spPr>
+  </cs:gridlineMinor>
+  <cs:hiLoLine>
+    <cs:lnRef idx="0"/>
+    <cs:fillRef idx="0"/>
+    <cs:effectRef idx="0"/>
+    <cs:fontRef idx="minor">
+      <a:schemeClr val="tx1"/>
+    </cs:fontRef>
+    <cs:spPr>
+      <a:ln w="9525" cap="flat" cmpd="sng" algn="ctr">
+        <a:solidFill>
+          <a:schemeClr val="tx1">
+            <a:lumMod val="50000"/>
+            <a:lumOff val="50000"/>
+          </a:schemeClr>
+        </a:solidFill>
+        <a:round/>
+      </a:ln>
+    </cs:spPr>
+  </cs:hiLoLine>
+  <cs:leaderLine>
+    <cs:lnRef idx="0"/>
+    <cs:fillRef idx="0"/>
+    <cs:effectRef idx="0"/>
+    <cs:fontRef idx="minor">
+      <a:schemeClr val="tx1"/>
+    </cs:fontRef>
+    <cs:spPr>
+      <a:ln w="9525" cap="flat" cmpd="sng" algn="ctr">
+        <a:solidFill>
+          <a:schemeClr val="tx1">
+            <a:lumMod val="35000"/>
+            <a:lumOff val="65000"/>
+          </a:schemeClr>
+        </a:solidFill>
+        <a:round/>
+      </a:ln>
+    </cs:spPr>
+  </cs:leaderLine>
+  <cs:legend>
+    <cs:lnRef idx="0"/>
+    <cs:fillRef idx="0"/>
+    <cs:effectRef idx="0"/>
+    <cs:fontRef idx="minor">
+      <a:schemeClr val="tx1">
+        <a:lumMod val="65000"/>
+        <a:lumOff val="35000"/>
+      </a:schemeClr>
+    </cs:fontRef>
+    <cs:defRPr sz="900" kern="1200"/>
+  </cs:legend>
+  <cs:plotArea mods="allowNoFillOverride allowNoLineOverride">
+    <cs:lnRef idx="0"/>
+    <cs:fillRef idx="0"/>
+    <cs:effectRef idx="0"/>
+    <cs:fontRef idx="minor">
+      <a:schemeClr val="tx1"/>
+    </cs:fontRef>
+  </cs:plotArea>
+  <cs:plotArea3D mods="allowNoFillOverride allowNoLineOverride">
+    <cs:lnRef idx="0"/>
+    <cs:fillRef idx="0"/>
+    <cs:effectRef idx="0"/>
+    <cs:fontRef idx="minor">
+      <a:schemeClr val="tx1"/>
+    </cs:fontRef>
+  </cs:plotArea3D>
+  <cs:seriesAxis>
+    <cs:lnRef idx="0"/>
+    <cs:fillRef idx="0"/>
+    <cs:effectRef idx="0"/>
+    <cs:fontRef idx="minor">
+      <a:schemeClr val="tx1">
+        <a:lumMod val="65000"/>
+        <a:lumOff val="35000"/>
+      </a:schemeClr>
+    </cs:fontRef>
+    <cs:defRPr sz="900" kern="1200"/>
+  </cs:seriesAxis>
+  <cs:seriesLine>
+    <cs:lnRef idx="0"/>
+    <cs:fillRef idx="0"/>
+    <cs:effectRef idx="0"/>
+    <cs:fontRef idx="minor">
+      <a:schemeClr val="tx1"/>
+    </cs:fontRef>
+    <cs:spPr>
+      <a:ln w="9525" cap="flat" cmpd="sng" algn="ctr">
+        <a:solidFill>
+          <a:schemeClr val="tx1">
+            <a:lumMod val="35000"/>
+            <a:lumOff val="65000"/>
+          </a:schemeClr>
+        </a:solidFill>
+        <a:round/>
+      </a:ln>
+    </cs:spPr>
+  </cs:seriesLine>
+  <cs:title>
+    <cs:lnRef idx="0"/>
+    <cs:fillRef idx="0"/>
+    <cs:effectRef idx="0"/>
+    <cs:fontRef idx="minor">
+      <a:schemeClr val="tx1">
+        <a:lumMod val="65000"/>
+        <a:lumOff val="35000"/>
+      </a:schemeClr>
+    </cs:fontRef>
+    <cs:defRPr sz="1400" b="0" kern="1200" spc="0" baseline="0"/>
+  </cs:title>
+  <cs:trendline>
+    <cs:lnRef idx="0">
+      <cs:styleClr val="auto"/>
+    </cs:lnRef>
+    <cs:fillRef idx="0"/>
+    <cs:effectRef idx="0"/>
+    <cs:fontRef idx="minor">
+      <a:schemeClr val="tx1"/>
+    </cs:fontRef>
+    <cs:spPr>
+      <a:ln w="19050" cap="rnd">
+        <a:solidFill>
+          <a:schemeClr val="phClr"/>
+        </a:solidFill>
+        <a:prstDash val="sysDot"/>
+      </a:ln>
+    </cs:spPr>
+  </cs:trendline>
+  <cs:trendlineLabel>
+    <cs:lnRef idx="0"/>
+    <cs:fillRef idx="0"/>
+    <cs:effectRef idx="0"/>
+    <cs:fontRef idx="minor">
+      <a:schemeClr val="tx1">
+        <a:lumMod val="65000"/>
+        <a:lumOff val="35000"/>
+      </a:schemeClr>
+    </cs:fontRef>
+    <cs:defRPr sz="900" kern="1200"/>
+  </cs:trendlineLabel>
+  <cs:upBar>
+    <cs:lnRef idx="0"/>
+    <cs:fillRef idx="0"/>
+    <cs:effectRef idx="0"/>
+    <cs:fontRef idx="minor">
+      <a:schemeClr val="tx1"/>
+    </cs:fontRef>
+    <cs:spPr>
+      <a:solidFill>
+        <a:schemeClr val="lt1"/>
+      </a:solidFill>
+      <a:ln w="9525" cap="flat" cmpd="sng" algn="ctr">
+        <a:solidFill>
+          <a:schemeClr val="tx1">
+            <a:lumMod val="65000"/>
+            <a:lumOff val="35000"/>
+          </a:schemeClr>
+        </a:solidFill>
+        <a:round/>
+      </a:ln>
+    </cs:spPr>
+  </cs:upBar>
+  <cs:valueAxis>
+    <cs:lnRef idx="0"/>
+    <cs:fillRef idx="0"/>
+    <cs:effectRef idx="0"/>
+    <cs:fontRef idx="minor">
+      <a:schemeClr val="tx1">
+        <a:lumMod val="65000"/>
+        <a:lumOff val="35000"/>
+      </a:schemeClr>
+    </cs:fontRef>
+    <cs:spPr>
+      <a:ln w="9525" cap="flat" cmpd="sng" algn="ctr">
+        <a:solidFill>
+          <a:schemeClr val="tx1">
+            <a:lumMod val="25000"/>
+            <a:lumOff val="75000"/>
+          </a:schemeClr>
+        </a:solidFill>
+        <a:round/>
+      </a:ln>
+    </cs:spPr>
+    <cs:defRPr sz="900" kern="1200"/>
+  </cs:valueAxis>
+  <cs:wall>
+    <cs:lnRef idx="0"/>
+    <cs:fillRef idx="0"/>
+    <cs:effectRef idx="0"/>
+    <cs:fontRef idx="minor">
+      <a:schemeClr val="tx1"/>
+    </cs:fontRef>
+    <cs:spPr>
+      <a:noFill/>
+      <a:ln>
+        <a:noFill/>
+      </a:ln>
+    </cs:spPr>
+  </cs:wall>
+</cs:chartStyle>
+</file>
+
 <file path=ppt/charts/style2.xml><?xml version="1.0" encoding="utf-8"?>
 <cs:chartStyle xmlns:cs="http://schemas.microsoft.com/office/drawing/2012/chartStyle" xmlns:a="http://schemas.openxmlformats.org/drawingml/2006/main" id="240">
   <cs:axisTitle>
@@ -13338,7 +16613,7 @@
           <a:p>
             <a:fld id="{46D2FF82-6B29-44D2-BD3C-588726427E6D}" type="datetimeFigureOut">
               <a:rPr lang="zh-CN" altLang="en-US" smtClean="0"/>
-              <a:t>2021/3/16</a:t>
+              <a:t>2021/3/17</a:t>
             </a:fld>
             <a:endParaRPr lang="zh-CN" altLang="en-US"/>
           </a:p>
@@ -13839,7 +17114,7 @@
           <a:p>
             <a:fld id="{5041867B-4B1C-4C01-BCD1-839AFBF713B2}" type="datetimeFigureOut">
               <a:rPr lang="zh-CN" altLang="en-US" smtClean="0"/>
-              <a:t>2021/3/16</a:t>
+              <a:t>2021/3/17</a:t>
             </a:fld>
             <a:endParaRPr lang="zh-CN" altLang="en-US"/>
           </a:p>
@@ -14039,7 +17314,7 @@
           <a:p>
             <a:fld id="{5041867B-4B1C-4C01-BCD1-839AFBF713B2}" type="datetimeFigureOut">
               <a:rPr lang="zh-CN" altLang="en-US" smtClean="0"/>
-              <a:t>2021/3/16</a:t>
+              <a:t>2021/3/17</a:t>
             </a:fld>
             <a:endParaRPr lang="zh-CN" altLang="en-US"/>
           </a:p>
@@ -14249,7 +17524,7 @@
           <a:p>
             <a:fld id="{5041867B-4B1C-4C01-BCD1-839AFBF713B2}" type="datetimeFigureOut">
               <a:rPr lang="zh-CN" altLang="en-US" smtClean="0"/>
-              <a:t>2021/3/16</a:t>
+              <a:t>2021/3/17</a:t>
             </a:fld>
             <a:endParaRPr lang="zh-CN" altLang="en-US"/>
           </a:p>
@@ -14449,7 +17724,7 @@
           <a:p>
             <a:fld id="{5041867B-4B1C-4C01-BCD1-839AFBF713B2}" type="datetimeFigureOut">
               <a:rPr lang="zh-CN" altLang="en-US" smtClean="0"/>
-              <a:t>2021/3/16</a:t>
+              <a:t>2021/3/17</a:t>
             </a:fld>
             <a:endParaRPr lang="zh-CN" altLang="en-US"/>
           </a:p>
@@ -14725,7 +18000,7 @@
           <a:p>
             <a:fld id="{5041867B-4B1C-4C01-BCD1-839AFBF713B2}" type="datetimeFigureOut">
               <a:rPr lang="zh-CN" altLang="en-US" smtClean="0"/>
-              <a:t>2021/3/16</a:t>
+              <a:t>2021/3/17</a:t>
             </a:fld>
             <a:endParaRPr lang="zh-CN" altLang="en-US"/>
           </a:p>
@@ -14993,7 +18268,7 @@
           <a:p>
             <a:fld id="{5041867B-4B1C-4C01-BCD1-839AFBF713B2}" type="datetimeFigureOut">
               <a:rPr lang="zh-CN" altLang="en-US" smtClean="0"/>
-              <a:t>2021/3/16</a:t>
+              <a:t>2021/3/17</a:t>
             </a:fld>
             <a:endParaRPr lang="zh-CN" altLang="en-US"/>
           </a:p>
@@ -15408,7 +18683,7 @@
           <a:p>
             <a:fld id="{5041867B-4B1C-4C01-BCD1-839AFBF713B2}" type="datetimeFigureOut">
               <a:rPr lang="zh-CN" altLang="en-US" smtClean="0"/>
-              <a:t>2021/3/16</a:t>
+              <a:t>2021/3/17</a:t>
             </a:fld>
             <a:endParaRPr lang="zh-CN" altLang="en-US"/>
           </a:p>
@@ -15550,7 +18825,7 @@
           <a:p>
             <a:fld id="{5041867B-4B1C-4C01-BCD1-839AFBF713B2}" type="datetimeFigureOut">
               <a:rPr lang="zh-CN" altLang="en-US" smtClean="0"/>
-              <a:t>2021/3/16</a:t>
+              <a:t>2021/3/17</a:t>
             </a:fld>
             <a:endParaRPr lang="zh-CN" altLang="en-US"/>
           </a:p>
@@ -15663,7 +18938,7 @@
           <a:p>
             <a:fld id="{5041867B-4B1C-4C01-BCD1-839AFBF713B2}" type="datetimeFigureOut">
               <a:rPr lang="zh-CN" altLang="en-US" smtClean="0"/>
-              <a:t>2021/3/16</a:t>
+              <a:t>2021/3/17</a:t>
             </a:fld>
             <a:endParaRPr lang="zh-CN" altLang="en-US"/>
           </a:p>
@@ -15976,7 +19251,7 @@
           <a:p>
             <a:fld id="{5041867B-4B1C-4C01-BCD1-839AFBF713B2}" type="datetimeFigureOut">
               <a:rPr lang="zh-CN" altLang="en-US" smtClean="0"/>
-              <a:t>2021/3/16</a:t>
+              <a:t>2021/3/17</a:t>
             </a:fld>
             <a:endParaRPr lang="zh-CN" altLang="en-US"/>
           </a:p>
@@ -16265,7 +19540,7 @@
           <a:p>
             <a:fld id="{5041867B-4B1C-4C01-BCD1-839AFBF713B2}" type="datetimeFigureOut">
               <a:rPr lang="zh-CN" altLang="en-US" smtClean="0"/>
-              <a:t>2021/3/16</a:t>
+              <a:t>2021/3/17</a:t>
             </a:fld>
             <a:endParaRPr lang="zh-CN" altLang="en-US"/>
           </a:p>
@@ -16508,7 +19783,7 @@
           <a:p>
             <a:fld id="{5041867B-4B1C-4C01-BCD1-839AFBF713B2}" type="datetimeFigureOut">
               <a:rPr lang="zh-CN" altLang="en-US" smtClean="0"/>
-              <a:t>2021/3/16</a:t>
+              <a:t>2021/3/17</a:t>
             </a:fld>
             <a:endParaRPr lang="zh-CN" altLang="en-US"/>
           </a:p>
@@ -16977,14 +20252,34 @@
           <a:p>
             <a:r>
               <a:rPr lang="en-US" altLang="zh-CN" dirty="0"/>
-              <a:t>Alignment</a:t>
+              <a:t>Idea:</a:t>
             </a:r>
           </a:p>
           <a:p>
             <a:pPr lvl="1"/>
             <a:r>
               <a:rPr lang="en-US" altLang="zh-CN" dirty="0"/>
-              <a:t>Screening/not screening</a:t>
+              <a:t>If bring in a new sample, how much likely the source is there? How’s the quality of the new sample?</a:t>
+            </a:r>
+          </a:p>
+          <a:p>
+            <a:r>
+              <a:rPr lang="en-US" altLang="zh-CN" dirty="0"/>
+              <a:t>Alignment</a:t>
+            </a:r>
+          </a:p>
+          <a:p>
+            <a:pPr lvl="1"/>
+            <a:r>
+              <a:rPr lang="en-US" altLang="zh-CN" dirty="0"/>
+              <a:t>Screening</a:t>
+            </a:r>
+          </a:p>
+          <a:p>
+            <a:pPr lvl="1"/>
+            <a:r>
+              <a:rPr lang="en-US" altLang="zh-CN" dirty="0"/>
+              <a:t>Only check for the closest neighbor</a:t>
             </a:r>
           </a:p>
           <a:p>
@@ -17017,10 +20312,473 @@
           </a:p>
         </p:txBody>
       </p:sp>
+      <p:sp>
+        <p:nvSpPr>
+          <p:cNvPr id="4" name="TextBox 3">
+            <a:extLst>
+              <a:ext uri="{FF2B5EF4-FFF2-40B4-BE49-F238E27FC236}">
+                <a16:creationId xmlns:a16="http://schemas.microsoft.com/office/drawing/2014/main" id="{85EBDE33-8195-4210-99D9-40B578AFCB4C}"/>
+              </a:ext>
+            </a:extLst>
+          </p:cNvPr>
+          <p:cNvSpPr txBox="1"/>
+          <p:nvPr/>
+        </p:nvSpPr>
+        <p:spPr>
+          <a:xfrm>
+            <a:off x="7007108" y="3313273"/>
+            <a:ext cx="4864963" cy="1477328"/>
+          </a:xfrm>
+          <a:prstGeom prst="rect">
+            <a:avLst/>
+          </a:prstGeom>
+          <a:noFill/>
+        </p:spPr>
+        <p:txBody>
+          <a:bodyPr wrap="square" rtlCol="0">
+            <a:spAutoFit/>
+          </a:bodyPr>
+          <a:lstStyle/>
+          <a:p>
+            <a:r>
+              <a:rPr lang="en-US" altLang="zh-CN" dirty="0"/>
+              <a:t>Dataset:</a:t>
+            </a:r>
+          </a:p>
+          <a:p>
+            <a:r>
+              <a:rPr lang="en-US" altLang="zh-CN" dirty="0" err="1"/>
+              <a:t>Mz</a:t>
+            </a:r>
+            <a:r>
+              <a:rPr lang="en-US" altLang="zh-CN" dirty="0"/>
+              <a:t>/rt pair 200 * 20 sets</a:t>
+            </a:r>
+          </a:p>
+          <a:p>
+            <a:r>
+              <a:rPr lang="en-US" altLang="zh-CN" dirty="0"/>
+              <a:t>Missing </a:t>
+            </a:r>
+            <a:r>
+              <a:rPr lang="en-US" altLang="zh-CN" dirty="0" err="1"/>
+              <a:t>mz</a:t>
+            </a:r>
+            <a:r>
+              <a:rPr lang="en-US" altLang="zh-CN" dirty="0"/>
+              <a:t>/rt pair 20~100% * 200 * 20 * 5 sets</a:t>
+            </a:r>
+          </a:p>
+          <a:p>
+            <a:r>
+              <a:rPr lang="en-US" altLang="zh-CN" dirty="0"/>
+              <a:t>Rt+-0.2 </a:t>
+            </a:r>
+            <a:r>
+              <a:rPr lang="en-US" altLang="zh-CN" dirty="0" err="1"/>
+              <a:t>norm.dist</a:t>
+            </a:r>
+            <a:endParaRPr lang="en-US" altLang="zh-CN" dirty="0"/>
+          </a:p>
+          <a:p>
+            <a:r>
+              <a:rPr lang="en-US" altLang="zh-CN" dirty="0" err="1"/>
+              <a:t>Mz</a:t>
+            </a:r>
+            <a:r>
+              <a:rPr lang="en-US" altLang="zh-CN" dirty="0"/>
+              <a:t>+-5ppm</a:t>
+            </a:r>
+          </a:p>
+        </p:txBody>
+      </p:sp>
+      <p:sp>
+        <p:nvSpPr>
+          <p:cNvPr id="5" name="TextBox 4">
+            <a:extLst>
+              <a:ext uri="{FF2B5EF4-FFF2-40B4-BE49-F238E27FC236}">
+                <a16:creationId xmlns:a16="http://schemas.microsoft.com/office/drawing/2014/main" id="{B58DDD9F-6F1C-4DEF-B291-14860FB581DA}"/>
+              </a:ext>
+            </a:extLst>
+          </p:cNvPr>
+          <p:cNvSpPr txBox="1"/>
+          <p:nvPr/>
+        </p:nvSpPr>
+        <p:spPr>
+          <a:xfrm>
+            <a:off x="8985778" y="4295969"/>
+            <a:ext cx="907621" cy="2585323"/>
+          </a:xfrm>
+          <a:prstGeom prst="rect">
+            <a:avLst/>
+          </a:prstGeom>
+          <a:noFill/>
+        </p:spPr>
+        <p:txBody>
+          <a:bodyPr wrap="none" rtlCol="0">
+            <a:spAutoFit/>
+          </a:bodyPr>
+          <a:lstStyle/>
+          <a:p>
+            <a:r>
+              <a:rPr lang="en-US" altLang="zh-CN" dirty="0"/>
+              <a:t>200,10 </a:t>
+            </a:r>
+          </a:p>
+          <a:p>
+            <a:r>
+              <a:rPr lang="en-US" altLang="zh-CN" dirty="0"/>
+              <a:t>205,10</a:t>
+            </a:r>
+          </a:p>
+          <a:p>
+            <a:endParaRPr lang="en-US" altLang="zh-CN" dirty="0"/>
+          </a:p>
+          <a:p>
+            <a:r>
+              <a:rPr lang="en-US" altLang="zh-CN" dirty="0"/>
+              <a:t>205,10</a:t>
+            </a:r>
+          </a:p>
+          <a:p>
+            <a:r>
+              <a:rPr lang="en-US" altLang="zh-CN" dirty="0"/>
+              <a:t>205,10</a:t>
+            </a:r>
+          </a:p>
+          <a:p>
+            <a:r>
+              <a:rPr lang="en-US" altLang="zh-CN" dirty="0"/>
+              <a:t>205,10</a:t>
+            </a:r>
+          </a:p>
+          <a:p>
+            <a:r>
+              <a:rPr lang="en-US" altLang="zh-CN" dirty="0"/>
+              <a:t>205,10</a:t>
+            </a:r>
+          </a:p>
+          <a:p>
+            <a:r>
+              <a:rPr lang="en-US" altLang="zh-CN" dirty="0"/>
+              <a:t>205,10</a:t>
+            </a:r>
+          </a:p>
+          <a:p>
+            <a:endParaRPr lang="zh-CN" altLang="en-US" dirty="0"/>
+          </a:p>
+        </p:txBody>
+      </p:sp>
+      <p:sp>
+        <p:nvSpPr>
+          <p:cNvPr id="6" name="TextBox 5">
+            <a:extLst>
+              <a:ext uri="{FF2B5EF4-FFF2-40B4-BE49-F238E27FC236}">
+                <a16:creationId xmlns:a16="http://schemas.microsoft.com/office/drawing/2014/main" id="{0A830223-7F9D-48D1-B140-20444C736896}"/>
+              </a:ext>
+            </a:extLst>
+          </p:cNvPr>
+          <p:cNvSpPr txBox="1"/>
+          <p:nvPr/>
+        </p:nvSpPr>
+        <p:spPr>
+          <a:xfrm>
+            <a:off x="9715978" y="4295969"/>
+            <a:ext cx="907621" cy="2585323"/>
+          </a:xfrm>
+          <a:prstGeom prst="rect">
+            <a:avLst/>
+          </a:prstGeom>
+          <a:noFill/>
+        </p:spPr>
+        <p:txBody>
+          <a:bodyPr wrap="none" rtlCol="0">
+            <a:spAutoFit/>
+          </a:bodyPr>
+          <a:lstStyle/>
+          <a:p>
+            <a:r>
+              <a:rPr lang="en-US" altLang="zh-CN" dirty="0"/>
+              <a:t>200,10 </a:t>
+            </a:r>
+          </a:p>
+          <a:p>
+            <a:r>
+              <a:rPr lang="en-US" altLang="zh-CN" dirty="0"/>
+              <a:t>205,10</a:t>
+            </a:r>
+          </a:p>
+          <a:p>
+            <a:endParaRPr lang="en-US" altLang="zh-CN" dirty="0"/>
+          </a:p>
+          <a:p>
+            <a:r>
+              <a:rPr lang="en-US" altLang="zh-CN" dirty="0"/>
+              <a:t>205,10</a:t>
+            </a:r>
+          </a:p>
+          <a:p>
+            <a:r>
+              <a:rPr lang="en-US" altLang="zh-CN" dirty="0"/>
+              <a:t>205,10</a:t>
+            </a:r>
+          </a:p>
+          <a:p>
+            <a:r>
+              <a:rPr lang="en-US" altLang="zh-CN" dirty="0"/>
+              <a:t>205,10</a:t>
+            </a:r>
+          </a:p>
+          <a:p>
+            <a:r>
+              <a:rPr lang="en-US" altLang="zh-CN" dirty="0"/>
+              <a:t>205,10</a:t>
+            </a:r>
+          </a:p>
+          <a:p>
+            <a:r>
+              <a:rPr lang="en-US" altLang="zh-CN" dirty="0"/>
+              <a:t>205,10</a:t>
+            </a:r>
+          </a:p>
+          <a:p>
+            <a:endParaRPr lang="zh-CN" altLang="en-US" dirty="0"/>
+          </a:p>
+        </p:txBody>
+      </p:sp>
     </p:spTree>
     <p:extLst>
       <p:ext uri="{BB962C8B-B14F-4D97-AF65-F5344CB8AC3E}">
         <p14:creationId xmlns:p14="http://schemas.microsoft.com/office/powerpoint/2010/main" val="1167527803"/>
+      </p:ext>
+    </p:extLst>
+  </p:cSld>
+  <p:clrMapOvr>
+    <a:masterClrMapping/>
+  </p:clrMapOvr>
+</p:sld>
+</file>
+
+<file path=ppt/slides/slide10.xml><?xml version="1.0" encoding="utf-8"?>
+<p:sld xmlns:a="http://schemas.openxmlformats.org/drawingml/2006/main" xmlns:r="http://schemas.openxmlformats.org/officeDocument/2006/relationships" xmlns:p="http://schemas.openxmlformats.org/presentationml/2006/main">
+  <p:cSld>
+    <p:spTree>
+      <p:nvGrpSpPr>
+        <p:cNvPr id="1" name=""/>
+        <p:cNvGrpSpPr/>
+        <p:nvPr/>
+      </p:nvGrpSpPr>
+      <p:grpSpPr>
+        <a:xfrm>
+          <a:off x="0" y="0"/>
+          <a:ext cx="0" cy="0"/>
+          <a:chOff x="0" y="0"/>
+          <a:chExt cx="0" cy="0"/>
+        </a:xfrm>
+      </p:grpSpPr>
+      <p:sp>
+        <p:nvSpPr>
+          <p:cNvPr id="2" name="Title 1">
+            <a:extLst>
+              <a:ext uri="{FF2B5EF4-FFF2-40B4-BE49-F238E27FC236}">
+                <a16:creationId xmlns:a16="http://schemas.microsoft.com/office/drawing/2014/main" id="{8B791343-233E-47B4-9987-39E126750154}"/>
+              </a:ext>
+            </a:extLst>
+          </p:cNvPr>
+          <p:cNvSpPr>
+            <a:spLocks noGrp="1"/>
+          </p:cNvSpPr>
+          <p:nvPr>
+            <p:ph type="title"/>
+          </p:nvPr>
+        </p:nvSpPr>
+        <p:spPr/>
+        <p:txBody>
+          <a:bodyPr/>
+          <a:lstStyle/>
+          <a:p>
+            <a:r>
+              <a:rPr lang="en-US" altLang="zh-CN" dirty="0"/>
+              <a:t>ACS presentation</a:t>
+            </a:r>
+            <a:endParaRPr lang="zh-CN" altLang="en-US" dirty="0"/>
+          </a:p>
+        </p:txBody>
+      </p:sp>
+      <p:sp>
+        <p:nvSpPr>
+          <p:cNvPr id="3" name="Content Placeholder 2">
+            <a:extLst>
+              <a:ext uri="{FF2B5EF4-FFF2-40B4-BE49-F238E27FC236}">
+                <a16:creationId xmlns:a16="http://schemas.microsoft.com/office/drawing/2014/main" id="{58320D5D-BDB1-458E-BDCB-C76FF26E0E0C}"/>
+              </a:ext>
+            </a:extLst>
+          </p:cNvPr>
+          <p:cNvSpPr>
+            <a:spLocks noGrp="1"/>
+          </p:cNvSpPr>
+          <p:nvPr>
+            <p:ph idx="1"/>
+          </p:nvPr>
+        </p:nvSpPr>
+        <p:spPr>
+          <a:xfrm>
+            <a:off x="838200" y="1825625"/>
+            <a:ext cx="5003307" cy="4351338"/>
+          </a:xfrm>
+        </p:spPr>
+        <p:txBody>
+          <a:bodyPr>
+            <a:normAutofit fontScale="77500" lnSpcReduction="20000"/>
+          </a:bodyPr>
+          <a:lstStyle/>
+          <a:p>
+            <a:r>
+              <a:rPr lang="en-US" altLang="zh-CN" dirty="0"/>
+              <a:t>Introduction</a:t>
+            </a:r>
+          </a:p>
+          <a:p>
+            <a:pPr lvl="1"/>
+            <a:r>
+              <a:rPr lang="en-US" altLang="zh-CN" dirty="0"/>
+              <a:t>Major functions of the package</a:t>
+            </a:r>
+          </a:p>
+          <a:p>
+            <a:pPr lvl="1"/>
+            <a:r>
+              <a:rPr lang="en-US" altLang="zh-CN" dirty="0"/>
+              <a:t>Merits</a:t>
+            </a:r>
+          </a:p>
+          <a:p>
+            <a:r>
+              <a:rPr lang="en-US" altLang="zh-CN" dirty="0"/>
+              <a:t>Showcase</a:t>
+            </a:r>
+          </a:p>
+          <a:p>
+            <a:pPr lvl="1"/>
+            <a:r>
+              <a:rPr lang="en-US" altLang="zh-CN" dirty="0"/>
+              <a:t>Screenshot of processed results</a:t>
+            </a:r>
+          </a:p>
+          <a:p>
+            <a:pPr lvl="1"/>
+            <a:r>
+              <a:rPr lang="en-US" altLang="zh-CN" dirty="0"/>
+              <a:t>Visualization module</a:t>
+            </a:r>
+          </a:p>
+          <a:p>
+            <a:pPr lvl="1"/>
+            <a:r>
+              <a:rPr lang="en-US" altLang="zh-CN" dirty="0">
+                <a:solidFill>
+                  <a:srgbClr val="FF0000"/>
+                </a:solidFill>
+              </a:rPr>
+              <a:t>Scoring on the source identification?</a:t>
+            </a:r>
+          </a:p>
+          <a:p>
+            <a:r>
+              <a:rPr lang="en-US" altLang="zh-CN" dirty="0"/>
+              <a:t>Benchmarks</a:t>
+            </a:r>
+          </a:p>
+          <a:p>
+            <a:pPr lvl="1"/>
+            <a:r>
+              <a:rPr lang="en-US" altLang="zh-CN" dirty="0"/>
+              <a:t>Vs. other </a:t>
+            </a:r>
+            <a:r>
+              <a:rPr lang="en-US" altLang="zh-CN" dirty="0" err="1"/>
+              <a:t>softwares</a:t>
+            </a:r>
+            <a:r>
+              <a:rPr lang="en-US" altLang="zh-CN" dirty="0"/>
+              <a:t> – peak picking</a:t>
+            </a:r>
+          </a:p>
+          <a:p>
+            <a:pPr lvl="1"/>
+            <a:r>
+              <a:rPr lang="en-US" altLang="zh-CN" dirty="0"/>
+              <a:t>Runtime/resource benchmark</a:t>
+            </a:r>
+          </a:p>
+          <a:p>
+            <a:pPr lvl="1"/>
+            <a:r>
+              <a:rPr lang="en-US" altLang="zh-CN" dirty="0"/>
+              <a:t>Benchmarks on supercomputer?</a:t>
+            </a:r>
+          </a:p>
+          <a:p>
+            <a:r>
+              <a:rPr lang="en-US" altLang="zh-CN" dirty="0"/>
+              <a:t>Comparison?</a:t>
+            </a:r>
+          </a:p>
+          <a:p>
+            <a:pPr lvl="1"/>
+            <a:r>
+              <a:rPr lang="en-US" altLang="zh-CN" dirty="0"/>
+              <a:t>Function comparison</a:t>
+            </a:r>
+          </a:p>
+          <a:p>
+            <a:r>
+              <a:rPr lang="en-US" altLang="zh-CN" dirty="0"/>
+              <a:t>Anything else?</a:t>
+            </a:r>
+          </a:p>
+        </p:txBody>
+      </p:sp>
+      <p:pic>
+        <p:nvPicPr>
+          <p:cNvPr id="5" name="Picture 4" descr="Table&#10;&#10;Description automatically generated">
+            <a:extLst>
+              <a:ext uri="{FF2B5EF4-FFF2-40B4-BE49-F238E27FC236}">
+                <a16:creationId xmlns:a16="http://schemas.microsoft.com/office/drawing/2014/main" id="{201A7111-9463-4DA4-A76D-0F9A01401D94}"/>
+              </a:ext>
+            </a:extLst>
+          </p:cNvPr>
+          <p:cNvPicPr>
+            <a:picLocks noChangeAspect="1"/>
+          </p:cNvPicPr>
+          <p:nvPr/>
+        </p:nvPicPr>
+        <p:blipFill>
+          <a:blip r:embed="rId2">
+            <a:extLst>
+              <a:ext uri="{28A0092B-C50C-407E-A947-70E740481C1C}">
+                <a14:useLocalDpi xmlns:a14="http://schemas.microsoft.com/office/drawing/2010/main" val="0"/>
+              </a:ext>
+            </a:extLst>
+          </a:blip>
+          <a:stretch>
+            <a:fillRect/>
+          </a:stretch>
+        </p:blipFill>
+        <p:spPr>
+          <a:xfrm>
+            <a:off x="6096000" y="2040729"/>
+            <a:ext cx="5747657" cy="2978453"/>
+          </a:xfrm>
+          <a:prstGeom prst="rect">
+            <a:avLst/>
+          </a:prstGeom>
+        </p:spPr>
+      </p:pic>
+    </p:spTree>
+    <p:extLst>
+      <p:ext uri="{BB962C8B-B14F-4D97-AF65-F5344CB8AC3E}">
+        <p14:creationId xmlns:p14="http://schemas.microsoft.com/office/powerpoint/2010/main" val="3932901853"/>
       </p:ext>
     </p:extLst>
   </p:cSld>
@@ -17182,13 +20940,13 @@
           <p:nvPr>
             <p:extLst>
               <p:ext uri="{D42A27DB-BD31-4B8C-83A1-F6EECF244321}">
-                <p14:modId xmlns:p14="http://schemas.microsoft.com/office/powerpoint/2010/main" val="4054427258"/>
+                <p14:modId xmlns:p14="http://schemas.microsoft.com/office/powerpoint/2010/main" val="2999481744"/>
               </p:ext>
             </p:extLst>
           </p:nvPr>
         </p:nvGraphicFramePr>
         <p:xfrm>
-          <a:off x="5344823" y="4412469"/>
+          <a:off x="5344823" y="2202779"/>
           <a:ext cx="3679104" cy="2207462"/>
         </p:xfrm>
         <a:graphic>
@@ -17212,13 +20970,13 @@
           <p:nvPr>
             <p:extLst>
               <p:ext uri="{D42A27DB-BD31-4B8C-83A1-F6EECF244321}">
-                <p14:modId xmlns:p14="http://schemas.microsoft.com/office/powerpoint/2010/main" val="4076593812"/>
+                <p14:modId xmlns:p14="http://schemas.microsoft.com/office/powerpoint/2010/main" val="3908684749"/>
               </p:ext>
             </p:extLst>
           </p:nvPr>
         </p:nvGraphicFramePr>
         <p:xfrm>
-          <a:off x="5344823" y="2205007"/>
+          <a:off x="5344823" y="4475302"/>
           <a:ext cx="3679104" cy="2207462"/>
         </p:xfrm>
         <a:graphic>
@@ -17293,7 +21051,43 @@
           <a:p>
             <a:r>
               <a:rPr lang="en-US" altLang="zh-CN" dirty="0"/>
-              <a:t>Without screening</a:t>
+              <a:t>Closest neighbor</a:t>
+            </a:r>
+            <a:endParaRPr lang="zh-CN" altLang="en-US" dirty="0"/>
+          </a:p>
+        </p:txBody>
+      </p:sp>
+      <p:sp>
+        <p:nvSpPr>
+          <p:cNvPr id="2" name="TextBox 1">
+            <a:extLst>
+              <a:ext uri="{FF2B5EF4-FFF2-40B4-BE49-F238E27FC236}">
+                <a16:creationId xmlns:a16="http://schemas.microsoft.com/office/drawing/2014/main" id="{B47D76C1-6DCB-4107-B459-22E90476917D}"/>
+              </a:ext>
+            </a:extLst>
+          </p:cNvPr>
+          <p:cNvSpPr txBox="1"/>
+          <p:nvPr/>
+        </p:nvSpPr>
+        <p:spPr>
+          <a:xfrm>
+            <a:off x="9313428" y="919065"/>
+            <a:ext cx="2317072" cy="369332"/>
+          </a:xfrm>
+          <a:prstGeom prst="rect">
+            <a:avLst/>
+          </a:prstGeom>
+          <a:noFill/>
+        </p:spPr>
+        <p:txBody>
+          <a:bodyPr wrap="square" rtlCol="0">
+            <a:spAutoFit/>
+          </a:bodyPr>
+          <a:lstStyle/>
+          <a:p>
+            <a:r>
+              <a:rPr lang="en-US" altLang="zh-CN" dirty="0"/>
+              <a:t>X-axis: simp match</a:t>
             </a:r>
             <a:endParaRPr lang="zh-CN" altLang="en-US" dirty="0"/>
           </a:p>
@@ -17345,14 +21139,19 @@
             <p:ph type="title"/>
           </p:nvPr>
         </p:nvSpPr>
-        <p:spPr/>
+        <p:spPr>
+          <a:xfrm>
+            <a:off x="57460" y="301381"/>
+            <a:ext cx="10515600" cy="1325563"/>
+          </a:xfrm>
+        </p:spPr>
         <p:txBody>
           <a:bodyPr/>
           <a:lstStyle/>
           <a:p>
             <a:r>
               <a:rPr lang="en-US" altLang="zh-CN" dirty="0"/>
-              <a:t>Procedure of score assessment</a:t>
+              <a:t>Procedure of source identification</a:t>
             </a:r>
             <a:endParaRPr lang="zh-CN" altLang="en-US" dirty="0"/>
           </a:p>
@@ -18033,6 +21832,466 @@
           <p:cNvPr id="2" name="Title 1">
             <a:extLst>
               <a:ext uri="{FF2B5EF4-FFF2-40B4-BE49-F238E27FC236}">
+                <a16:creationId xmlns:a16="http://schemas.microsoft.com/office/drawing/2014/main" id="{5D9BF0F3-20DB-47F4-9554-8B16BD186D31}"/>
+              </a:ext>
+            </a:extLst>
+          </p:cNvPr>
+          <p:cNvSpPr>
+            <a:spLocks noGrp="1"/>
+          </p:cNvSpPr>
+          <p:nvPr>
+            <p:ph type="title"/>
+          </p:nvPr>
+        </p:nvSpPr>
+        <p:spPr/>
+        <p:txBody>
+          <a:bodyPr/>
+          <a:lstStyle/>
+          <a:p>
+            <a:endParaRPr lang="zh-CN" altLang="en-US"/>
+          </a:p>
+        </p:txBody>
+      </p:sp>
+      <p:sp>
+        <p:nvSpPr>
+          <p:cNvPr id="3" name="Content Placeholder 2">
+            <a:extLst>
+              <a:ext uri="{FF2B5EF4-FFF2-40B4-BE49-F238E27FC236}">
+                <a16:creationId xmlns:a16="http://schemas.microsoft.com/office/drawing/2014/main" id="{F3F2CEE2-7108-4E25-9578-D74BA12E5CDA}"/>
+              </a:ext>
+            </a:extLst>
+          </p:cNvPr>
+          <p:cNvSpPr>
+            <a:spLocks noGrp="1"/>
+          </p:cNvSpPr>
+          <p:nvPr>
+            <p:ph idx="1"/>
+          </p:nvPr>
+        </p:nvSpPr>
+        <p:spPr/>
+        <p:txBody>
+          <a:bodyPr/>
+          <a:lstStyle/>
+          <a:p>
+            <a:endParaRPr lang="zh-CN" altLang="en-US"/>
+          </a:p>
+        </p:txBody>
+      </p:sp>
+      <p:pic>
+        <p:nvPicPr>
+          <p:cNvPr id="4" name="Picture 3">
+            <a:extLst>
+              <a:ext uri="{FF2B5EF4-FFF2-40B4-BE49-F238E27FC236}">
+                <a16:creationId xmlns:a16="http://schemas.microsoft.com/office/drawing/2014/main" id="{8AF01F43-426A-426B-97F8-4D1F58719BFB}"/>
+              </a:ext>
+            </a:extLst>
+          </p:cNvPr>
+          <p:cNvPicPr>
+            <a:picLocks noChangeAspect="1"/>
+          </p:cNvPicPr>
+          <p:nvPr/>
+        </p:nvPicPr>
+        <p:blipFill>
+          <a:blip r:embed="rId2"/>
+          <a:stretch>
+            <a:fillRect/>
+          </a:stretch>
+        </p:blipFill>
+        <p:spPr>
+          <a:xfrm>
+            <a:off x="122988" y="1760267"/>
+            <a:ext cx="10961905" cy="3571429"/>
+          </a:xfrm>
+          <a:prstGeom prst="rect">
+            <a:avLst/>
+          </a:prstGeom>
+        </p:spPr>
+      </p:pic>
+      <p:sp>
+        <p:nvSpPr>
+          <p:cNvPr id="5" name="TextBox 4">
+            <a:extLst>
+              <a:ext uri="{FF2B5EF4-FFF2-40B4-BE49-F238E27FC236}">
+                <a16:creationId xmlns:a16="http://schemas.microsoft.com/office/drawing/2014/main" id="{2B6743C3-07CF-4761-BDEF-4789E1E27C66}"/>
+              </a:ext>
+            </a:extLst>
+          </p:cNvPr>
+          <p:cNvSpPr txBox="1"/>
+          <p:nvPr/>
+        </p:nvSpPr>
+        <p:spPr>
+          <a:xfrm>
+            <a:off x="5015884" y="2308194"/>
+            <a:ext cx="1864311" cy="646331"/>
+          </a:xfrm>
+          <a:prstGeom prst="rect">
+            <a:avLst/>
+          </a:prstGeom>
+          <a:noFill/>
+        </p:spPr>
+        <p:txBody>
+          <a:bodyPr wrap="square" rtlCol="0">
+            <a:spAutoFit/>
+          </a:bodyPr>
+          <a:lstStyle/>
+          <a:p>
+            <a:r>
+              <a:rPr lang="en-US" altLang="zh-CN" dirty="0"/>
+              <a:t>Blue: sample</a:t>
+            </a:r>
+          </a:p>
+          <a:p>
+            <a:r>
+              <a:rPr lang="en-US" altLang="zh-CN" dirty="0"/>
+              <a:t>Red: source</a:t>
+            </a:r>
+            <a:endParaRPr lang="zh-CN" altLang="en-US" dirty="0"/>
+          </a:p>
+        </p:txBody>
+      </p:sp>
+      <p:sp>
+        <p:nvSpPr>
+          <p:cNvPr id="6" name="TextBox 5">
+            <a:extLst>
+              <a:ext uri="{FF2B5EF4-FFF2-40B4-BE49-F238E27FC236}">
+                <a16:creationId xmlns:a16="http://schemas.microsoft.com/office/drawing/2014/main" id="{E1B5C196-53B1-4459-9BF8-AAAB8B71E6A3}"/>
+              </a:ext>
+            </a:extLst>
+          </p:cNvPr>
+          <p:cNvSpPr txBox="1"/>
+          <p:nvPr/>
+        </p:nvSpPr>
+        <p:spPr>
+          <a:xfrm>
+            <a:off x="239697" y="3429000"/>
+            <a:ext cx="867410" cy="370643"/>
+          </a:xfrm>
+          <a:prstGeom prst="rect">
+            <a:avLst/>
+          </a:prstGeom>
+          <a:solidFill>
+            <a:schemeClr val="bg1"/>
+          </a:solidFill>
+        </p:spPr>
+        <p:txBody>
+          <a:bodyPr wrap="square" rtlCol="0">
+            <a:spAutoFit/>
+          </a:bodyPr>
+          <a:lstStyle/>
+          <a:p>
+            <a:r>
+              <a:rPr lang="en-US" altLang="zh-CN" dirty="0" err="1"/>
+              <a:t>Mz</a:t>
+            </a:r>
+            <a:r>
+              <a:rPr lang="en-US" altLang="zh-CN" dirty="0"/>
+              <a:t>/rt</a:t>
+            </a:r>
+            <a:endParaRPr lang="zh-CN" altLang="en-US" dirty="0"/>
+          </a:p>
+        </p:txBody>
+      </p:sp>
+      <p:cxnSp>
+        <p:nvCxnSpPr>
+          <p:cNvPr id="8" name="Straight Arrow Connector 7">
+            <a:extLst>
+              <a:ext uri="{FF2B5EF4-FFF2-40B4-BE49-F238E27FC236}">
+                <a16:creationId xmlns:a16="http://schemas.microsoft.com/office/drawing/2014/main" id="{7E95BB1F-FE50-4102-93BF-1774CC2170D7}"/>
+              </a:ext>
+            </a:extLst>
+          </p:cNvPr>
+          <p:cNvCxnSpPr/>
+          <p:nvPr/>
+        </p:nvCxnSpPr>
+        <p:spPr>
+          <a:xfrm flipV="1">
+            <a:off x="5015884" y="3142695"/>
+            <a:ext cx="0" cy="1127464"/>
+          </a:xfrm>
+          <a:prstGeom prst="straightConnector1">
+            <a:avLst/>
+          </a:prstGeom>
+          <a:ln>
+            <a:tailEnd type="triangle"/>
+          </a:ln>
+        </p:spPr>
+        <p:style>
+          <a:lnRef idx="1">
+            <a:schemeClr val="accent1"/>
+          </a:lnRef>
+          <a:fillRef idx="0">
+            <a:schemeClr val="accent1"/>
+          </a:fillRef>
+          <a:effectRef idx="0">
+            <a:schemeClr val="accent1"/>
+          </a:effectRef>
+          <a:fontRef idx="minor">
+            <a:schemeClr val="tx1"/>
+          </a:fontRef>
+        </p:style>
+      </p:cxnSp>
+      <p:cxnSp>
+        <p:nvCxnSpPr>
+          <p:cNvPr id="10" name="Straight Arrow Connector 9">
+            <a:extLst>
+              <a:ext uri="{FF2B5EF4-FFF2-40B4-BE49-F238E27FC236}">
+                <a16:creationId xmlns:a16="http://schemas.microsoft.com/office/drawing/2014/main" id="{3A731BBC-BDFC-4F42-AF49-4E6989D5C85F}"/>
+              </a:ext>
+            </a:extLst>
+          </p:cNvPr>
+          <p:cNvCxnSpPr/>
+          <p:nvPr/>
+        </p:nvCxnSpPr>
+        <p:spPr>
+          <a:xfrm>
+            <a:off x="6587231" y="3062796"/>
+            <a:ext cx="0" cy="1287262"/>
+          </a:xfrm>
+          <a:prstGeom prst="straightConnector1">
+            <a:avLst/>
+          </a:prstGeom>
+          <a:ln>
+            <a:tailEnd type="triangle"/>
+          </a:ln>
+        </p:spPr>
+        <p:style>
+          <a:lnRef idx="1">
+            <a:schemeClr val="accent1"/>
+          </a:lnRef>
+          <a:fillRef idx="0">
+            <a:schemeClr val="accent1"/>
+          </a:fillRef>
+          <a:effectRef idx="0">
+            <a:schemeClr val="accent1"/>
+          </a:effectRef>
+          <a:fontRef idx="minor">
+            <a:schemeClr val="tx1"/>
+          </a:fontRef>
+        </p:style>
+      </p:cxnSp>
+    </p:spTree>
+    <p:extLst>
+      <p:ext uri="{BB962C8B-B14F-4D97-AF65-F5344CB8AC3E}">
+        <p14:creationId xmlns:p14="http://schemas.microsoft.com/office/powerpoint/2010/main" val="3738869508"/>
+      </p:ext>
+    </p:extLst>
+  </p:cSld>
+  <p:clrMapOvr>
+    <a:masterClrMapping/>
+  </p:clrMapOvr>
+</p:sld>
+</file>
+
+<file path=ppt/slides/slide5.xml><?xml version="1.0" encoding="utf-8"?>
+<p:sld xmlns:a="http://schemas.openxmlformats.org/drawingml/2006/main" xmlns:r="http://schemas.openxmlformats.org/officeDocument/2006/relationships" xmlns:p="http://schemas.openxmlformats.org/presentationml/2006/main">
+  <p:cSld>
+    <p:spTree>
+      <p:nvGrpSpPr>
+        <p:cNvPr id="1" name=""/>
+        <p:cNvGrpSpPr/>
+        <p:nvPr/>
+      </p:nvGrpSpPr>
+      <p:grpSpPr>
+        <a:xfrm>
+          <a:off x="0" y="0"/>
+          <a:ext cx="0" cy="0"/>
+          <a:chOff x="0" y="0"/>
+          <a:chExt cx="0" cy="0"/>
+        </a:xfrm>
+      </p:grpSpPr>
+      <p:sp>
+        <p:nvSpPr>
+          <p:cNvPr id="2" name="Title 1">
+            <a:extLst>
+              <a:ext uri="{FF2B5EF4-FFF2-40B4-BE49-F238E27FC236}">
+                <a16:creationId xmlns:a16="http://schemas.microsoft.com/office/drawing/2014/main" id="{7E8585B4-07AD-42EA-8D7C-CDE62D566198}"/>
+              </a:ext>
+            </a:extLst>
+          </p:cNvPr>
+          <p:cNvSpPr>
+            <a:spLocks noGrp="1"/>
+          </p:cNvSpPr>
+          <p:nvPr>
+            <p:ph type="title"/>
+          </p:nvPr>
+        </p:nvSpPr>
+        <p:spPr/>
+        <p:txBody>
+          <a:bodyPr/>
+          <a:lstStyle/>
+          <a:p>
+            <a:endParaRPr lang="zh-CN" altLang="en-US"/>
+          </a:p>
+        </p:txBody>
+      </p:sp>
+      <p:sp>
+        <p:nvSpPr>
+          <p:cNvPr id="3" name="Content Placeholder 2">
+            <a:extLst>
+              <a:ext uri="{FF2B5EF4-FFF2-40B4-BE49-F238E27FC236}">
+                <a16:creationId xmlns:a16="http://schemas.microsoft.com/office/drawing/2014/main" id="{A9128AD0-A224-4E96-9D20-2E595560C2A5}"/>
+              </a:ext>
+            </a:extLst>
+          </p:cNvPr>
+          <p:cNvSpPr>
+            <a:spLocks noGrp="1"/>
+          </p:cNvSpPr>
+          <p:nvPr>
+            <p:ph idx="1"/>
+          </p:nvPr>
+        </p:nvSpPr>
+        <p:spPr/>
+        <p:txBody>
+          <a:bodyPr/>
+          <a:lstStyle/>
+          <a:p>
+            <a:endParaRPr lang="zh-CN" altLang="en-US"/>
+          </a:p>
+        </p:txBody>
+      </p:sp>
+      <p:pic>
+        <p:nvPicPr>
+          <p:cNvPr id="5" name="Picture 4">
+            <a:extLst>
+              <a:ext uri="{FF2B5EF4-FFF2-40B4-BE49-F238E27FC236}">
+                <a16:creationId xmlns:a16="http://schemas.microsoft.com/office/drawing/2014/main" id="{C9BED26A-781A-4959-8FFF-0EC8AD94739C}"/>
+              </a:ext>
+            </a:extLst>
+          </p:cNvPr>
+          <p:cNvPicPr>
+            <a:picLocks noChangeAspect="1"/>
+          </p:cNvPicPr>
+          <p:nvPr/>
+        </p:nvPicPr>
+        <p:blipFill>
+          <a:blip r:embed="rId2"/>
+          <a:stretch>
+            <a:fillRect/>
+          </a:stretch>
+        </p:blipFill>
+        <p:spPr>
+          <a:xfrm>
+            <a:off x="680802" y="0"/>
+            <a:ext cx="10830395" cy="6858000"/>
+          </a:xfrm>
+          <a:prstGeom prst="rect">
+            <a:avLst/>
+          </a:prstGeom>
+        </p:spPr>
+      </p:pic>
+      <p:cxnSp>
+        <p:nvCxnSpPr>
+          <p:cNvPr id="7" name="Straight Arrow Connector 6">
+            <a:extLst>
+              <a:ext uri="{FF2B5EF4-FFF2-40B4-BE49-F238E27FC236}">
+                <a16:creationId xmlns:a16="http://schemas.microsoft.com/office/drawing/2014/main" id="{33DE7BFF-F37E-4A6A-9F6F-4845D1FC1209}"/>
+              </a:ext>
+            </a:extLst>
+          </p:cNvPr>
+          <p:cNvCxnSpPr/>
+          <p:nvPr/>
+        </p:nvCxnSpPr>
+        <p:spPr>
+          <a:xfrm flipH="1" flipV="1">
+            <a:off x="5495731" y="2640563"/>
+            <a:ext cx="93306" cy="1614196"/>
+          </a:xfrm>
+          <a:prstGeom prst="straightConnector1">
+            <a:avLst/>
+          </a:prstGeom>
+          <a:ln>
+            <a:tailEnd type="triangle"/>
+          </a:ln>
+        </p:spPr>
+        <p:style>
+          <a:lnRef idx="1">
+            <a:schemeClr val="accent1"/>
+          </a:lnRef>
+          <a:fillRef idx="0">
+            <a:schemeClr val="accent1"/>
+          </a:fillRef>
+          <a:effectRef idx="0">
+            <a:schemeClr val="accent1"/>
+          </a:effectRef>
+          <a:fontRef idx="minor">
+            <a:schemeClr val="tx1"/>
+          </a:fontRef>
+        </p:style>
+      </p:cxnSp>
+      <p:cxnSp>
+        <p:nvCxnSpPr>
+          <p:cNvPr id="9" name="Straight Arrow Connector 8">
+            <a:extLst>
+              <a:ext uri="{FF2B5EF4-FFF2-40B4-BE49-F238E27FC236}">
+                <a16:creationId xmlns:a16="http://schemas.microsoft.com/office/drawing/2014/main" id="{7C8FE5E1-731F-4725-ABC7-27C36F163E5B}"/>
+              </a:ext>
+            </a:extLst>
+          </p:cNvPr>
+          <p:cNvCxnSpPr/>
+          <p:nvPr/>
+        </p:nvCxnSpPr>
+        <p:spPr>
+          <a:xfrm>
+            <a:off x="6880194" y="2902998"/>
+            <a:ext cx="0" cy="1331651"/>
+          </a:xfrm>
+          <a:prstGeom prst="straightConnector1">
+            <a:avLst/>
+          </a:prstGeom>
+          <a:ln>
+            <a:tailEnd type="triangle"/>
+          </a:ln>
+        </p:spPr>
+        <p:style>
+          <a:lnRef idx="1">
+            <a:schemeClr val="accent1"/>
+          </a:lnRef>
+          <a:fillRef idx="0">
+            <a:schemeClr val="accent1"/>
+          </a:fillRef>
+          <a:effectRef idx="0">
+            <a:schemeClr val="accent1"/>
+          </a:effectRef>
+          <a:fontRef idx="minor">
+            <a:schemeClr val="tx1"/>
+          </a:fontRef>
+        </p:style>
+      </p:cxnSp>
+    </p:spTree>
+    <p:extLst>
+      <p:ext uri="{BB962C8B-B14F-4D97-AF65-F5344CB8AC3E}">
+        <p14:creationId xmlns:p14="http://schemas.microsoft.com/office/powerpoint/2010/main" val="1718414650"/>
+      </p:ext>
+    </p:extLst>
+  </p:cSld>
+  <p:clrMapOvr>
+    <a:masterClrMapping/>
+  </p:clrMapOvr>
+</p:sld>
+</file>
+
+<file path=ppt/slides/slide6.xml><?xml version="1.0" encoding="utf-8"?>
+<p:sld xmlns:a="http://schemas.openxmlformats.org/drawingml/2006/main" xmlns:r="http://schemas.openxmlformats.org/officeDocument/2006/relationships" xmlns:p="http://schemas.openxmlformats.org/presentationml/2006/main">
+  <p:cSld>
+    <p:spTree>
+      <p:nvGrpSpPr>
+        <p:cNvPr id="1" name=""/>
+        <p:cNvGrpSpPr/>
+        <p:nvPr/>
+      </p:nvGrpSpPr>
+      <p:grpSpPr>
+        <a:xfrm>
+          <a:off x="0" y="0"/>
+          <a:ext cx="0" cy="0"/>
+          <a:chOff x="0" y="0"/>
+          <a:chExt cx="0" cy="0"/>
+        </a:xfrm>
+      </p:grpSpPr>
+      <p:sp>
+        <p:nvSpPr>
+          <p:cNvPr id="2" name="Title 1">
+            <a:extLst>
+              <a:ext uri="{FF2B5EF4-FFF2-40B4-BE49-F238E27FC236}">
                 <a16:creationId xmlns:a16="http://schemas.microsoft.com/office/drawing/2014/main" id="{62930F63-9A10-41A9-8966-B17708FAF714}"/>
               </a:ext>
             </a:extLst>
@@ -18073,10 +22332,37 @@
             <p:ph idx="1"/>
           </p:nvPr>
         </p:nvSpPr>
-        <p:spPr/>
+        <p:spPr>
+          <a:xfrm>
+            <a:off x="77120" y="1844320"/>
+            <a:ext cx="10515600" cy="4351338"/>
+          </a:xfrm>
+        </p:spPr>
         <p:txBody>
-          <a:bodyPr/>
+          <a:bodyPr>
+            <a:normAutofit lnSpcReduction="10000"/>
+          </a:bodyPr>
           <a:lstStyle/>
+          <a:p>
+            <a:r>
+              <a:rPr lang="en-US" altLang="zh-CN" dirty="0"/>
+              <a:t>Calculated based on</a:t>
+            </a:r>
+          </a:p>
+          <a:p>
+            <a:pPr lvl="1"/>
+            <a:r>
+              <a:rPr lang="en-US" altLang="zh-CN" dirty="0"/>
+              <a:t>Entire population of features</a:t>
+            </a:r>
+          </a:p>
+          <a:p>
+            <a:pPr lvl="1"/>
+            <a:r>
+              <a:rPr lang="en-US" altLang="zh-CN" dirty="0"/>
+              <a:t>Source features only</a:t>
+            </a:r>
+          </a:p>
           <a:p>
             <a:r>
               <a:rPr lang="en-US" altLang="zh-CN" dirty="0"/>
@@ -18108,23 +22394,592 @@
             <a:pPr lvl="2"/>
             <a:r>
               <a:rPr lang="en-US" altLang="zh-CN" dirty="0"/>
-              <a:t>Log</a:t>
+              <a:t>Log-transformation</a:t>
             </a:r>
           </a:p>
           <a:p>
             <a:pPr lvl="2"/>
             <a:r>
               <a:rPr lang="en-US" altLang="zh-CN" dirty="0"/>
-              <a:t>Binary</a:t>
+              <a:t>Binary-transformation</a:t>
             </a:r>
           </a:p>
           <a:p>
             <a:pPr lvl="1"/>
             <a:r>
               <a:rPr lang="en-US" altLang="zh-CN" dirty="0"/>
-              <a:t>Entropy</a:t>
+              <a:t>Entropy – kl divergence</a:t>
+            </a:r>
+          </a:p>
+          <a:p>
+            <a:pPr lvl="2"/>
+            <a:r>
+              <a:rPr lang="en-US" altLang="zh-CN" dirty="0"/>
+              <a:t>[0.5, 0.5]</a:t>
+            </a:r>
+          </a:p>
+          <a:p>
+            <a:pPr lvl="2"/>
+            <a:r>
+              <a:rPr lang="en-US" altLang="zh-CN" dirty="0"/>
+              <a:t>[1e8,1e3]</a:t>
             </a:r>
             <a:endParaRPr lang="zh-CN" altLang="en-US" dirty="0"/>
+          </a:p>
+        </p:txBody>
+      </p:sp>
+      <p:pic>
+        <p:nvPicPr>
+          <p:cNvPr id="4" name="Picture 3">
+            <a:extLst>
+              <a:ext uri="{FF2B5EF4-FFF2-40B4-BE49-F238E27FC236}">
+                <a16:creationId xmlns:a16="http://schemas.microsoft.com/office/drawing/2014/main" id="{5E2603BD-2FB2-410F-ABDA-E04A3FB0026D}"/>
+              </a:ext>
+            </a:extLst>
+          </p:cNvPr>
+          <p:cNvPicPr>
+            <a:picLocks noChangeAspect="1"/>
+          </p:cNvPicPr>
+          <p:nvPr/>
+        </p:nvPicPr>
+        <p:blipFill rotWithShape="1">
+          <a:blip r:embed="rId2"/>
+          <a:srcRect l="6228"/>
+          <a:stretch/>
+        </p:blipFill>
+        <p:spPr>
+          <a:xfrm>
+            <a:off x="4749553" y="1779442"/>
+            <a:ext cx="7442447" cy="3299116"/>
+          </a:xfrm>
+          <a:prstGeom prst="rect">
+            <a:avLst/>
+          </a:prstGeom>
+        </p:spPr>
+      </p:pic>
+      <p:sp>
+        <p:nvSpPr>
+          <p:cNvPr id="5" name="Rectangle 4">
+            <a:extLst>
+              <a:ext uri="{FF2B5EF4-FFF2-40B4-BE49-F238E27FC236}">
+                <a16:creationId xmlns:a16="http://schemas.microsoft.com/office/drawing/2014/main" id="{FFAA4819-352D-4430-B449-4A835B2D1742}"/>
+              </a:ext>
+            </a:extLst>
+          </p:cNvPr>
+          <p:cNvSpPr/>
+          <p:nvPr/>
+        </p:nvSpPr>
+        <p:spPr>
+          <a:xfrm>
+            <a:off x="7064964" y="1875923"/>
+            <a:ext cx="2659224" cy="3079102"/>
+          </a:xfrm>
+          <a:prstGeom prst="rect">
+            <a:avLst/>
+          </a:prstGeom>
+          <a:noFill/>
+          <a:ln>
+            <a:solidFill>
+              <a:srgbClr val="FF0000"/>
+            </a:solidFill>
+          </a:ln>
+        </p:spPr>
+        <p:style>
+          <a:lnRef idx="2">
+            <a:schemeClr val="accent1">
+              <a:shade val="50000"/>
+            </a:schemeClr>
+          </a:lnRef>
+          <a:fillRef idx="1">
+            <a:schemeClr val="accent1"/>
+          </a:fillRef>
+          <a:effectRef idx="0">
+            <a:schemeClr val="accent1"/>
+          </a:effectRef>
+          <a:fontRef idx="minor">
+            <a:schemeClr val="lt1"/>
+          </a:fontRef>
+        </p:style>
+        <p:txBody>
+          <a:bodyPr rtlCol="0" anchor="ctr"/>
+          <a:lstStyle/>
+          <a:p>
+            <a:pPr algn="ctr"/>
+            <a:endParaRPr lang="zh-CN" altLang="en-US"/>
+          </a:p>
+        </p:txBody>
+      </p:sp>
+      <p:sp>
+        <p:nvSpPr>
+          <p:cNvPr id="6" name="Rectangle 5">
+            <a:extLst>
+              <a:ext uri="{FF2B5EF4-FFF2-40B4-BE49-F238E27FC236}">
+                <a16:creationId xmlns:a16="http://schemas.microsoft.com/office/drawing/2014/main" id="{0913248C-7D18-4E96-B709-0B223967452D}"/>
+              </a:ext>
+            </a:extLst>
+          </p:cNvPr>
+          <p:cNvSpPr/>
+          <p:nvPr/>
+        </p:nvSpPr>
+        <p:spPr>
+          <a:xfrm>
+            <a:off x="9730106" y="1875923"/>
+            <a:ext cx="2370278" cy="3079102"/>
+          </a:xfrm>
+          <a:prstGeom prst="rect">
+            <a:avLst/>
+          </a:prstGeom>
+          <a:noFill/>
+          <a:ln>
+            <a:solidFill>
+              <a:srgbClr val="00B0F0"/>
+            </a:solidFill>
+          </a:ln>
+        </p:spPr>
+        <p:style>
+          <a:lnRef idx="2">
+            <a:schemeClr val="accent1">
+              <a:shade val="50000"/>
+            </a:schemeClr>
+          </a:lnRef>
+          <a:fillRef idx="1">
+            <a:schemeClr val="accent1"/>
+          </a:fillRef>
+          <a:effectRef idx="0">
+            <a:schemeClr val="accent1"/>
+          </a:effectRef>
+          <a:fontRef idx="minor">
+            <a:schemeClr val="lt1"/>
+          </a:fontRef>
+        </p:style>
+        <p:txBody>
+          <a:bodyPr rtlCol="0" anchor="ctr"/>
+          <a:lstStyle/>
+          <a:p>
+            <a:pPr algn="ctr"/>
+            <a:endParaRPr lang="zh-CN" altLang="en-US"/>
+          </a:p>
+        </p:txBody>
+      </p:sp>
+      <p:sp>
+        <p:nvSpPr>
+          <p:cNvPr id="7" name="TextBox 6">
+            <a:extLst>
+              <a:ext uri="{FF2B5EF4-FFF2-40B4-BE49-F238E27FC236}">
+                <a16:creationId xmlns:a16="http://schemas.microsoft.com/office/drawing/2014/main" id="{BBB3CFAD-9C57-405F-A098-B4DE6C635266}"/>
+              </a:ext>
+            </a:extLst>
+          </p:cNvPr>
+          <p:cNvSpPr txBox="1"/>
+          <p:nvPr/>
+        </p:nvSpPr>
+        <p:spPr>
+          <a:xfrm>
+            <a:off x="7882071" y="1560675"/>
+            <a:ext cx="870012" cy="369332"/>
+          </a:xfrm>
+          <a:prstGeom prst="rect">
+            <a:avLst/>
+          </a:prstGeom>
+          <a:noFill/>
+        </p:spPr>
+        <p:txBody>
+          <a:bodyPr wrap="square" rtlCol="0">
+            <a:spAutoFit/>
+          </a:bodyPr>
+          <a:lstStyle/>
+          <a:p>
+            <a:r>
+              <a:rPr lang="en-US" altLang="zh-CN" dirty="0"/>
+              <a:t>Source</a:t>
+            </a:r>
+            <a:endParaRPr lang="zh-CN" altLang="en-US" dirty="0"/>
+          </a:p>
+        </p:txBody>
+      </p:sp>
+      <p:sp>
+        <p:nvSpPr>
+          <p:cNvPr id="8" name="TextBox 7">
+            <a:extLst>
+              <a:ext uri="{FF2B5EF4-FFF2-40B4-BE49-F238E27FC236}">
+                <a16:creationId xmlns:a16="http://schemas.microsoft.com/office/drawing/2014/main" id="{F49B42AD-6568-4F76-8B91-2EE872AB6F20}"/>
+              </a:ext>
+            </a:extLst>
+          </p:cNvPr>
+          <p:cNvSpPr txBox="1"/>
+          <p:nvPr/>
+        </p:nvSpPr>
+        <p:spPr>
+          <a:xfrm>
+            <a:off x="10619353" y="1506591"/>
+            <a:ext cx="915635" cy="369332"/>
+          </a:xfrm>
+          <a:prstGeom prst="rect">
+            <a:avLst/>
+          </a:prstGeom>
+          <a:noFill/>
+        </p:spPr>
+        <p:txBody>
+          <a:bodyPr wrap="none" rtlCol="0">
+            <a:spAutoFit/>
+          </a:bodyPr>
+          <a:lstStyle/>
+          <a:p>
+            <a:r>
+              <a:rPr lang="en-US" altLang="zh-CN" dirty="0"/>
+              <a:t>Sample</a:t>
+            </a:r>
+            <a:endParaRPr lang="zh-CN" altLang="en-US" dirty="0"/>
+          </a:p>
+        </p:txBody>
+      </p:sp>
+      <p:sp>
+        <p:nvSpPr>
+          <p:cNvPr id="9" name="Rectangle 8">
+            <a:extLst>
+              <a:ext uri="{FF2B5EF4-FFF2-40B4-BE49-F238E27FC236}">
+                <a16:creationId xmlns:a16="http://schemas.microsoft.com/office/drawing/2014/main" id="{AB28F49A-A71E-4CC1-AC73-D946EAE3FB28}"/>
+              </a:ext>
+            </a:extLst>
+          </p:cNvPr>
+          <p:cNvSpPr/>
+          <p:nvPr/>
+        </p:nvSpPr>
+        <p:spPr>
+          <a:xfrm>
+            <a:off x="7064964" y="2190990"/>
+            <a:ext cx="630676" cy="772357"/>
+          </a:xfrm>
+          <a:prstGeom prst="rect">
+            <a:avLst/>
+          </a:prstGeom>
+          <a:noFill/>
+          <a:ln>
+            <a:solidFill>
+              <a:srgbClr val="92D050"/>
+            </a:solidFill>
+          </a:ln>
+        </p:spPr>
+        <p:style>
+          <a:lnRef idx="2">
+            <a:schemeClr val="accent1">
+              <a:shade val="50000"/>
+            </a:schemeClr>
+          </a:lnRef>
+          <a:fillRef idx="1">
+            <a:schemeClr val="accent1"/>
+          </a:fillRef>
+          <a:effectRef idx="0">
+            <a:schemeClr val="accent1"/>
+          </a:effectRef>
+          <a:fontRef idx="minor">
+            <a:schemeClr val="lt1"/>
+          </a:fontRef>
+        </p:style>
+        <p:txBody>
+          <a:bodyPr rtlCol="0" anchor="ctr"/>
+          <a:lstStyle/>
+          <a:p>
+            <a:pPr algn="ctr"/>
+            <a:endParaRPr lang="zh-CN" altLang="en-US"/>
+          </a:p>
+        </p:txBody>
+      </p:sp>
+      <p:cxnSp>
+        <p:nvCxnSpPr>
+          <p:cNvPr id="10" name="Straight Arrow Connector 9">
+            <a:extLst>
+              <a:ext uri="{FF2B5EF4-FFF2-40B4-BE49-F238E27FC236}">
+                <a16:creationId xmlns:a16="http://schemas.microsoft.com/office/drawing/2014/main" id="{9D0717B1-2716-40DB-82F6-D735DD5412F5}"/>
+              </a:ext>
+            </a:extLst>
+          </p:cNvPr>
+          <p:cNvCxnSpPr/>
+          <p:nvPr/>
+        </p:nvCxnSpPr>
+        <p:spPr>
+          <a:xfrm>
+            <a:off x="7695640" y="2546097"/>
+            <a:ext cx="477214" cy="0"/>
+          </a:xfrm>
+          <a:prstGeom prst="straightConnector1">
+            <a:avLst/>
+          </a:prstGeom>
+          <a:ln>
+            <a:tailEnd type="triangle"/>
+          </a:ln>
+        </p:spPr>
+        <p:style>
+          <a:lnRef idx="1">
+            <a:schemeClr val="accent1"/>
+          </a:lnRef>
+          <a:fillRef idx="0">
+            <a:schemeClr val="accent1"/>
+          </a:fillRef>
+          <a:effectRef idx="0">
+            <a:schemeClr val="accent1"/>
+          </a:effectRef>
+          <a:fontRef idx="minor">
+            <a:schemeClr val="tx1"/>
+          </a:fontRef>
+        </p:style>
+      </p:cxnSp>
+      <p:sp>
+        <p:nvSpPr>
+          <p:cNvPr id="11" name="TextBox 10">
+            <a:extLst>
+              <a:ext uri="{FF2B5EF4-FFF2-40B4-BE49-F238E27FC236}">
+                <a16:creationId xmlns:a16="http://schemas.microsoft.com/office/drawing/2014/main" id="{22D94163-095A-4D08-B65C-7AE4824E5DCC}"/>
+              </a:ext>
+            </a:extLst>
+          </p:cNvPr>
+          <p:cNvSpPr txBox="1"/>
+          <p:nvPr/>
+        </p:nvSpPr>
+        <p:spPr>
+          <a:xfrm>
+            <a:off x="8215703" y="2204289"/>
+            <a:ext cx="1465636" cy="646331"/>
+          </a:xfrm>
+          <a:prstGeom prst="rect">
+            <a:avLst/>
+          </a:prstGeom>
+          <a:noFill/>
+        </p:spPr>
+        <p:txBody>
+          <a:bodyPr wrap="square" rtlCol="0">
+            <a:spAutoFit/>
+          </a:bodyPr>
+          <a:lstStyle/>
+          <a:p>
+            <a:r>
+              <a:rPr lang="en-US" altLang="zh-CN" dirty="0"/>
+              <a:t>Source features</a:t>
+            </a:r>
+            <a:endParaRPr lang="zh-CN" altLang="en-US" dirty="0"/>
+          </a:p>
+        </p:txBody>
+      </p:sp>
+      <p:sp>
+        <p:nvSpPr>
+          <p:cNvPr id="12" name="Rectangle 11">
+            <a:extLst>
+              <a:ext uri="{FF2B5EF4-FFF2-40B4-BE49-F238E27FC236}">
+                <a16:creationId xmlns:a16="http://schemas.microsoft.com/office/drawing/2014/main" id="{405E0809-EA34-4BF5-A5B9-AAC6FF76A7F6}"/>
+              </a:ext>
+            </a:extLst>
+          </p:cNvPr>
+          <p:cNvSpPr/>
+          <p:nvPr/>
+        </p:nvSpPr>
+        <p:spPr>
+          <a:xfrm>
+            <a:off x="7059046" y="2963347"/>
+            <a:ext cx="630676" cy="488267"/>
+          </a:xfrm>
+          <a:prstGeom prst="rect">
+            <a:avLst/>
+          </a:prstGeom>
+          <a:solidFill>
+            <a:srgbClr val="4472C4">
+              <a:alpha val="30196"/>
+            </a:srgbClr>
+          </a:solidFill>
+        </p:spPr>
+        <p:style>
+          <a:lnRef idx="2">
+            <a:schemeClr val="accent1">
+              <a:shade val="50000"/>
+            </a:schemeClr>
+          </a:lnRef>
+          <a:fillRef idx="1">
+            <a:schemeClr val="accent1"/>
+          </a:fillRef>
+          <a:effectRef idx="0">
+            <a:schemeClr val="accent1"/>
+          </a:effectRef>
+          <a:fontRef idx="minor">
+            <a:schemeClr val="lt1"/>
+          </a:fontRef>
+        </p:style>
+        <p:txBody>
+          <a:bodyPr rtlCol="0" anchor="ctr"/>
+          <a:lstStyle/>
+          <a:p>
+            <a:pPr algn="ctr"/>
+            <a:endParaRPr lang="zh-CN" altLang="en-US"/>
+          </a:p>
+        </p:txBody>
+      </p:sp>
+      <p:sp>
+        <p:nvSpPr>
+          <p:cNvPr id="13" name="TextBox 12">
+            <a:extLst>
+              <a:ext uri="{FF2B5EF4-FFF2-40B4-BE49-F238E27FC236}">
+                <a16:creationId xmlns:a16="http://schemas.microsoft.com/office/drawing/2014/main" id="{4800A297-E1C2-494B-8B3A-F6FB6F4F4297}"/>
+              </a:ext>
+            </a:extLst>
+          </p:cNvPr>
+          <p:cNvSpPr txBox="1"/>
+          <p:nvPr/>
+        </p:nvSpPr>
+        <p:spPr>
+          <a:xfrm>
+            <a:off x="8172854" y="2918089"/>
+            <a:ext cx="1465636" cy="646331"/>
+          </a:xfrm>
+          <a:prstGeom prst="rect">
+            <a:avLst/>
+          </a:prstGeom>
+          <a:noFill/>
+        </p:spPr>
+        <p:txBody>
+          <a:bodyPr wrap="square" rtlCol="0">
+            <a:spAutoFit/>
+          </a:bodyPr>
+          <a:lstStyle/>
+          <a:p>
+            <a:r>
+              <a:rPr lang="en-US" altLang="zh-CN" dirty="0"/>
+              <a:t>Noise features</a:t>
+            </a:r>
+            <a:endParaRPr lang="zh-CN" altLang="en-US" dirty="0"/>
+          </a:p>
+        </p:txBody>
+      </p:sp>
+      <p:cxnSp>
+        <p:nvCxnSpPr>
+          <p:cNvPr id="14" name="Straight Arrow Connector 13">
+            <a:extLst>
+              <a:ext uri="{FF2B5EF4-FFF2-40B4-BE49-F238E27FC236}">
+                <a16:creationId xmlns:a16="http://schemas.microsoft.com/office/drawing/2014/main" id="{54EB2FE0-D51E-45D8-B900-53EBD1FB618E}"/>
+              </a:ext>
+            </a:extLst>
+          </p:cNvPr>
+          <p:cNvCxnSpPr/>
+          <p:nvPr/>
+        </p:nvCxnSpPr>
+        <p:spPr>
+          <a:xfrm>
+            <a:off x="7746397" y="3207480"/>
+            <a:ext cx="477214" cy="0"/>
+          </a:xfrm>
+          <a:prstGeom prst="straightConnector1">
+            <a:avLst/>
+          </a:prstGeom>
+          <a:ln>
+            <a:tailEnd type="triangle"/>
+          </a:ln>
+        </p:spPr>
+        <p:style>
+          <a:lnRef idx="1">
+            <a:schemeClr val="accent1"/>
+          </a:lnRef>
+          <a:fillRef idx="0">
+            <a:schemeClr val="accent1"/>
+          </a:fillRef>
+          <a:effectRef idx="0">
+            <a:schemeClr val="accent1"/>
+          </a:effectRef>
+          <a:fontRef idx="minor">
+            <a:schemeClr val="tx1"/>
+          </a:fontRef>
+        </p:style>
+      </p:cxnSp>
+      <p:sp>
+        <p:nvSpPr>
+          <p:cNvPr id="15" name="TextBox 14">
+            <a:extLst>
+              <a:ext uri="{FF2B5EF4-FFF2-40B4-BE49-F238E27FC236}">
+                <a16:creationId xmlns:a16="http://schemas.microsoft.com/office/drawing/2014/main" id="{B246B4BA-F098-4BC4-9E27-4935F270B73F}"/>
+              </a:ext>
+            </a:extLst>
+          </p:cNvPr>
+          <p:cNvSpPr txBox="1"/>
+          <p:nvPr/>
+        </p:nvSpPr>
+        <p:spPr>
+          <a:xfrm>
+            <a:off x="7059046" y="142043"/>
+            <a:ext cx="380441" cy="1200329"/>
+          </a:xfrm>
+          <a:prstGeom prst="rect">
+            <a:avLst/>
+          </a:prstGeom>
+          <a:noFill/>
+        </p:spPr>
+        <p:txBody>
+          <a:bodyPr wrap="square" rtlCol="0">
+            <a:spAutoFit/>
+          </a:bodyPr>
+          <a:lstStyle/>
+          <a:p>
+            <a:r>
+              <a:rPr lang="en-US" altLang="zh-CN" dirty="0"/>
+              <a:t>1</a:t>
+            </a:r>
+          </a:p>
+          <a:p>
+            <a:r>
+              <a:rPr lang="en-US" altLang="zh-CN" dirty="0"/>
+              <a:t>0</a:t>
+            </a:r>
+          </a:p>
+          <a:p>
+            <a:r>
+              <a:rPr lang="en-US" altLang="zh-CN" dirty="0"/>
+              <a:t>1</a:t>
+            </a:r>
+          </a:p>
+          <a:p>
+            <a:endParaRPr lang="zh-CN" altLang="en-US" dirty="0"/>
+          </a:p>
+        </p:txBody>
+      </p:sp>
+      <p:sp>
+        <p:nvSpPr>
+          <p:cNvPr id="16" name="TextBox 15">
+            <a:extLst>
+              <a:ext uri="{FF2B5EF4-FFF2-40B4-BE49-F238E27FC236}">
+                <a16:creationId xmlns:a16="http://schemas.microsoft.com/office/drawing/2014/main" id="{2495A640-2695-464D-9A8A-CD1E3C4CA1BE}"/>
+              </a:ext>
+            </a:extLst>
+          </p:cNvPr>
+          <p:cNvSpPr txBox="1"/>
+          <p:nvPr/>
+        </p:nvSpPr>
+        <p:spPr>
+          <a:xfrm>
+            <a:off x="7746397" y="124287"/>
+            <a:ext cx="477214" cy="923330"/>
+          </a:xfrm>
+          <a:prstGeom prst="rect">
+            <a:avLst/>
+          </a:prstGeom>
+          <a:noFill/>
+        </p:spPr>
+        <p:txBody>
+          <a:bodyPr wrap="square" rtlCol="0">
+            <a:spAutoFit/>
+          </a:bodyPr>
+          <a:lstStyle/>
+          <a:p>
+            <a:r>
+              <a:rPr lang="en-US" altLang="zh-CN" dirty="0"/>
+              <a:t>1</a:t>
+            </a:r>
+          </a:p>
+          <a:p>
+            <a:r>
+              <a:rPr lang="en-US" altLang="zh-CN" dirty="0"/>
+              <a:t>0</a:t>
+            </a:r>
+          </a:p>
+          <a:p>
+            <a:r>
+              <a:rPr lang="en-US" altLang="zh-CN" dirty="0"/>
+              <a:t>0</a:t>
+            </a:r>
           </a:p>
         </p:txBody>
       </p:sp>
@@ -18141,7 +22996,7 @@
 </p:sld>
 </file>
 
-<file path=ppt/slides/slide5.xml><?xml version="1.0" encoding="utf-8"?>
+<file path=ppt/slides/slide7.xml><?xml version="1.0" encoding="utf-8"?>
 <p:sld xmlns:a="http://schemas.openxmlformats.org/drawingml/2006/main" xmlns:r="http://schemas.openxmlformats.org/officeDocument/2006/relationships" xmlns:p="http://schemas.openxmlformats.org/presentationml/2006/main">
   <p:cSld>
     <p:spTree>
@@ -18296,7 +23151,7 @@
           <p:nvPr>
             <p:extLst>
               <p:ext uri="{D42A27DB-BD31-4B8C-83A1-F6EECF244321}">
-                <p14:modId xmlns:p14="http://schemas.microsoft.com/office/powerpoint/2010/main" val="3860418030"/>
+                <p14:modId xmlns:p14="http://schemas.microsoft.com/office/powerpoint/2010/main" val="678377657"/>
               </p:ext>
             </p:extLst>
           </p:nvPr>
@@ -18341,6 +23196,72 @@
           </a:graphicData>
         </a:graphic>
       </p:graphicFrame>
+      <p:pic>
+        <p:nvPicPr>
+          <p:cNvPr id="9" name="Picture 8">
+            <a:extLst>
+              <a:ext uri="{FF2B5EF4-FFF2-40B4-BE49-F238E27FC236}">
+                <a16:creationId xmlns:a16="http://schemas.microsoft.com/office/drawing/2014/main" id="{B4498149-1992-45AF-A277-678D845F2966}"/>
+              </a:ext>
+            </a:extLst>
+          </p:cNvPr>
+          <p:cNvPicPr>
+            <a:picLocks noChangeAspect="1"/>
+          </p:cNvPicPr>
+          <p:nvPr/>
+        </p:nvPicPr>
+        <p:blipFill>
+          <a:blip r:embed="rId6"/>
+          <a:stretch>
+            <a:fillRect/>
+          </a:stretch>
+        </p:blipFill>
+        <p:spPr>
+          <a:xfrm>
+            <a:off x="479374" y="187572"/>
+            <a:ext cx="3533333" cy="5400000"/>
+          </a:xfrm>
+          <a:prstGeom prst="rect">
+            <a:avLst/>
+          </a:prstGeom>
+        </p:spPr>
+      </p:pic>
+      <p:sp>
+        <p:nvSpPr>
+          <p:cNvPr id="10" name="TextBox 9">
+            <a:extLst>
+              <a:ext uri="{FF2B5EF4-FFF2-40B4-BE49-F238E27FC236}">
+                <a16:creationId xmlns:a16="http://schemas.microsoft.com/office/drawing/2014/main" id="{EFDE2996-5F3F-4AAF-91CA-6A5F8D3B7DC3}"/>
+              </a:ext>
+            </a:extLst>
+          </p:cNvPr>
+          <p:cNvSpPr txBox="1"/>
+          <p:nvPr/>
+        </p:nvSpPr>
+        <p:spPr>
+          <a:xfrm>
+            <a:off x="5131293" y="5530632"/>
+            <a:ext cx="3048002" cy="369332"/>
+          </a:xfrm>
+          <a:prstGeom prst="rect">
+            <a:avLst/>
+          </a:prstGeom>
+          <a:noFill/>
+        </p:spPr>
+        <p:txBody>
+          <a:bodyPr wrap="square" rtlCol="0">
+            <a:spAutoFit/>
+          </a:bodyPr>
+          <a:lstStyle/>
+          <a:p>
+            <a:r>
+              <a:rPr lang="en-US" altLang="zh-CN" dirty="0"/>
+              <a:t>Compare with true negatives</a:t>
+            </a:r>
+            <a:endParaRPr lang="zh-CN" altLang="en-US" dirty="0"/>
+          </a:p>
+        </p:txBody>
+      </p:sp>
     </p:spTree>
     <p:extLst>
       <p:ext uri="{BB962C8B-B14F-4D97-AF65-F5344CB8AC3E}">
@@ -18354,7 +23275,157 @@
 </p:sld>
 </file>
 
-<file path=ppt/slides/slide6.xml><?xml version="1.0" encoding="utf-8"?>
+<file path=ppt/slides/slide8.xml><?xml version="1.0" encoding="utf-8"?>
+<p:sld xmlns:a="http://schemas.openxmlformats.org/drawingml/2006/main" xmlns:r="http://schemas.openxmlformats.org/officeDocument/2006/relationships" xmlns:p="http://schemas.openxmlformats.org/presentationml/2006/main">
+  <p:cSld>
+    <p:spTree>
+      <p:nvGrpSpPr>
+        <p:cNvPr id="1" name=""/>
+        <p:cNvGrpSpPr/>
+        <p:nvPr/>
+      </p:nvGrpSpPr>
+      <p:grpSpPr>
+        <a:xfrm>
+          <a:off x="0" y="0"/>
+          <a:ext cx="0" cy="0"/>
+          <a:chOff x="0" y="0"/>
+          <a:chExt cx="0" cy="0"/>
+        </a:xfrm>
+      </p:grpSpPr>
+      <p:graphicFrame>
+        <p:nvGraphicFramePr>
+          <p:cNvPr id="4" name="Chart 3">
+            <a:extLst>
+              <a:ext uri="{FF2B5EF4-FFF2-40B4-BE49-F238E27FC236}">
+                <a16:creationId xmlns:a16="http://schemas.microsoft.com/office/drawing/2014/main" id="{E30FBA1D-3B43-41C5-AEE5-8F78DD0AA783}"/>
+              </a:ext>
+            </a:extLst>
+          </p:cNvPr>
+          <p:cNvGraphicFramePr>
+            <a:graphicFrameLocks/>
+          </p:cNvGraphicFramePr>
+          <p:nvPr>
+            <p:extLst>
+              <p:ext uri="{D42A27DB-BD31-4B8C-83A1-F6EECF244321}">
+                <p14:modId xmlns:p14="http://schemas.microsoft.com/office/powerpoint/2010/main" val="122219354"/>
+              </p:ext>
+            </p:extLst>
+          </p:nvPr>
+        </p:nvGraphicFramePr>
+        <p:xfrm>
+          <a:off x="1000125" y="319088"/>
+          <a:ext cx="4572000" cy="2743200"/>
+        </p:xfrm>
+        <a:graphic>
+          <a:graphicData uri="http://schemas.openxmlformats.org/drawingml/2006/chart">
+            <c:chart xmlns:c="http://schemas.openxmlformats.org/drawingml/2006/chart" xmlns:r="http://schemas.openxmlformats.org/officeDocument/2006/relationships" r:id="rId2"/>
+          </a:graphicData>
+        </a:graphic>
+      </p:graphicFrame>
+      <p:graphicFrame>
+        <p:nvGraphicFramePr>
+          <p:cNvPr id="5" name="Chart 4">
+            <a:extLst>
+              <a:ext uri="{FF2B5EF4-FFF2-40B4-BE49-F238E27FC236}">
+                <a16:creationId xmlns:a16="http://schemas.microsoft.com/office/drawing/2014/main" id="{56EC95C7-5BC6-4282-B150-F378D099564C}"/>
+              </a:ext>
+            </a:extLst>
+          </p:cNvPr>
+          <p:cNvGraphicFramePr>
+            <a:graphicFrameLocks/>
+          </p:cNvGraphicFramePr>
+          <p:nvPr>
+            <p:extLst>
+              <p:ext uri="{D42A27DB-BD31-4B8C-83A1-F6EECF244321}">
+                <p14:modId xmlns:p14="http://schemas.microsoft.com/office/powerpoint/2010/main" val="714133273"/>
+              </p:ext>
+            </p:extLst>
+          </p:nvPr>
+        </p:nvGraphicFramePr>
+        <p:xfrm>
+          <a:off x="1095375" y="3490913"/>
+          <a:ext cx="4572000" cy="2743200"/>
+        </p:xfrm>
+        <a:graphic>
+          <a:graphicData uri="http://schemas.openxmlformats.org/drawingml/2006/chart">
+            <c:chart xmlns:c="http://schemas.openxmlformats.org/drawingml/2006/chart" xmlns:r="http://schemas.openxmlformats.org/officeDocument/2006/relationships" r:id="rId3"/>
+          </a:graphicData>
+        </a:graphic>
+      </p:graphicFrame>
+      <p:graphicFrame>
+        <p:nvGraphicFramePr>
+          <p:cNvPr id="6" name="Chart 5">
+            <a:extLst>
+              <a:ext uri="{FF2B5EF4-FFF2-40B4-BE49-F238E27FC236}">
+                <a16:creationId xmlns:a16="http://schemas.microsoft.com/office/drawing/2014/main" id="{038267D4-85A2-4727-83BF-15BE721F2594}"/>
+              </a:ext>
+            </a:extLst>
+          </p:cNvPr>
+          <p:cNvGraphicFramePr>
+            <a:graphicFrameLocks/>
+          </p:cNvGraphicFramePr>
+          <p:nvPr>
+            <p:extLst>
+              <p:ext uri="{D42A27DB-BD31-4B8C-83A1-F6EECF244321}">
+                <p14:modId xmlns:p14="http://schemas.microsoft.com/office/powerpoint/2010/main" val="916108016"/>
+              </p:ext>
+            </p:extLst>
+          </p:nvPr>
+        </p:nvGraphicFramePr>
+        <p:xfrm>
+          <a:off x="6781800" y="242888"/>
+          <a:ext cx="4572000" cy="2743200"/>
+        </p:xfrm>
+        <a:graphic>
+          <a:graphicData uri="http://schemas.openxmlformats.org/drawingml/2006/chart">
+            <c:chart xmlns:c="http://schemas.openxmlformats.org/drawingml/2006/chart" xmlns:r="http://schemas.openxmlformats.org/officeDocument/2006/relationships" r:id="rId4"/>
+          </a:graphicData>
+        </a:graphic>
+      </p:graphicFrame>
+      <p:pic>
+        <p:nvPicPr>
+          <p:cNvPr id="7" name="Picture 6">
+            <a:extLst>
+              <a:ext uri="{FF2B5EF4-FFF2-40B4-BE49-F238E27FC236}">
+                <a16:creationId xmlns:a16="http://schemas.microsoft.com/office/drawing/2014/main" id="{7FFC3870-5F9E-4FBD-A958-C347EEB5CEE0}"/>
+              </a:ext>
+            </a:extLst>
+          </p:cNvPr>
+          <p:cNvPicPr>
+            <a:picLocks noChangeAspect="1"/>
+          </p:cNvPicPr>
+          <p:nvPr/>
+        </p:nvPicPr>
+        <p:blipFill>
+          <a:blip r:embed="rId5"/>
+          <a:stretch>
+            <a:fillRect/>
+          </a:stretch>
+        </p:blipFill>
+        <p:spPr>
+          <a:xfrm>
+            <a:off x="6983582" y="551557"/>
+            <a:ext cx="3533333" cy="5400000"/>
+          </a:xfrm>
+          <a:prstGeom prst="rect">
+            <a:avLst/>
+          </a:prstGeom>
+        </p:spPr>
+      </p:pic>
+    </p:spTree>
+    <p:extLst>
+      <p:ext uri="{BB962C8B-B14F-4D97-AF65-F5344CB8AC3E}">
+        <p14:creationId xmlns:p14="http://schemas.microsoft.com/office/powerpoint/2010/main" val="4148568956"/>
+      </p:ext>
+    </p:extLst>
+  </p:cSld>
+  <p:clrMapOvr>
+    <a:masterClrMapping/>
+  </p:clrMapOvr>
+</p:sld>
+</file>
+
+<file path=ppt/slides/slide9.xml><?xml version="1.0" encoding="utf-8"?>
 <p:sld xmlns:a="http://schemas.openxmlformats.org/drawingml/2006/main" xmlns:r="http://schemas.openxmlformats.org/officeDocument/2006/relationships" xmlns:p="http://schemas.openxmlformats.org/presentationml/2006/main">
   <p:cSld>
     <p:spTree>
@@ -18418,12 +23489,74 @@
         </p:nvSpPr>
         <p:spPr/>
         <p:txBody>
-          <a:bodyPr/>
+          <a:bodyPr>
+            <a:normAutofit fontScale="77500" lnSpcReduction="20000"/>
+          </a:bodyPr>
           <a:lstStyle/>
           <a:p>
             <a:r>
               <a:rPr lang="en-US" altLang="zh-CN" dirty="0"/>
               <a:t>Knapsack problem? DP?</a:t>
+            </a:r>
+          </a:p>
+          <a:p>
+            <a:endParaRPr lang="en-US" altLang="zh-CN" dirty="0"/>
+          </a:p>
+          <a:p>
+            <a:r>
+              <a:rPr lang="en-US" altLang="zh-CN" dirty="0"/>
+              <a:t>300+-err range</a:t>
+            </a:r>
+          </a:p>
+          <a:p>
+            <a:r>
+              <a:rPr lang="en-US" altLang="zh-CN" dirty="0"/>
+              <a:t>C: 12   0~50</a:t>
+            </a:r>
+          </a:p>
+          <a:p>
+            <a:r>
+              <a:rPr lang="en-US" altLang="zh-CN" dirty="0"/>
+              <a:t>H: 1 0~100</a:t>
+            </a:r>
+          </a:p>
+          <a:p>
+            <a:r>
+              <a:rPr lang="en-US" altLang="zh-CN" dirty="0"/>
+              <a:t>N:14 0~5</a:t>
+            </a:r>
+          </a:p>
+          <a:p>
+            <a:endParaRPr lang="en-US" altLang="zh-CN" dirty="0"/>
+          </a:p>
+          <a:p>
+            <a:r>
+              <a:rPr lang="en-US" altLang="zh-CN" dirty="0"/>
+              <a:t>3.2G 100~900 csv</a:t>
+            </a:r>
+          </a:p>
+          <a:p>
+            <a:r>
+              <a:rPr lang="en-US" altLang="zh-CN" dirty="0"/>
+              <a:t>128mb 100~500</a:t>
+            </a:r>
+          </a:p>
+          <a:p>
+            <a:r>
+              <a:rPr lang="en-US" altLang="zh-CN" dirty="0"/>
+              <a:t>Formula mass</a:t>
+            </a:r>
+          </a:p>
+          <a:p>
+            <a:r>
+              <a:rPr lang="en-US" altLang="zh-CN" dirty="0"/>
+              <a:t>C2H2  26</a:t>
+            </a:r>
+          </a:p>
+          <a:p>
+            <a:r>
+              <a:rPr lang="en-US" altLang="zh-CN" dirty="0"/>
+              <a:t>H2O   18</a:t>
             </a:r>
             <a:endParaRPr lang="zh-CN" altLang="en-US" dirty="0"/>
           </a:p>
@@ -18433,111 +23566,6 @@
     <p:extLst>
       <p:ext uri="{BB962C8B-B14F-4D97-AF65-F5344CB8AC3E}">
         <p14:creationId xmlns:p14="http://schemas.microsoft.com/office/powerpoint/2010/main" val="2291364838"/>
-      </p:ext>
-    </p:extLst>
-  </p:cSld>
-  <p:clrMapOvr>
-    <a:masterClrMapping/>
-  </p:clrMapOvr>
-</p:sld>
-</file>
-
-<file path=ppt/slides/slide7.xml><?xml version="1.0" encoding="utf-8"?>
-<p:sld xmlns:a="http://schemas.openxmlformats.org/drawingml/2006/main" xmlns:r="http://schemas.openxmlformats.org/officeDocument/2006/relationships" xmlns:p="http://schemas.openxmlformats.org/presentationml/2006/main">
-  <p:cSld>
-    <p:spTree>
-      <p:nvGrpSpPr>
-        <p:cNvPr id="1" name=""/>
-        <p:cNvGrpSpPr/>
-        <p:nvPr/>
-      </p:nvGrpSpPr>
-      <p:grpSpPr>
-        <a:xfrm>
-          <a:off x="0" y="0"/>
-          <a:ext cx="0" cy="0"/>
-          <a:chOff x="0" y="0"/>
-          <a:chExt cx="0" cy="0"/>
-        </a:xfrm>
-      </p:grpSpPr>
-      <p:sp>
-        <p:nvSpPr>
-          <p:cNvPr id="2" name="Title 1">
-            <a:extLst>
-              <a:ext uri="{FF2B5EF4-FFF2-40B4-BE49-F238E27FC236}">
-                <a16:creationId xmlns:a16="http://schemas.microsoft.com/office/drawing/2014/main" id="{8B791343-233E-47B4-9987-39E126750154}"/>
-              </a:ext>
-            </a:extLst>
-          </p:cNvPr>
-          <p:cNvSpPr>
-            <a:spLocks noGrp="1"/>
-          </p:cNvSpPr>
-          <p:nvPr>
-            <p:ph type="title"/>
-          </p:nvPr>
-        </p:nvSpPr>
-        <p:spPr/>
-        <p:txBody>
-          <a:bodyPr/>
-          <a:lstStyle/>
-          <a:p>
-            <a:r>
-              <a:rPr lang="en-US" altLang="zh-CN" dirty="0"/>
-              <a:t>ACS presentation</a:t>
-            </a:r>
-            <a:endParaRPr lang="zh-CN" altLang="en-US" dirty="0"/>
-          </a:p>
-        </p:txBody>
-      </p:sp>
-      <p:sp>
-        <p:nvSpPr>
-          <p:cNvPr id="3" name="Content Placeholder 2">
-            <a:extLst>
-              <a:ext uri="{FF2B5EF4-FFF2-40B4-BE49-F238E27FC236}">
-                <a16:creationId xmlns:a16="http://schemas.microsoft.com/office/drawing/2014/main" id="{58320D5D-BDB1-458E-BDCB-C76FF26E0E0C}"/>
-              </a:ext>
-            </a:extLst>
-          </p:cNvPr>
-          <p:cNvSpPr>
-            <a:spLocks noGrp="1"/>
-          </p:cNvSpPr>
-          <p:nvPr>
-            <p:ph idx="1"/>
-          </p:nvPr>
-        </p:nvSpPr>
-        <p:spPr/>
-        <p:txBody>
-          <a:bodyPr/>
-          <a:lstStyle/>
-          <a:p>
-            <a:r>
-              <a:rPr lang="en-US" altLang="zh-CN" dirty="0"/>
-              <a:t>Introduction</a:t>
-            </a:r>
-          </a:p>
-          <a:p>
-            <a:r>
-              <a:rPr lang="en-US" altLang="zh-CN" dirty="0"/>
-              <a:t>Showcase</a:t>
-            </a:r>
-          </a:p>
-          <a:p>
-            <a:r>
-              <a:rPr lang="en-US" altLang="zh-CN" dirty="0"/>
-              <a:t>Benchmarks</a:t>
-            </a:r>
-          </a:p>
-          <a:p>
-            <a:r>
-              <a:rPr lang="en-US" altLang="zh-CN"/>
-              <a:t>Comparison?</a:t>
-            </a:r>
-          </a:p>
-        </p:txBody>
-      </p:sp>
-    </p:spTree>
-    <p:extLst>
-      <p:ext uri="{BB962C8B-B14F-4D97-AF65-F5344CB8AC3E}">
-        <p14:creationId xmlns:p14="http://schemas.microsoft.com/office/powerpoint/2010/main" val="3932901853"/>
       </p:ext>
     </p:extLst>
   </p:cSld>

--- a/doc/20210316_CR.pptx
+++ b/doc/20210316_CR.pptx
@@ -16613,7 +16613,7 @@
           <a:p>
             <a:fld id="{46D2FF82-6B29-44D2-BD3C-588726427E6D}" type="datetimeFigureOut">
               <a:rPr lang="zh-CN" altLang="en-US" smtClean="0"/>
-              <a:t>2021/3/17</a:t>
+              <a:t>2021/3/22</a:t>
             </a:fld>
             <a:endParaRPr lang="zh-CN" altLang="en-US"/>
           </a:p>
@@ -17114,7 +17114,7 @@
           <a:p>
             <a:fld id="{5041867B-4B1C-4C01-BCD1-839AFBF713B2}" type="datetimeFigureOut">
               <a:rPr lang="zh-CN" altLang="en-US" smtClean="0"/>
-              <a:t>2021/3/17</a:t>
+              <a:t>2021/3/22</a:t>
             </a:fld>
             <a:endParaRPr lang="zh-CN" altLang="en-US"/>
           </a:p>
@@ -17314,7 +17314,7 @@
           <a:p>
             <a:fld id="{5041867B-4B1C-4C01-BCD1-839AFBF713B2}" type="datetimeFigureOut">
               <a:rPr lang="zh-CN" altLang="en-US" smtClean="0"/>
-              <a:t>2021/3/17</a:t>
+              <a:t>2021/3/22</a:t>
             </a:fld>
             <a:endParaRPr lang="zh-CN" altLang="en-US"/>
           </a:p>
@@ -17524,7 +17524,7 @@
           <a:p>
             <a:fld id="{5041867B-4B1C-4C01-BCD1-839AFBF713B2}" type="datetimeFigureOut">
               <a:rPr lang="zh-CN" altLang="en-US" smtClean="0"/>
-              <a:t>2021/3/17</a:t>
+              <a:t>2021/3/22</a:t>
             </a:fld>
             <a:endParaRPr lang="zh-CN" altLang="en-US"/>
           </a:p>
@@ -17724,7 +17724,7 @@
           <a:p>
             <a:fld id="{5041867B-4B1C-4C01-BCD1-839AFBF713B2}" type="datetimeFigureOut">
               <a:rPr lang="zh-CN" altLang="en-US" smtClean="0"/>
-              <a:t>2021/3/17</a:t>
+              <a:t>2021/3/22</a:t>
             </a:fld>
             <a:endParaRPr lang="zh-CN" altLang="en-US"/>
           </a:p>
@@ -18000,7 +18000,7 @@
           <a:p>
             <a:fld id="{5041867B-4B1C-4C01-BCD1-839AFBF713B2}" type="datetimeFigureOut">
               <a:rPr lang="zh-CN" altLang="en-US" smtClean="0"/>
-              <a:t>2021/3/17</a:t>
+              <a:t>2021/3/22</a:t>
             </a:fld>
             <a:endParaRPr lang="zh-CN" altLang="en-US"/>
           </a:p>
@@ -18268,7 +18268,7 @@
           <a:p>
             <a:fld id="{5041867B-4B1C-4C01-BCD1-839AFBF713B2}" type="datetimeFigureOut">
               <a:rPr lang="zh-CN" altLang="en-US" smtClean="0"/>
-              <a:t>2021/3/17</a:t>
+              <a:t>2021/3/22</a:t>
             </a:fld>
             <a:endParaRPr lang="zh-CN" altLang="en-US"/>
           </a:p>
@@ -18683,7 +18683,7 @@
           <a:p>
             <a:fld id="{5041867B-4B1C-4C01-BCD1-839AFBF713B2}" type="datetimeFigureOut">
               <a:rPr lang="zh-CN" altLang="en-US" smtClean="0"/>
-              <a:t>2021/3/17</a:t>
+              <a:t>2021/3/22</a:t>
             </a:fld>
             <a:endParaRPr lang="zh-CN" altLang="en-US"/>
           </a:p>
@@ -18825,7 +18825,7 @@
           <a:p>
             <a:fld id="{5041867B-4B1C-4C01-BCD1-839AFBF713B2}" type="datetimeFigureOut">
               <a:rPr lang="zh-CN" altLang="en-US" smtClean="0"/>
-              <a:t>2021/3/17</a:t>
+              <a:t>2021/3/22</a:t>
             </a:fld>
             <a:endParaRPr lang="zh-CN" altLang="en-US"/>
           </a:p>
@@ -18938,7 +18938,7 @@
           <a:p>
             <a:fld id="{5041867B-4B1C-4C01-BCD1-839AFBF713B2}" type="datetimeFigureOut">
               <a:rPr lang="zh-CN" altLang="en-US" smtClean="0"/>
-              <a:t>2021/3/17</a:t>
+              <a:t>2021/3/22</a:t>
             </a:fld>
             <a:endParaRPr lang="zh-CN" altLang="en-US"/>
           </a:p>
@@ -19251,7 +19251,7 @@
           <a:p>
             <a:fld id="{5041867B-4B1C-4C01-BCD1-839AFBF713B2}" type="datetimeFigureOut">
               <a:rPr lang="zh-CN" altLang="en-US" smtClean="0"/>
-              <a:t>2021/3/17</a:t>
+              <a:t>2021/3/22</a:t>
             </a:fld>
             <a:endParaRPr lang="zh-CN" altLang="en-US"/>
           </a:p>
@@ -19540,7 +19540,7 @@
           <a:p>
             <a:fld id="{5041867B-4B1C-4C01-BCD1-839AFBF713B2}" type="datetimeFigureOut">
               <a:rPr lang="zh-CN" altLang="en-US" smtClean="0"/>
-              <a:t>2021/3/17</a:t>
+              <a:t>2021/3/22</a:t>
             </a:fld>
             <a:endParaRPr lang="zh-CN" altLang="en-US"/>
           </a:p>
@@ -19783,7 +19783,7 @@
           <a:p>
             <a:fld id="{5041867B-4B1C-4C01-BCD1-839AFBF713B2}" type="datetimeFigureOut">
               <a:rPr lang="zh-CN" altLang="en-US" smtClean="0"/>
-              <a:t>2021/3/17</a:t>
+              <a:t>2021/3/22</a:t>
             </a:fld>
             <a:endParaRPr lang="zh-CN" altLang="en-US"/>
           </a:p>
@@ -20629,7 +20629,7 @@
         </p:spPr>
         <p:txBody>
           <a:bodyPr>
-            <a:normAutofit fontScale="77500" lnSpcReduction="20000"/>
+            <a:normAutofit fontScale="62500" lnSpcReduction="20000"/>
           </a:bodyPr>
           <a:lstStyle/>
           <a:p>
@@ -20736,6 +20736,20 @@
               <a:rPr lang="en-US" altLang="zh-CN" dirty="0"/>
               <a:t>Anything else?</a:t>
             </a:r>
+          </a:p>
+          <a:p>
+            <a:endParaRPr lang="en-US" altLang="zh-CN" dirty="0"/>
+          </a:p>
+          <a:p>
+            <a:r>
+              <a:rPr lang="en-US" altLang="zh-CN" dirty="0"/>
+              <a:t>Project </a:t>
+            </a:r>
+            <a:r>
+              <a:rPr lang="en-US" altLang="zh-CN"/>
+              <a:t>directed presentation</a:t>
+            </a:r>
+            <a:endParaRPr lang="en-US" altLang="zh-CN" dirty="0"/>
           </a:p>
         </p:txBody>
       </p:sp>
